--- a/help/data-sheets/assets/DMeStandardSupportDatasheet_2022.pptx
+++ b/help/data-sheets/assets/DMeStandardSupportDatasheet_2022.pptx
@@ -553,7 +553,7 @@
           <a:p>
             <a:fld id="{A438815C-EDE5-F947-A55F-7634403F36C4}" type="datetimeFigureOut">
               <a:rPr lang="en-US" smtClean="0"/>
-              <a:t>3/3/2022</a:t>
+              <a:t>3/24/2022</a:t>
             </a:fld>
             <a:endParaRPr lang="en-US" dirty="0"/>
           </a:p>
@@ -1176,7 +1176,7 @@
           <a:p>
             <a:fld id="{1D8BD707-D9CF-40AE-B4C6-C98DA3205C09}" type="datetimeFigureOut">
               <a:rPr lang="en-US"/>
-              <a:t>3/3/2022</a:t>
+              <a:t>3/24/2022</a:t>
             </a:fld>
             <a:endParaRPr lang="en-US" dirty="0"/>
           </a:p>
@@ -1331,7 +1331,7 @@
           <a:p>
             <a:fld id="{1D8BD707-D9CF-40AE-B4C6-C98DA3205C09}" type="datetimeFigureOut">
               <a:rPr lang="en-US"/>
-              <a:t>3/3/2022</a:t>
+              <a:t>3/24/2022</a:t>
             </a:fld>
             <a:endParaRPr lang="en-US" dirty="0"/>
           </a:p>
@@ -1634,7 +1634,7 @@
           <a:p>
             <a:fld id="{1D8BD707-D9CF-40AE-B4C6-C98DA3205C09}" type="datetimeFigureOut">
               <a:rPr lang="en-US"/>
-              <a:t>3/3/2022</a:t>
+              <a:t>3/24/2022</a:t>
             </a:fld>
             <a:endParaRPr lang="en-US" dirty="0"/>
           </a:p>
@@ -1881,7 +1881,7 @@
               </a:spcBef>
             </a:pPr>
             <a:r>
-              <a:rPr sz="1400" b="1" u="heavy" spc="10" dirty="0">
+              <a:rPr lang="ja-JP" sz="1400" b="1" u="heavy">
                 <a:solidFill>
                   <a:srgbClr val="020302"/>
                 </a:solidFill>
@@ -1890,90 +1890,12 @@
                     <a:srgbClr val="020302"/>
                   </a:solidFill>
                 </a:uFill>
-                <a:latin typeface="Adobe Clean"/>
+                <a:latin typeface="Adobe Clean Han Regular" panose="020B0500000000000000" pitchFamily="34" charset="-128"/>
+                <a:ea typeface="Adobe Clean Han Regular" panose="020B0500000000000000" pitchFamily="34" charset="-128"/>
                 <a:cs typeface="Adobe Clean"/>
               </a:rPr>
-              <a:t>Service </a:t>
+              <a:t>サービスレベルターゲット：初期対応</a:t>
             </a:r>
-            <a:r>
-              <a:rPr lang="en-US" sz="1400" b="1" u="heavy" spc="-10" dirty="0">
-                <a:solidFill>
-                  <a:srgbClr val="020302"/>
-                </a:solidFill>
-                <a:uFill>
-                  <a:solidFill>
-                    <a:srgbClr val="020302"/>
-                  </a:solidFill>
-                </a:uFill>
-                <a:latin typeface="Adobe Clean"/>
-                <a:cs typeface="Adobe Clean"/>
-              </a:rPr>
-              <a:t>Level </a:t>
-            </a:r>
-            <a:r>
-              <a:rPr lang="en-US" sz="1400" b="1" u="heavy" spc="-45" dirty="0">
-                <a:solidFill>
-                  <a:srgbClr val="020302"/>
-                </a:solidFill>
-                <a:uFill>
-                  <a:solidFill>
-                    <a:srgbClr val="020302"/>
-                  </a:solidFill>
-                </a:uFill>
-                <a:latin typeface="Adobe Clean"/>
-                <a:cs typeface="Adobe Clean"/>
-              </a:rPr>
-              <a:t>Targets: </a:t>
-            </a:r>
-            <a:r>
-              <a:rPr lang="en-US" sz="1400" b="1" u="heavy" spc="-10" dirty="0">
-                <a:solidFill>
-                  <a:srgbClr val="020302"/>
-                </a:solidFill>
-                <a:uFill>
-                  <a:solidFill>
-                    <a:srgbClr val="020302"/>
-                  </a:solidFill>
-                </a:uFill>
-                <a:latin typeface="Adobe Clean"/>
-                <a:cs typeface="Adobe Clean"/>
-              </a:rPr>
-              <a:t>Initial</a:t>
-            </a:r>
-            <a:r>
-              <a:rPr lang="en-US" sz="1400" b="1" u="heavy" spc="-140" dirty="0">
-                <a:solidFill>
-                  <a:srgbClr val="020302"/>
-                </a:solidFill>
-                <a:uFill>
-                  <a:solidFill>
-                    <a:srgbClr val="020302"/>
-                  </a:solidFill>
-                </a:uFill>
-                <a:latin typeface="Adobe Clean"/>
-                <a:cs typeface="Adobe Clean"/>
-              </a:rPr>
-              <a:t> </a:t>
-            </a:r>
-            <a:r>
-              <a:rPr lang="en-US" sz="1400" b="1" u="heavy" spc="-15" dirty="0">
-                <a:solidFill>
-                  <a:srgbClr val="020302"/>
-                </a:solidFill>
-                <a:uFill>
-                  <a:solidFill>
-                    <a:srgbClr val="020302"/>
-                  </a:solidFill>
-                </a:uFill>
-                <a:latin typeface="Adobe Clean"/>
-                <a:cs typeface="Adobe Clean"/>
-              </a:rPr>
-              <a:t>Response</a:t>
-            </a:r>
-            <a:endParaRPr sz="1400" dirty="0">
-              <a:latin typeface="Adobe Clean"/>
-              <a:cs typeface="Adobe Clean"/>
-            </a:endParaRPr>
           </a:p>
         </p:txBody>
       </p:sp>
@@ -2002,7 +1924,10 @@
           <a:bodyPr wrap="square" lIns="0" tIns="0" rIns="0" bIns="0" rtlCol="0"/>
           <a:lstStyle/>
           <a:p>
-            <a:endParaRPr dirty="0"/>
+            <a:endParaRPr dirty="0">
+              <a:latin typeface="Adobe Clean Han Regular" panose="020B0500000000000000" pitchFamily="34" charset="-128"/>
+              <a:ea typeface="Adobe Clean Han Regular" panose="020B0500000000000000" pitchFamily="34" charset="-128"/>
+            </a:endParaRPr>
           </a:p>
         </p:txBody>
       </p:sp>
@@ -2015,7 +1940,7 @@
         <p:spPr>
           <a:xfrm>
             <a:off x="102031" y="580032"/>
-            <a:ext cx="6134100" cy="1127232"/>
+            <a:ext cx="5841569" cy="1271758"/>
           </a:xfrm>
           <a:prstGeom prst="rect">
             <a:avLst/>
@@ -2036,28 +1961,35 @@
               </a:spcBef>
             </a:pPr>
             <a:r>
-              <a:rPr lang="en-US" sz="1200" b="1" dirty="0">
+              <a:rPr lang="ja-JP" sz="1100" b="1" dirty="0">
                 <a:solidFill>
                   <a:schemeClr val="bg1"/>
                 </a:solidFill>
+                <a:latin typeface="Adobe Clean Han Regular" panose="020B0500000000000000" pitchFamily="34" charset="-128"/>
+                <a:ea typeface="Adobe Clean Han Regular" panose="020B0500000000000000" pitchFamily="34" charset="-128"/>
               </a:rPr>
-              <a:t>Standard</a:t>
+              <a:t>標準</a:t>
             </a:r>
             <a:r>
-              <a:rPr lang="en-US" sz="1200" dirty="0">
+              <a:rPr lang="ja-JP" sz="1100" dirty="0">
                 <a:solidFill>
                   <a:schemeClr val="bg1"/>
                 </a:solidFill>
-                <a:latin typeface="Adobe Clean Light" panose="020B0303020404020204" pitchFamily="34" charset="0"/>
+                <a:latin typeface="Adobe Clean Han Regular" panose="020B0500000000000000" pitchFamily="34" charset="-128"/>
+                <a:ea typeface="Adobe Clean Han Regular" panose="020B0500000000000000" pitchFamily="34" charset="-128"/>
               </a:rPr>
-              <a:t> | Business | Enterprise | Elite</a:t>
+              <a:t> </a:t>
             </a:r>
-            <a:endParaRPr lang="en-US" sz="900" dirty="0">
-              <a:solidFill>
-                <a:schemeClr val="bg1"/>
-              </a:solidFill>
-              <a:latin typeface="Adobe Clean Light" panose="020B0303020404020204" pitchFamily="34" charset="0"/>
-            </a:endParaRPr>
+            <a:r>
+              <a:rPr lang="ja-JP" sz="1100" dirty="0">
+                <a:solidFill>
+                  <a:schemeClr val="bg1"/>
+                </a:solidFill>
+                <a:latin typeface="Adobe Clean Han Light" panose="020B0300000000000000" pitchFamily="34" charset="-128"/>
+                <a:ea typeface="Adobe Clean Han Light" panose="020B0300000000000000" pitchFamily="34" charset="-128"/>
+              </a:rPr>
+              <a:t>| ビジネス | エンタープライズ | エリート</a:t>
+            </a:r>
           </a:p>
           <a:p>
             <a:pPr marL="12700" marR="5080">
@@ -2069,20 +2001,22 @@
               </a:spcBef>
             </a:pPr>
             <a:r>
-              <a:rPr lang="en-US" sz="1000" dirty="0">
+              <a:rPr lang="ja-JP" sz="900" dirty="0">
                 <a:solidFill>
                   <a:schemeClr val="bg1"/>
                 </a:solidFill>
-                <a:latin typeface="Adobe Clean SemiLight"/>
+                <a:latin typeface="Adobe Clean Han Light" panose="020B0300000000000000" pitchFamily="34" charset="-128"/>
+                <a:ea typeface="Adobe Clean Han Light" panose="020B0300000000000000" pitchFamily="34" charset="-128"/>
               </a:rPr>
-              <a:t>Adobe provides a comprehensive range of technical resources to help support your business included as part of your Adobe enterprise subscription. Standard support includes 24x7 access to our self-help support resources including articles on HelpX and engagement with other customers on Adobe Community. You can take advantage of our detailed and in-depth technical product documentation and current release notes published on </a:t>
+              <a:t>アドビでは、お客様のビジネスをサポートするために、包括的なテクニカルリソースを提供しています。これらのリソースは、アドビエンタープライズサブスクリプションに含まれています。標準サポートには、HelpX の記事およびアドビコミュニティの他のお客様との連携を含む、アドビのセルフサービスサポートリソースへの 24 時間年中無休のアクセスが含まれます。アドビ製品に関する詳細なテクニカルドキュメントや最新のリリースノートは </a:t>
             </a:r>
             <a:r>
-              <a:rPr lang="en-US" sz="1000" u="sng" dirty="0">
+              <a:rPr lang="ja-JP" sz="900" u="sng" dirty="0">
                 <a:solidFill>
                   <a:schemeClr val="bg1"/>
                 </a:solidFill>
-                <a:latin typeface="Adobe Clean SemiLight"/>
+                <a:latin typeface="Adobe Clean Han Light" panose="020B0300000000000000" pitchFamily="34" charset="-128"/>
+                <a:ea typeface="Adobe Clean Han Light" panose="020B0300000000000000" pitchFamily="34" charset="-128"/>
                 <a:hlinkClick r:id="rId4">
                   <a:extLst>
                     <a:ext uri="{A12FA001-AC4F-418D-AE19-62706E023703}">
@@ -2094,30 +2028,15 @@
               <a:t>http://www.adobe.com</a:t>
             </a:r>
             <a:r>
-              <a:rPr lang="en-US" sz="1000" u="sng" dirty="0">
+              <a:rPr lang="ja-JP" sz="900" dirty="0">
                 <a:solidFill>
                   <a:schemeClr val="bg1"/>
                 </a:solidFill>
-                <a:latin typeface="Adobe Clean SemiLight"/>
+                <a:latin typeface="Adobe Clean Han Light" panose="020B0300000000000000" pitchFamily="34" charset="-128"/>
+                <a:ea typeface="Adobe Clean Han Light" panose="020B0300000000000000" pitchFamily="34" charset="-128"/>
               </a:rPr>
-              <a:t>. </a:t>
+              <a:t> で公開されており、いつでも参照可能です。また、アドビの標準サポートでは、承認済みユーザー（管理者）は、チャットまたは電話によるアドビのテクニカルサポートチームへの 24 時間年中無休のアクセスや、アドビのサポート web ポータルによるリクエスト申請が可能です。 </a:t>
             </a:r>
-            <a:r>
-              <a:rPr lang="en-US" sz="1000" dirty="0">
-                <a:solidFill>
-                  <a:schemeClr val="bg1"/>
-                </a:solidFill>
-                <a:latin typeface="Adobe Clean SemiLight"/>
-              </a:rPr>
-              <a:t>Our standard support also includes 24x7 access for Authorized Users (Admins) to our technical support teams via chat or telephone as well as the ability to log requests for assistance via our support web portal. </a:t>
-            </a:r>
-            <a:endParaRPr lang="en-US" sz="1000" dirty="0">
-              <a:solidFill>
-                <a:schemeClr val="bg1"/>
-              </a:solidFill>
-              <a:latin typeface="Adobe Clean Light" panose="020B0303020404020204" pitchFamily="34" charset="0"/>
-              <a:cs typeface="AdobeClean-Light"/>
-            </a:endParaRPr>
           </a:p>
         </p:txBody>
       </p:sp>
@@ -2146,7 +2065,10 @@
           <a:bodyPr wrap="square" lIns="0" tIns="0" rIns="0" bIns="0" rtlCol="0"/>
           <a:lstStyle/>
           <a:p>
-            <a:endParaRPr dirty="0"/>
+            <a:endParaRPr dirty="0">
+              <a:latin typeface="Adobe Clean Han Regular" panose="020B0500000000000000" pitchFamily="34" charset="-128"/>
+              <a:ea typeface="Adobe Clean Han Regular" panose="020B0500000000000000" pitchFamily="34" charset="-128"/>
+            </a:endParaRPr>
           </a:p>
         </p:txBody>
       </p:sp>
@@ -2159,14 +2081,14 @@
           <p:nvPr>
             <p:extLst>
               <p:ext uri="{D42A27DB-BD31-4B8C-83A1-F6EECF244321}">
-                <p14:modId xmlns:p14="http://schemas.microsoft.com/office/powerpoint/2010/main" val="3167048013"/>
+                <p14:modId xmlns:p14="http://schemas.microsoft.com/office/powerpoint/2010/main" val="1505553721"/>
               </p:ext>
             </p:extLst>
           </p:nvPr>
         </p:nvGraphicFramePr>
         <p:xfrm>
           <a:off x="95250" y="2013716"/>
-          <a:ext cx="7600951" cy="5104299"/>
+          <a:ext cx="7600951" cy="5070429"/>
         </p:xfrm>
         <a:graphic>
           <a:graphicData uri="http://schemas.openxmlformats.org/drawingml/2006/table">
@@ -2182,21 +2104,21 @@
                     </a:ext>
                   </a:extLst>
                 </a:gridCol>
-                <a:gridCol w="2667002">
+                <a:gridCol w="2919131">
                   <a:extLst>
                     <a:ext uri="{9D8B030D-6E8A-4147-A177-3AD203B41FA5}">
                       <a16:colId xmlns:a16="http://schemas.microsoft.com/office/drawing/2014/main" val="20001"/>
                     </a:ext>
                   </a:extLst>
                 </a:gridCol>
-                <a:gridCol w="1019735">
+                <a:gridCol w="838200">
                   <a:extLst>
                     <a:ext uri="{9D8B030D-6E8A-4147-A177-3AD203B41FA5}">
                       <a16:colId xmlns:a16="http://schemas.microsoft.com/office/drawing/2014/main" val="20002"/>
                     </a:ext>
                   </a:extLst>
                 </a:gridCol>
-                <a:gridCol w="941294">
+                <a:gridCol w="870700">
                   <a:extLst>
                     <a:ext uri="{9D8B030D-6E8A-4147-A177-3AD203B41FA5}">
                       <a16:colId xmlns:a16="http://schemas.microsoft.com/office/drawing/2014/main" val="20003"/>
@@ -2231,7 +2153,10 @@
                     <a:bodyPr/>
                     <a:lstStyle/>
                     <a:p>
-                      <a:endParaRPr lang="en-US" spc="0" dirty="0"/>
+                      <a:endParaRPr lang="en-US" sz="1400" spc="0" dirty="0">
+                        <a:latin typeface="Adobe Clean Han Regular" panose="020B0500000000000000" pitchFamily="34" charset="-128"/>
+                        <a:ea typeface="Adobe Clean Han Regular" panose="020B0500000000000000" pitchFamily="34" charset="-128"/>
+                      </a:endParaRPr>
                     </a:p>
                   </a:txBody>
                   <a:tcPr/>
@@ -2260,29 +2185,16 @@
                         </a:spcBef>
                       </a:pPr>
                       <a:r>
-                        <a:rPr lang="en-US" sz="1000" spc="0" dirty="0">
+                        <a:rPr lang="ja-JP" sz="800">
                           <a:solidFill>
                             <a:srgbClr val="404040"/>
                           </a:solidFill>
-                          <a:latin typeface="Adobe Clean"/>
+                          <a:latin typeface="Adobe Clean Han Regular" panose="020B0500000000000000" pitchFamily="34" charset="-128"/>
+                          <a:ea typeface="Adobe Clean Han Regular" panose="020B0500000000000000" pitchFamily="34" charset="-128"/>
                           <a:cs typeface="Adobe Clean"/>
                         </a:rPr>
-                        <a:t>Standard </a:t>
+                        <a:t>標準サポート</a:t>
                       </a:r>
-                      <a:r>
-                        <a:rPr sz="1000" spc="0" dirty="0">
-                          <a:solidFill>
-                            <a:srgbClr val="404040"/>
-                          </a:solidFill>
-                          <a:latin typeface="Adobe Clean"/>
-                          <a:cs typeface="Adobe Clean"/>
-                        </a:rPr>
-                        <a:t>Support</a:t>
-                      </a:r>
-                      <a:endParaRPr sz="1000" spc="0" dirty="0">
-                        <a:latin typeface="Adobe Clean"/>
-                        <a:cs typeface="Adobe Clean"/>
-                      </a:endParaRPr>
                     </a:p>
                   </a:txBody>
                   <a:tcPr marL="0" marR="0" marT="7620" marB="0" anchor="ctr">
@@ -2317,39 +2229,16 @@
                         </a:spcBef>
                       </a:pPr>
                       <a:r>
-                        <a:rPr sz="1000" spc="0" dirty="0">
+                        <a:rPr lang="ja-JP" sz="800">
                           <a:solidFill>
                             <a:srgbClr val="FFFFFF"/>
                           </a:solidFill>
-                          <a:latin typeface="Adobe Clean"/>
+                          <a:latin typeface="Adobe Clean Han Regular" panose="020B0500000000000000" pitchFamily="34" charset="-128"/>
+                          <a:ea typeface="Adobe Clean Han Regular" panose="020B0500000000000000" pitchFamily="34" charset="-128"/>
                           <a:cs typeface="Adobe Clean"/>
                         </a:rPr>
-                        <a:t>Business</a:t>
+                        <a:t>ビジネスサポート</a:t>
                       </a:r>
-                      <a:r>
-                        <a:rPr lang="en-US" sz="1000" spc="0" dirty="0">
-                          <a:solidFill>
-                            <a:srgbClr val="FFFFFF"/>
-                          </a:solidFill>
-                          <a:latin typeface="Adobe Clean"/>
-                          <a:cs typeface="Adobe Clean"/>
-                        </a:rPr>
-                        <a:t> </a:t>
-                      </a:r>
-                      <a:r>
-                        <a:rPr sz="1000" spc="0" dirty="0">
-                          <a:solidFill>
-                            <a:srgbClr val="FFFFFF"/>
-                          </a:solidFill>
-                          <a:latin typeface="Adobe Clean"/>
-                          <a:cs typeface="Adobe Clean"/>
-                        </a:rPr>
-                        <a:t>Support</a:t>
-                      </a:r>
-                      <a:endParaRPr sz="1000" spc="0" dirty="0">
-                        <a:latin typeface="Adobe Clean"/>
-                        <a:cs typeface="Adobe Clean"/>
-                      </a:endParaRPr>
                     </a:p>
                   </a:txBody>
                   <a:tcPr marL="0" marR="0" marT="7620" marB="0" anchor="ctr">
@@ -2390,19 +2279,16 @@
                         </a:spcBef>
                       </a:pPr>
                       <a:r>
-                        <a:rPr lang="en-US" sz="1000" spc="0" dirty="0">
+                        <a:rPr lang="ja-JP" sz="800">
                           <a:solidFill>
                             <a:srgbClr val="FFFFFF"/>
                           </a:solidFill>
-                          <a:latin typeface="Adobe Clean"/>
+                          <a:latin typeface="Adobe Clean Han Regular" panose="020B0500000000000000" pitchFamily="34" charset="-128"/>
+                          <a:ea typeface="Adobe Clean Han Regular" panose="020B0500000000000000" pitchFamily="34" charset="-128"/>
                           <a:cs typeface="Adobe Clean"/>
                         </a:rPr>
-                        <a:t>Enterprise Support</a:t>
+                        <a:t>エンタープライズサポート</a:t>
                       </a:r>
-                      <a:endParaRPr sz="1000" spc="0" dirty="0">
-                        <a:latin typeface="Adobe Clean"/>
-                        <a:cs typeface="Adobe Clean"/>
-                      </a:endParaRPr>
                     </a:p>
                   </a:txBody>
                   <a:tcPr marL="0" marR="0" marT="7620" marB="0" anchor="ctr">
@@ -2443,39 +2329,16 @@
                         </a:spcBef>
                       </a:pPr>
                       <a:r>
-                        <a:rPr sz="900" spc="-20">
+                        <a:rPr lang="ja-JP" sz="900">
                           <a:solidFill>
                             <a:srgbClr val="FFFFFF"/>
                           </a:solidFill>
                           <a:latin typeface="Adobe Clean"/>
+                          <a:ea typeface="MS Mincho"/>
                           <a:cs typeface="Adobe Clean"/>
                         </a:rPr>
-                        <a:t>Enterprise</a:t>
+                        <a:t>エンタープライズサポート</a:t>
                       </a:r>
-                      <a:r>
-                        <a:rPr lang="en-US" sz="900" spc="-20">
-                          <a:solidFill>
-                            <a:srgbClr val="FFFFFF"/>
-                          </a:solidFill>
-                          <a:latin typeface="Adobe Clean"/>
-                          <a:cs typeface="Adobe Clean"/>
-                        </a:rPr>
-                        <a:t> </a:t>
-                      </a:r>
-                      <a:r>
-                        <a:rPr sz="900" spc="-20">
-                          <a:solidFill>
-                            <a:srgbClr val="FFFFFF"/>
-                          </a:solidFill>
-                          <a:latin typeface="Adobe Clean"/>
-                          <a:cs typeface="Adobe Clean"/>
-                        </a:rPr>
-                        <a:t>Support</a:t>
-                      </a:r>
-                      <a:endParaRPr sz="900">
-                        <a:latin typeface="Adobe Clean"/>
-                        <a:cs typeface="Adobe Clean"/>
-                      </a:endParaRPr>
                     </a:p>
                   </a:txBody>
                   <a:tcPr marL="0" marR="0" marT="7620" marB="0" anchor="ctr">
@@ -2516,39 +2379,37 @@
                         </a:spcBef>
                       </a:pPr>
                       <a:r>
-                        <a:rPr sz="1000" spc="0" dirty="0">
+                        <a:rPr lang="ja-JP" sz="800" dirty="0">
                           <a:solidFill>
                             <a:srgbClr val="FFFFFF"/>
                           </a:solidFill>
-                          <a:latin typeface="Adobe Clean"/>
+                          <a:latin typeface="Adobe Clean Han Regular" panose="020B0500000000000000" pitchFamily="34" charset="-128"/>
+                          <a:ea typeface="Adobe Clean Han Regular" panose="020B0500000000000000" pitchFamily="34" charset="-128"/>
                           <a:cs typeface="Adobe Clean"/>
                         </a:rPr>
-                        <a:t>Elite</a:t>
+                        <a:t>エリートサ</a:t>
                       </a:r>
-                      <a:r>
-                        <a:rPr lang="en-US" sz="1000" spc="0" dirty="0">
+                      <a:br>
+                        <a:rPr lang="en-US" altLang="ja-JP" sz="800" dirty="0">
                           <a:solidFill>
                             <a:srgbClr val="FFFFFF"/>
                           </a:solidFill>
-                          <a:latin typeface="Adobe Clean"/>
+                          <a:latin typeface="Adobe Clean Han Regular" panose="020B0500000000000000" pitchFamily="34" charset="-128"/>
+                          <a:ea typeface="Adobe Clean Han Regular" panose="020B0500000000000000" pitchFamily="34" charset="-128"/>
                           <a:cs typeface="Adobe Clean"/>
                         </a:rPr>
-                        <a:t> </a:t>
-                      </a:r>
+                      </a:br>
                       <a:r>
-                        <a:rPr sz="1000" spc="0" dirty="0">
+                        <a:rPr lang="ja-JP" sz="800" dirty="0">
                           <a:solidFill>
                             <a:srgbClr val="FFFFFF"/>
                           </a:solidFill>
-                          <a:latin typeface="Adobe Clean"/>
+                          <a:latin typeface="Adobe Clean Han Regular" panose="020B0500000000000000" pitchFamily="34" charset="-128"/>
+                          <a:ea typeface="Adobe Clean Han Regular" panose="020B0500000000000000" pitchFamily="34" charset="-128"/>
                           <a:cs typeface="Adobe Clean"/>
                         </a:rPr>
-                        <a:t>Support</a:t>
+                        <a:t>ポート</a:t>
                       </a:r>
-                      <a:endParaRPr sz="1000" spc="0" dirty="0">
-                        <a:latin typeface="Adobe Clean"/>
-                        <a:cs typeface="Adobe Clean"/>
-                      </a:endParaRPr>
                     </a:p>
                   </a:txBody>
                   <a:tcPr marL="0" marR="0" marT="7620" marB="0" anchor="ctr">
@@ -2581,7 +2442,10 @@
                     <a:bodyPr/>
                     <a:lstStyle/>
                     <a:p>
-                      <a:endParaRPr lang="en-US" sz="1100" spc="0" dirty="0"/>
+                      <a:endParaRPr lang="en-US" sz="1000" spc="0" dirty="0">
+                        <a:latin typeface="Adobe Clean Han Regular" panose="020B0500000000000000" pitchFamily="34" charset="-128"/>
+                        <a:ea typeface="Adobe Clean Han Regular" panose="020B0500000000000000" pitchFamily="34" charset="-128"/>
+                      </a:endParaRPr>
                     </a:p>
                   </a:txBody>
                   <a:tcPr/>
@@ -2601,7 +2465,7 @@
                     <a:bodyPr/>
                     <a:lstStyle/>
                     <a:p>
-                      <a:pPr marL="255904" marR="248920" indent="-25400">
+                      <a:pPr marL="255904" marR="248920" indent="-25400" algn="l" rtl="0">
                         <a:lnSpc>
                           <a:spcPct val="100000"/>
                         </a:lnSpc>
@@ -2609,8 +2473,9 @@
                           <a:spcPts val="170"/>
                         </a:spcBef>
                       </a:pPr>
-                      <a:endParaRPr sz="800" spc="0" dirty="0">
-                        <a:latin typeface="AdobeClean-LightIt"/>
+                      <a:endParaRPr sz="600" spc="0" dirty="0">
+                        <a:latin typeface="Adobe Clean Han Regular" panose="020B0500000000000000" pitchFamily="34" charset="-128"/>
+                        <a:ea typeface="Adobe Clean Han Regular" panose="020B0500000000000000" pitchFamily="34" charset="-128"/>
                         <a:cs typeface="AdobeClean-LightIt"/>
                       </a:endParaRPr>
                     </a:p>
@@ -2655,49 +2520,16 @@
                         </a:spcBef>
                       </a:pPr>
                       <a:r>
-                        <a:rPr lang="en-US" sz="1000" b="1" i="1" spc="0" dirty="0">
+                        <a:rPr lang="ja-JP" sz="800" b="1" i="1">
                           <a:solidFill>
                             <a:srgbClr val="FFFFFF"/>
                           </a:solidFill>
-                          <a:latin typeface="Adobe Clean" panose="020B0503020404020204" pitchFamily="34" charset="0"/>
+                          <a:latin typeface="Adobe Clean Han Regular" panose="020B0500000000000000" pitchFamily="34" charset="-128"/>
+                          <a:ea typeface="Adobe Clean Han Regular" panose="020B0500000000000000" pitchFamily="34" charset="-128"/>
                           <a:cs typeface="Adobe Clean"/>
                         </a:rPr>
-                        <a:t>Paid</a:t>
+                        <a:t>有償サポートレベル（$）</a:t>
                       </a:r>
-                      <a:r>
-                        <a:rPr sz="1000" b="1" i="1" spc="0" dirty="0">
-                          <a:solidFill>
-                            <a:srgbClr val="FFFFFF"/>
-                          </a:solidFill>
-                          <a:latin typeface="Adobe Clean" panose="020B0503020404020204" pitchFamily="34" charset="0"/>
-                          <a:cs typeface="Adobe Clean"/>
-                        </a:rPr>
-                        <a:t> Support Levels</a:t>
-                      </a:r>
-                      <a:r>
-                        <a:rPr lang="en-US" sz="1000" b="1" i="1" spc="0" dirty="0">
-                          <a:solidFill>
-                            <a:srgbClr val="FFFFFF"/>
-                          </a:solidFill>
-                          <a:latin typeface="Adobe Clean" panose="020B0503020404020204" pitchFamily="34" charset="0"/>
-                          <a:cs typeface="Adobe Clean"/>
-                        </a:rPr>
-                        <a:t> </a:t>
-                      </a:r>
-                      <a:r>
-                        <a:rPr sz="1000" b="1" i="1" spc="0" dirty="0">
-                          <a:solidFill>
-                            <a:srgbClr val="FFFFFF"/>
-                          </a:solidFill>
-                          <a:latin typeface="Adobe Clean" panose="020B0503020404020204" pitchFamily="34" charset="0"/>
-                          <a:cs typeface="Adobe Clean"/>
-                        </a:rPr>
-                        <a:t>($)</a:t>
-                      </a:r>
-                      <a:endParaRPr sz="1000" b="1" spc="0" dirty="0">
-                        <a:latin typeface="Adobe Clean" panose="020B0503020404020204" pitchFamily="34" charset="0"/>
-                        <a:cs typeface="Adobe Clean"/>
-                      </a:endParaRPr>
                     </a:p>
                   </a:txBody>
                   <a:tcPr marL="0" marR="0" marT="82550" marB="0" anchor="ctr">
@@ -2784,22 +2616,16 @@
                         </a:spcBef>
                       </a:pPr>
                       <a:r>
-                        <a:rPr lang="en-US" sz="1200" b="1" i="0" spc="0" dirty="0">
+                        <a:rPr lang="ja-JP" sz="1050" b="1" i="0">
                           <a:solidFill>
                             <a:schemeClr val="bg1"/>
                           </a:solidFill>
-                          <a:latin typeface="Adobe Clean" panose="020B0503020404020204" pitchFamily="34" charset="0"/>
+                          <a:latin typeface="Adobe Clean Han Regular" panose="020B0500000000000000" pitchFamily="34" charset="-128"/>
+                          <a:ea typeface="Adobe Clean Han Regular" panose="020B0500000000000000" pitchFamily="34" charset="-128"/>
                           <a:cs typeface="AdobeClean-Light"/>
                         </a:rPr>
-                        <a:t>Assigned Experts</a:t>
+                        <a:t>担当エキスパート</a:t>
                       </a:r>
-                      <a:endParaRPr sz="1200" b="1" i="0" spc="0" dirty="0">
-                        <a:solidFill>
-                          <a:schemeClr val="bg1"/>
-                        </a:solidFill>
-                        <a:latin typeface="Adobe Clean" panose="020B0503020404020204" pitchFamily="34" charset="0"/>
-                        <a:cs typeface="AdobeClean-Light"/>
-                      </a:endParaRPr>
                     </a:p>
                   </a:txBody>
                   <a:tcPr marL="0" marR="0" marT="58419" marB="0" anchor="ctr">
@@ -2846,29 +2672,16 @@
                         </a:spcBef>
                       </a:pPr>
                       <a:r>
-                        <a:rPr sz="1100" b="0" i="0" spc="0" dirty="0">
+                        <a:rPr lang="ja-JP" sz="1000" b="0" i="0" dirty="0">
                           <a:solidFill>
                             <a:srgbClr val="020302"/>
                           </a:solidFill>
-                          <a:latin typeface="Adobe Clean Light" panose="020B0303020404020204" pitchFamily="34" charset="0"/>
+                          <a:latin typeface="Adobe Clean Han Light" panose="020B0300000000000000" pitchFamily="34" charset="-128"/>
+                          <a:ea typeface="Adobe Clean Han Light" panose="020B0300000000000000" pitchFamily="34" charset="-128"/>
                           <a:cs typeface="AdobeClean-Light"/>
                         </a:rPr>
-                        <a:t>Account </a:t>
+                        <a:t>アカウントサポートリード</a:t>
                       </a:r>
-                      <a:r>
-                        <a:rPr lang="en-US" sz="1100" b="0" i="0" spc="0" dirty="0">
-                          <a:solidFill>
-                            <a:srgbClr val="020302"/>
-                          </a:solidFill>
-                          <a:latin typeface="Adobe Clean Light" panose="020B0303020404020204" pitchFamily="34" charset="0"/>
-                          <a:cs typeface="AdobeClean-Light"/>
-                        </a:rPr>
-                        <a:t>Support Lead</a:t>
-                      </a:r>
-                      <a:endParaRPr sz="1100" b="0" i="0" spc="0" dirty="0">
-                        <a:latin typeface="Adobe Clean Light" panose="020B0303020404020204" pitchFamily="34" charset="0"/>
-                        <a:cs typeface="AdobeClean-Light"/>
-                      </a:endParaRPr>
                     </a:p>
                   </a:txBody>
                   <a:tcPr marL="0" marR="0" marT="58419" marB="0">
@@ -2897,13 +2710,14 @@
                     <a:bodyPr/>
                     <a:lstStyle/>
                     <a:p>
-                      <a:pPr>
-                        <a:lnSpc>
-                          <a:spcPct val="100000"/>
-                        </a:lnSpc>
-                      </a:pPr>
-                      <a:endParaRPr sz="1100" spc="0" dirty="0">
-                        <a:latin typeface="Times New Roman"/>
+                      <a:pPr algn="l" rtl="0">
+                        <a:lnSpc>
+                          <a:spcPct val="100000"/>
+                        </a:lnSpc>
+                      </a:pPr>
+                      <a:endParaRPr sz="1000" spc="0" dirty="0">
+                        <a:latin typeface="Adobe Clean Han Regular" panose="020B0500000000000000" pitchFamily="34" charset="-128"/>
+                        <a:ea typeface="Adobe Clean Han Regular" panose="020B0500000000000000" pitchFamily="34" charset="-128"/>
                         <a:cs typeface="Times New Roman"/>
                       </a:endParaRPr>
                     </a:p>
@@ -2936,28 +2750,25 @@
                     <a:bodyPr/>
                     <a:lstStyle/>
                     <a:p>
-                      <a:pPr algn="ctr">
-                        <a:lnSpc>
-                          <a:spcPct val="100000"/>
-                        </a:lnSpc>
-                        <a:spcBef>
-                          <a:spcPts val="470"/>
+                      <a:pPr marL="0" algn="ctr">
+                        <a:lnSpc>
+                          <a:spcPct val="100000"/>
+                        </a:lnSpc>
+                        <a:spcBef>
+                          <a:spcPts val="459"/>
                         </a:spcBef>
                       </a:pPr>
                       <a:r>
-                        <a:rPr sz="1100" spc="0" dirty="0">
+                        <a:rPr lang="ja-JP" altLang="en-US" sz="1100" spc="0" dirty="0">
                           <a:solidFill>
                             <a:srgbClr val="020302"/>
                           </a:solidFill>
                           <a:latin typeface="Wingdings"/>
+                          <a:ea typeface="+mn-ea"/>
                           <a:cs typeface="Wingdings"/>
                         </a:rPr>
                         <a:t></a:t>
                       </a:r>
-                      <a:endParaRPr sz="1100" spc="0" dirty="0">
-                        <a:latin typeface="Wingdings"/>
-                        <a:cs typeface="Wingdings"/>
-                      </a:endParaRPr>
                     </a:p>
                   </a:txBody>
                   <a:tcPr marL="0" marR="0" marT="59690" marB="0">
@@ -2974,7 +2785,7 @@
                     <a:bodyPr/>
                     <a:lstStyle/>
                     <a:p>
-                      <a:pPr algn="ctr">
+                      <a:pPr algn="l" rtl="0">
                         <a:lnSpc>
                           <a:spcPct val="100000"/>
                         </a:lnSpc>
@@ -3005,13 +2816,20 @@
                     <a:bodyPr/>
                     <a:lstStyle/>
                     <a:p>
-                      <a:pPr>
-                        <a:lnSpc>
-                          <a:spcPct val="100000"/>
-                        </a:lnSpc>
+                      <a:pPr marL="0" algn="ctr" rtl="0">
+                        <a:lnSpc>
+                          <a:spcPct val="100000"/>
+                        </a:lnSpc>
+                        <a:spcBef>
+                          <a:spcPts val="459"/>
+                        </a:spcBef>
                       </a:pPr>
                       <a:endParaRPr sz="1100" spc="0" dirty="0">
-                        <a:latin typeface="Times New Roman"/>
+                        <a:solidFill>
+                          <a:srgbClr val="020302"/>
+                        </a:solidFill>
+                        <a:latin typeface="Wingdings"/>
+                        <a:ea typeface="+mn-ea"/>
                         <a:cs typeface="Times New Roman"/>
                       </a:endParaRPr>
                     </a:p>
@@ -3030,13 +2848,20 @@
                     <a:bodyPr/>
                     <a:lstStyle/>
                     <a:p>
-                      <a:pPr>
-                        <a:lnSpc>
-                          <a:spcPct val="100000"/>
-                        </a:lnSpc>
+                      <a:pPr marL="0" algn="ctr" rtl="0">
+                        <a:lnSpc>
+                          <a:spcPct val="100000"/>
+                        </a:lnSpc>
+                        <a:spcBef>
+                          <a:spcPts val="459"/>
+                        </a:spcBef>
                       </a:pPr>
                       <a:endParaRPr sz="1100" spc="0" dirty="0">
-                        <a:latin typeface="Times New Roman"/>
+                        <a:solidFill>
+                          <a:srgbClr val="020302"/>
+                        </a:solidFill>
+                        <a:latin typeface="Wingdings"/>
+                        <a:ea typeface="+mn-ea"/>
                         <a:cs typeface="Times New Roman"/>
                       </a:endParaRPr>
                     </a:p>
@@ -3068,7 +2893,7 @@
                     <a:bodyPr/>
                     <a:lstStyle/>
                     <a:p>
-                      <a:pPr marL="50800">
+                      <a:pPr marL="50800" algn="l" rtl="0">
                         <a:lnSpc>
                           <a:spcPct val="100000"/>
                         </a:lnSpc>
@@ -3114,19 +2939,16 @@
                         </a:spcBef>
                       </a:pPr>
                       <a:r>
-                        <a:rPr sz="1100" b="0" i="0" spc="0" dirty="0">
+                        <a:rPr lang="ja-JP" sz="1000" b="0" i="0" dirty="0">
                           <a:solidFill>
                             <a:srgbClr val="020302"/>
                           </a:solidFill>
-                          <a:latin typeface="Adobe Clean Light"/>
+                          <a:latin typeface="Adobe Clean Han Light" panose="020B0300000000000000" pitchFamily="34" charset="-128"/>
+                          <a:ea typeface="Adobe Clean Han Light" panose="020B0300000000000000" pitchFamily="34" charset="-128"/>
                           <a:cs typeface="AdobeClean-Light"/>
                         </a:rPr>
-                        <a:t>Named Support Engineer</a:t>
+                        <a:t>専任サポートエンジニア</a:t>
                       </a:r>
-                      <a:endParaRPr sz="1100" b="0" i="0" spc="0" dirty="0">
-                        <a:latin typeface="Adobe Clean Light"/>
-                        <a:cs typeface="AdobeClean-Light"/>
-                      </a:endParaRPr>
                     </a:p>
                   </a:txBody>
                   <a:tcPr marL="0" marR="0" marT="58419" marB="0">
@@ -3149,13 +2971,14 @@
                     <a:bodyPr/>
                     <a:lstStyle/>
                     <a:p>
-                      <a:pPr>
-                        <a:lnSpc>
-                          <a:spcPct val="100000"/>
-                        </a:lnSpc>
-                      </a:pPr>
-                      <a:endParaRPr sz="1100" spc="0" dirty="0">
-                        <a:latin typeface="Times New Roman"/>
+                      <a:pPr algn="l" rtl="0">
+                        <a:lnSpc>
+                          <a:spcPct val="100000"/>
+                        </a:lnSpc>
+                      </a:pPr>
+                      <a:endParaRPr sz="1000" spc="0" dirty="0">
+                        <a:latin typeface="Adobe Clean Han Regular" panose="020B0500000000000000" pitchFamily="34" charset="-128"/>
+                        <a:ea typeface="Adobe Clean Han Regular" panose="020B0500000000000000" pitchFamily="34" charset="-128"/>
                         <a:cs typeface="Times New Roman"/>
                       </a:endParaRPr>
                     </a:p>
@@ -3182,13 +3005,20 @@
                     <a:bodyPr/>
                     <a:lstStyle/>
                     <a:p>
-                      <a:pPr>
-                        <a:lnSpc>
-                          <a:spcPct val="100000"/>
-                        </a:lnSpc>
+                      <a:pPr marL="0" algn="ctr" rtl="0">
+                        <a:lnSpc>
+                          <a:spcPct val="100000"/>
+                        </a:lnSpc>
+                        <a:spcBef>
+                          <a:spcPts val="459"/>
+                        </a:spcBef>
                       </a:pPr>
                       <a:endParaRPr sz="1100" spc="0" dirty="0">
-                        <a:latin typeface="Times New Roman"/>
+                        <a:solidFill>
+                          <a:srgbClr val="020302"/>
+                        </a:solidFill>
+                        <a:latin typeface="Wingdings"/>
+                        <a:ea typeface="+mn-ea"/>
                         <a:cs typeface="Times New Roman"/>
                       </a:endParaRPr>
                     </a:p>
@@ -3200,7 +3030,7 @@
                     <a:bodyPr/>
                     <a:lstStyle/>
                     <a:p>
-                      <a:pPr>
+                      <a:pPr algn="l" rtl="0">
                         <a:lnSpc>
                           <a:spcPct val="100000"/>
                         </a:lnSpc>
@@ -3218,28 +3048,25 @@
                     <a:bodyPr/>
                     <a:lstStyle/>
                     <a:p>
-                      <a:pPr algn="ctr">
-                        <a:lnSpc>
-                          <a:spcPct val="100000"/>
-                        </a:lnSpc>
-                        <a:spcBef>
-                          <a:spcPts val="465"/>
+                      <a:pPr marL="0" algn="ctr">
+                        <a:lnSpc>
+                          <a:spcPct val="100000"/>
+                        </a:lnSpc>
+                        <a:spcBef>
+                          <a:spcPts val="459"/>
                         </a:spcBef>
                       </a:pPr>
                       <a:r>
-                        <a:rPr sz="1100" spc="0" dirty="0">
+                        <a:rPr lang="ja-JP" altLang="en-US" sz="1100" spc="0">
                           <a:solidFill>
                             <a:srgbClr val="020302"/>
                           </a:solidFill>
                           <a:latin typeface="Wingdings"/>
+                          <a:ea typeface="+mn-ea"/>
                           <a:cs typeface="Wingdings"/>
                         </a:rPr>
                         <a:t></a:t>
                       </a:r>
-                      <a:endParaRPr sz="1100" spc="0" dirty="0">
-                        <a:latin typeface="Wingdings"/>
-                        <a:cs typeface="Wingdings"/>
-                      </a:endParaRPr>
                     </a:p>
                   </a:txBody>
                   <a:tcPr marL="0" marR="0" marT="59055" marB="0"/>
@@ -3249,28 +3076,25 @@
                     <a:bodyPr/>
                     <a:lstStyle/>
                     <a:p>
-                      <a:pPr algn="ctr">
-                        <a:lnSpc>
-                          <a:spcPct val="100000"/>
-                        </a:lnSpc>
-                        <a:spcBef>
-                          <a:spcPts val="465"/>
+                      <a:pPr marL="0" algn="ctr">
+                        <a:lnSpc>
+                          <a:spcPct val="100000"/>
+                        </a:lnSpc>
+                        <a:spcBef>
+                          <a:spcPts val="459"/>
                         </a:spcBef>
                       </a:pPr>
                       <a:r>
-                        <a:rPr sz="1100" spc="0" dirty="0">
+                        <a:rPr lang="ja-JP" altLang="en-US" sz="1100" spc="0">
                           <a:solidFill>
                             <a:srgbClr val="020302"/>
                           </a:solidFill>
                           <a:latin typeface="Wingdings"/>
+                          <a:ea typeface="+mn-ea"/>
                           <a:cs typeface="Wingdings"/>
                         </a:rPr>
                         <a:t></a:t>
                       </a:r>
-                      <a:endParaRPr sz="1100" spc="0" dirty="0">
-                        <a:latin typeface="Wingdings"/>
-                        <a:cs typeface="Wingdings"/>
-                      </a:endParaRPr>
                     </a:p>
                   </a:txBody>
                   <a:tcPr marL="0" marR="0" marT="59055" marB="0">
@@ -3294,7 +3118,7 @@
                     <a:bodyPr/>
                     <a:lstStyle/>
                     <a:p>
-                      <a:pPr marL="50800">
+                      <a:pPr marL="50800" algn="l" rtl="0">
                         <a:lnSpc>
                           <a:spcPct val="100000"/>
                         </a:lnSpc>
@@ -3352,19 +3176,16 @@
                         </a:spcBef>
                       </a:pPr>
                       <a:r>
-                        <a:rPr sz="1100" b="0" i="0" spc="0" dirty="0">
+                        <a:rPr lang="ja-JP" sz="1000" b="0" i="0">
                           <a:solidFill>
                             <a:srgbClr val="020302"/>
                           </a:solidFill>
-                          <a:latin typeface="Adobe Clean Light"/>
+                          <a:latin typeface="Adobe Clean Han Light" panose="020B0300000000000000" pitchFamily="34" charset="-128"/>
+                          <a:ea typeface="Adobe Clean Han Light" panose="020B0300000000000000" pitchFamily="34" charset="-128"/>
                           <a:cs typeface="AdobeClean-Light"/>
                         </a:rPr>
-                        <a:t>Technical Account Manager</a:t>
+                        <a:t>テクニカルアカウントマネージャー</a:t>
                       </a:r>
-                      <a:endParaRPr sz="1100" b="0" i="0" spc="0" dirty="0">
-                        <a:latin typeface="Adobe Clean Light"/>
-                        <a:cs typeface="AdobeClean-Light"/>
-                      </a:endParaRPr>
                     </a:p>
                   </a:txBody>
                   <a:tcPr marL="0" marR="0" marT="63500" marB="0">
@@ -3393,13 +3214,14 @@
                     <a:bodyPr/>
                     <a:lstStyle/>
                     <a:p>
-                      <a:pPr>
-                        <a:lnSpc>
-                          <a:spcPct val="100000"/>
-                        </a:lnSpc>
-                      </a:pPr>
-                      <a:endParaRPr sz="1100" spc="0" dirty="0">
-                        <a:latin typeface="Times New Roman"/>
+                      <a:pPr algn="l" rtl="0">
+                        <a:lnSpc>
+                          <a:spcPct val="100000"/>
+                        </a:lnSpc>
+                      </a:pPr>
+                      <a:endParaRPr sz="1000" spc="0" dirty="0">
+                        <a:latin typeface="Adobe Clean Han Regular" panose="020B0500000000000000" pitchFamily="34" charset="-128"/>
+                        <a:ea typeface="Adobe Clean Han Regular" panose="020B0500000000000000" pitchFamily="34" charset="-128"/>
                         <a:cs typeface="Times New Roman"/>
                       </a:endParaRPr>
                     </a:p>
@@ -3435,13 +3257,20 @@
                     <a:bodyPr/>
                     <a:lstStyle/>
                     <a:p>
-                      <a:pPr>
-                        <a:lnSpc>
-                          <a:spcPct val="100000"/>
-                        </a:lnSpc>
+                      <a:pPr marL="0" algn="ctr" rtl="0">
+                        <a:lnSpc>
+                          <a:spcPct val="100000"/>
+                        </a:lnSpc>
+                        <a:spcBef>
+                          <a:spcPts val="459"/>
+                        </a:spcBef>
                       </a:pPr>
                       <a:endParaRPr sz="1100" spc="0" dirty="0">
-                        <a:latin typeface="Times New Roman"/>
+                        <a:solidFill>
+                          <a:srgbClr val="020302"/>
+                        </a:solidFill>
+                        <a:latin typeface="Wingdings"/>
+                        <a:ea typeface="+mn-ea"/>
                         <a:cs typeface="Times New Roman"/>
                       </a:endParaRPr>
                     </a:p>
@@ -3463,7 +3292,7 @@
                     <a:bodyPr/>
                     <a:lstStyle/>
                     <a:p>
-                      <a:pPr>
+                      <a:pPr algn="l" rtl="0">
                         <a:lnSpc>
                           <a:spcPct val="100000"/>
                         </a:lnSpc>
@@ -3491,13 +3320,20 @@
                     <a:bodyPr/>
                     <a:lstStyle/>
                     <a:p>
-                      <a:pPr>
-                        <a:lnSpc>
-                          <a:spcPct val="100000"/>
-                        </a:lnSpc>
+                      <a:pPr marL="0" algn="ctr" rtl="0">
+                        <a:lnSpc>
+                          <a:spcPct val="100000"/>
+                        </a:lnSpc>
+                        <a:spcBef>
+                          <a:spcPts val="459"/>
+                        </a:spcBef>
                       </a:pPr>
                       <a:endParaRPr sz="1100" spc="0" dirty="0">
-                        <a:latin typeface="Times New Roman"/>
+                        <a:solidFill>
+                          <a:srgbClr val="020302"/>
+                        </a:solidFill>
+                        <a:latin typeface="Wingdings"/>
+                        <a:ea typeface="+mn-ea"/>
                         <a:cs typeface="Times New Roman"/>
                       </a:endParaRPr>
                     </a:p>
@@ -3519,28 +3355,25 @@
                     <a:bodyPr/>
                     <a:lstStyle/>
                     <a:p>
-                      <a:pPr algn="ctr">
-                        <a:lnSpc>
-                          <a:spcPct val="100000"/>
-                        </a:lnSpc>
-                        <a:spcBef>
-                          <a:spcPts val="505"/>
+                      <a:pPr marL="0" algn="ctr">
+                        <a:lnSpc>
+                          <a:spcPct val="100000"/>
+                        </a:lnSpc>
+                        <a:spcBef>
+                          <a:spcPts val="459"/>
                         </a:spcBef>
                       </a:pPr>
                       <a:r>
-                        <a:rPr sz="1100" spc="0" dirty="0">
+                        <a:rPr lang="ja-JP" altLang="en-US" sz="1100" spc="0">
                           <a:solidFill>
                             <a:srgbClr val="020302"/>
                           </a:solidFill>
                           <a:latin typeface="Wingdings"/>
+                          <a:ea typeface="+mn-ea"/>
                           <a:cs typeface="Wingdings"/>
                         </a:rPr>
                         <a:t></a:t>
                       </a:r>
-                      <a:endParaRPr sz="1100" spc="0" dirty="0">
-                        <a:latin typeface="Wingdings"/>
-                        <a:cs typeface="Wingdings"/>
-                      </a:endParaRPr>
                     </a:p>
                   </a:txBody>
                   <a:tcPr marL="0" marR="0" marT="64135" marB="0">
@@ -3582,22 +3415,16 @@
                         </a:spcBef>
                       </a:pPr>
                       <a:r>
-                        <a:rPr lang="en-US" sz="1200" b="1" i="0" spc="0" dirty="0">
+                        <a:rPr lang="ja-JP" sz="1050" b="1" i="0">
                           <a:solidFill>
                             <a:schemeClr val="bg1"/>
                           </a:solidFill>
-                          <a:latin typeface="Adobe Clean" panose="020B0503020404020204" pitchFamily="34" charset="0"/>
+                          <a:latin typeface="Adobe Clean Han Regular" panose="020B0500000000000000" pitchFamily="34" charset="-128"/>
+                          <a:ea typeface="Adobe Clean Han Regular" panose="020B0500000000000000" pitchFamily="34" charset="-128"/>
                           <a:cs typeface="AdobeClean-Light"/>
                         </a:rPr>
-                        <a:t>Support Services</a:t>
+                        <a:t>サポートサービス</a:t>
                       </a:r>
-                      <a:endParaRPr sz="1200" b="1" i="0" spc="0" dirty="0">
-                        <a:solidFill>
-                          <a:schemeClr val="bg1"/>
-                        </a:solidFill>
-                        <a:latin typeface="Adobe Clean" panose="020B0503020404020204" pitchFamily="34" charset="0"/>
-                        <a:cs typeface="AdobeClean-Light"/>
-                      </a:endParaRPr>
                     </a:p>
                   </a:txBody>
                   <a:tcPr marL="0" marR="0" marT="57150" marB="0" anchor="ctr">
@@ -3653,19 +3480,16 @@
                         </a:spcBef>
                       </a:pPr>
                       <a:r>
-                        <a:rPr lang="en-US" sz="1100" b="0" i="0" spc="0" dirty="0">
+                        <a:rPr lang="ja-JP" sz="1000" b="0" i="0" dirty="0">
                           <a:solidFill>
                             <a:srgbClr val="020302"/>
                           </a:solidFill>
-                          <a:latin typeface="Adobe Clean Light"/>
+                          <a:latin typeface="Adobe Clean Han Light" panose="020B0300000000000000" pitchFamily="34" charset="-128"/>
+                          <a:ea typeface="Adobe Clean Han Light" panose="020B0300000000000000" pitchFamily="34" charset="-128"/>
                           <a:cs typeface="AdobeClean-Light"/>
                         </a:rPr>
-                        <a:t>24x7 Self-Help Support </a:t>
+                        <a:t>24 時間年中無休のセルフサービスサポート </a:t>
                       </a:r>
-                      <a:endParaRPr lang="en-US" sz="1100" b="0" i="0" spc="0" dirty="0">
-                        <a:latin typeface="Adobe Clean Light" panose="020B0303020404020204" pitchFamily="34" charset="0"/>
-                        <a:cs typeface="AdobeClean-Light"/>
-                      </a:endParaRPr>
                     </a:p>
                   </a:txBody>
                   <a:tcPr marL="0" marR="0" marT="57150" marB="0">
@@ -3697,7 +3521,7 @@
                     <a:bodyPr/>
                     <a:lstStyle/>
                     <a:p>
-                      <a:pPr algn="ctr">
+                      <a:pPr marL="0" algn="ctr">
                         <a:lnSpc>
                           <a:spcPct val="100000"/>
                         </a:lnSpc>
@@ -3706,19 +3530,16 @@
                         </a:spcBef>
                       </a:pPr>
                       <a:r>
-                        <a:rPr sz="1100" spc="0" dirty="0">
+                        <a:rPr lang="ja-JP" altLang="en-US" sz="1100" spc="0" dirty="0">
                           <a:solidFill>
                             <a:srgbClr val="020302"/>
                           </a:solidFill>
                           <a:latin typeface="Wingdings"/>
+                          <a:ea typeface="+mn-ea"/>
                           <a:cs typeface="Wingdings"/>
                         </a:rPr>
                         <a:t></a:t>
                       </a:r>
-                      <a:endParaRPr sz="1100" spc="0" dirty="0">
-                        <a:latin typeface="Wingdings"/>
-                        <a:cs typeface="Wingdings"/>
-                      </a:endParaRPr>
                     </a:p>
                   </a:txBody>
                   <a:tcPr marL="0" marR="0" marT="58419" marB="0">
@@ -3749,7 +3570,7 @@
                     <a:bodyPr/>
                     <a:lstStyle/>
                     <a:p>
-                      <a:pPr algn="ctr">
+                      <a:pPr marL="0" algn="ctr">
                         <a:lnSpc>
                           <a:spcPct val="100000"/>
                         </a:lnSpc>
@@ -3758,19 +3579,16 @@
                         </a:spcBef>
                       </a:pPr>
                       <a:r>
-                        <a:rPr sz="1100" spc="0" dirty="0">
+                        <a:rPr lang="ja-JP" altLang="en-US" sz="1100" spc="0" dirty="0">
                           <a:solidFill>
                             <a:srgbClr val="020302"/>
                           </a:solidFill>
                           <a:latin typeface="Wingdings"/>
+                          <a:ea typeface="+mn-ea"/>
                           <a:cs typeface="Wingdings"/>
                         </a:rPr>
                         <a:t></a:t>
                       </a:r>
-                      <a:endParaRPr sz="1100" spc="0" dirty="0">
-                        <a:latin typeface="Wingdings"/>
-                        <a:cs typeface="Wingdings"/>
-                      </a:endParaRPr>
                     </a:p>
                   </a:txBody>
                   <a:tcPr marL="0" marR="0" marT="58419" marB="0">
@@ -3787,7 +3605,7 @@
                     <a:bodyPr/>
                     <a:lstStyle/>
                     <a:p>
-                      <a:pPr algn="ctr">
+                      <a:pPr algn="l" rtl="0">
                         <a:lnSpc>
                           <a:spcPct val="100000"/>
                         </a:lnSpc>
@@ -3818,7 +3636,7 @@
                     <a:bodyPr/>
                     <a:lstStyle/>
                     <a:p>
-                      <a:pPr algn="ctr">
+                      <a:pPr marL="0" algn="ctr">
                         <a:lnSpc>
                           <a:spcPct val="100000"/>
                         </a:lnSpc>
@@ -3827,19 +3645,16 @@
                         </a:spcBef>
                       </a:pPr>
                       <a:r>
-                        <a:rPr sz="1100" spc="0" dirty="0">
+                        <a:rPr lang="ja-JP" altLang="en-US" sz="1100" spc="0" dirty="0">
                           <a:solidFill>
                             <a:srgbClr val="020302"/>
                           </a:solidFill>
                           <a:latin typeface="Wingdings"/>
+                          <a:ea typeface="+mn-ea"/>
                           <a:cs typeface="Wingdings"/>
                         </a:rPr>
                         <a:t></a:t>
                       </a:r>
-                      <a:endParaRPr sz="1100" spc="0" dirty="0">
-                        <a:latin typeface="Wingdings"/>
-                        <a:cs typeface="Wingdings"/>
-                      </a:endParaRPr>
                     </a:p>
                   </a:txBody>
                   <a:tcPr marL="0" marR="0" marT="58419" marB="0">
@@ -3856,7 +3671,7 @@
                     <a:bodyPr/>
                     <a:lstStyle/>
                     <a:p>
-                      <a:pPr algn="ctr">
+                      <a:pPr marL="0" algn="ctr">
                         <a:lnSpc>
                           <a:spcPct val="100000"/>
                         </a:lnSpc>
@@ -3865,19 +3680,16 @@
                         </a:spcBef>
                       </a:pPr>
                       <a:r>
-                        <a:rPr sz="1100" spc="0" dirty="0">
+                        <a:rPr lang="ja-JP" altLang="en-US" sz="1100" spc="0">
                           <a:solidFill>
                             <a:srgbClr val="020302"/>
                           </a:solidFill>
                           <a:latin typeface="Wingdings"/>
+                          <a:ea typeface="+mn-ea"/>
                           <a:cs typeface="Wingdings"/>
                         </a:rPr>
                         <a:t></a:t>
                       </a:r>
-                      <a:endParaRPr sz="1100" spc="0" dirty="0">
-                        <a:latin typeface="Wingdings"/>
-                        <a:cs typeface="Wingdings"/>
-                      </a:endParaRPr>
                     </a:p>
                   </a:txBody>
                   <a:tcPr marL="0" marR="0" marT="58419" marB="0">
@@ -3907,7 +3719,7 @@
                     <a:bodyPr/>
                     <a:lstStyle/>
                     <a:p>
-                      <a:pPr marL="50800">
+                      <a:pPr marL="50800" algn="l" rtl="0">
                         <a:lnSpc>
                           <a:spcPct val="100000"/>
                         </a:lnSpc>
@@ -3956,19 +3768,16 @@
                         </a:spcBef>
                       </a:pPr>
                       <a:r>
-                        <a:rPr lang="en-US" sz="1100" b="0" i="0" spc="0" dirty="0">
+                        <a:rPr lang="ja-JP" sz="1000" b="0" i="0" dirty="0">
                           <a:solidFill>
                             <a:srgbClr val="020302"/>
                           </a:solidFill>
-                          <a:latin typeface="Adobe Clean Light" panose="020B0303020404020204" pitchFamily="34" charset="0"/>
+                          <a:latin typeface="Adobe Clean Han Light" panose="020B0300000000000000" pitchFamily="34" charset="-128"/>
+                          <a:ea typeface="Adobe Clean Han Light" panose="020B0300000000000000" pitchFamily="34" charset="-128"/>
                           <a:cs typeface="AdobeClean-Light"/>
                         </a:rPr>
-                        <a:t>24x7 Support via Chat / Phone</a:t>
+                        <a:t>24 時間年中無休のチャット／電話によるサポート</a:t>
                       </a:r>
-                      <a:endParaRPr sz="1100" b="0" i="0" spc="0" dirty="0">
-                        <a:latin typeface="Adobe Clean Light" panose="020B0303020404020204" pitchFamily="34" charset="0"/>
-                        <a:cs typeface="AdobeClean-Light"/>
-                      </a:endParaRPr>
                     </a:p>
                   </a:txBody>
                   <a:tcPr marL="0" marR="0" marT="57785" marB="0">
@@ -3994,7 +3803,7 @@
                     <a:bodyPr/>
                     <a:lstStyle/>
                     <a:p>
-                      <a:pPr algn="ctr">
+                      <a:pPr marL="0" algn="ctr">
                         <a:lnSpc>
                           <a:spcPct val="100000"/>
                         </a:lnSpc>
@@ -4003,19 +3812,16 @@
                         </a:spcBef>
                       </a:pPr>
                       <a:r>
-                        <a:rPr sz="1100" spc="0" dirty="0">
+                        <a:rPr lang="ja-JP" altLang="en-US" sz="1100" spc="0" dirty="0">
                           <a:solidFill>
                             <a:srgbClr val="020302"/>
                           </a:solidFill>
                           <a:latin typeface="Wingdings"/>
+                          <a:ea typeface="+mn-ea"/>
                           <a:cs typeface="Wingdings"/>
                         </a:rPr>
                         <a:t></a:t>
                       </a:r>
-                      <a:endParaRPr sz="1100" spc="0" dirty="0">
-                        <a:latin typeface="Wingdings"/>
-                        <a:cs typeface="Wingdings"/>
-                      </a:endParaRPr>
                     </a:p>
                   </a:txBody>
                   <a:tcPr marL="0" marR="0" marT="58419" marB="0">
@@ -4040,7 +3846,7 @@
                     <a:bodyPr/>
                     <a:lstStyle/>
                     <a:p>
-                      <a:pPr algn="ctr">
+                      <a:pPr marL="0" algn="ctr">
                         <a:lnSpc>
                           <a:spcPct val="100000"/>
                         </a:lnSpc>
@@ -4049,19 +3855,16 @@
                         </a:spcBef>
                       </a:pPr>
                       <a:r>
-                        <a:rPr sz="1100" spc="0" dirty="0">
+                        <a:rPr lang="ja-JP" altLang="en-US" sz="1100" spc="0">
                           <a:solidFill>
                             <a:srgbClr val="020302"/>
                           </a:solidFill>
                           <a:latin typeface="Wingdings"/>
+                          <a:ea typeface="+mn-ea"/>
                           <a:cs typeface="Wingdings"/>
                         </a:rPr>
                         <a:t></a:t>
                       </a:r>
-                      <a:endParaRPr sz="1100" spc="0" dirty="0">
-                        <a:latin typeface="Wingdings"/>
-                        <a:cs typeface="Wingdings"/>
-                      </a:endParaRPr>
                     </a:p>
                   </a:txBody>
                   <a:tcPr marL="0" marR="0" marT="58419" marB="0"/>
@@ -4071,7 +3874,7 @@
                     <a:bodyPr/>
                     <a:lstStyle/>
                     <a:p>
-                      <a:pPr algn="ctr">
+                      <a:pPr algn="l" rtl="0">
                         <a:lnSpc>
                           <a:spcPct val="100000"/>
                         </a:lnSpc>
@@ -4092,7 +3895,7 @@
                     <a:bodyPr/>
                     <a:lstStyle/>
                     <a:p>
-                      <a:pPr algn="ctr">
+                      <a:pPr marL="0" algn="ctr">
                         <a:lnSpc>
                           <a:spcPct val="100000"/>
                         </a:lnSpc>
@@ -4101,19 +3904,16 @@
                         </a:spcBef>
                       </a:pPr>
                       <a:r>
-                        <a:rPr sz="1100" spc="0" dirty="0">
+                        <a:rPr lang="ja-JP" altLang="en-US" sz="1100" spc="0" dirty="0">
                           <a:solidFill>
                             <a:srgbClr val="020302"/>
                           </a:solidFill>
                           <a:latin typeface="Wingdings"/>
+                          <a:ea typeface="+mn-ea"/>
                           <a:cs typeface="Wingdings"/>
                         </a:rPr>
                         <a:t></a:t>
                       </a:r>
-                      <a:endParaRPr sz="1100" spc="0" dirty="0">
-                        <a:latin typeface="Wingdings"/>
-                        <a:cs typeface="Wingdings"/>
-                      </a:endParaRPr>
                     </a:p>
                   </a:txBody>
                   <a:tcPr marL="0" marR="0" marT="58419" marB="0"/>
@@ -4123,7 +3923,7 @@
                     <a:bodyPr/>
                     <a:lstStyle/>
                     <a:p>
-                      <a:pPr algn="ctr">
+                      <a:pPr marL="0" algn="ctr">
                         <a:lnSpc>
                           <a:spcPct val="100000"/>
                         </a:lnSpc>
@@ -4132,19 +3932,16 @@
                         </a:spcBef>
                       </a:pPr>
                       <a:r>
-                        <a:rPr sz="1100" spc="0" dirty="0">
+                        <a:rPr lang="ja-JP" altLang="en-US" sz="1100" spc="0">
                           <a:solidFill>
                             <a:srgbClr val="020302"/>
                           </a:solidFill>
                           <a:latin typeface="Wingdings"/>
+                          <a:ea typeface="+mn-ea"/>
                           <a:cs typeface="Wingdings"/>
                         </a:rPr>
                         <a:t></a:t>
                       </a:r>
-                      <a:endParaRPr sz="1100" spc="0" dirty="0">
-                        <a:latin typeface="Wingdings"/>
-                        <a:cs typeface="Wingdings"/>
-                      </a:endParaRPr>
                     </a:p>
                   </a:txBody>
                   <a:tcPr marL="0" marR="0" marT="58419" marB="0">
@@ -4168,7 +3965,7 @@
                     <a:bodyPr/>
                     <a:lstStyle/>
                     <a:p>
-                      <a:pPr marL="50800">
+                      <a:pPr marL="50800" algn="l" rtl="0">
                         <a:lnSpc>
                           <a:spcPct val="100000"/>
                         </a:lnSpc>
@@ -4217,16 +4014,13 @@
                         </a:spcBef>
                       </a:pPr>
                       <a:r>
-                        <a:rPr lang="en-US" sz="1100" b="0" i="0" spc="0" dirty="0">
-                          <a:latin typeface="Adobe Clean Light"/>
+                        <a:rPr lang="ja-JP" sz="1000" b="0" i="0">
+                          <a:latin typeface="Adobe Clean Han Light" panose="020B0300000000000000" pitchFamily="34" charset="-128"/>
+                          <a:ea typeface="Adobe Clean Han Light" panose="020B0300000000000000" pitchFamily="34" charset="-128"/>
                           <a:cs typeface="AdobeClean-Light"/>
                         </a:rPr>
-                        <a:t>Web Case Submissions </a:t>
+                        <a:t>Web ケース申請 </a:t>
                       </a:r>
-                      <a:endParaRPr sz="1100" b="0" i="0" spc="0" dirty="0">
-                        <a:latin typeface="Adobe Clean Light" panose="020B0303020404020204" pitchFamily="34" charset="0"/>
-                        <a:cs typeface="AdobeClean-Light"/>
-                      </a:endParaRPr>
                     </a:p>
                   </a:txBody>
                   <a:tcPr marL="0" marR="0" marT="57785" marB="0">
@@ -4252,7 +4046,7 @@
                     <a:bodyPr/>
                     <a:lstStyle/>
                     <a:p>
-                      <a:pPr algn="ctr">
+                      <a:pPr marL="0" algn="ctr">
                         <a:lnSpc>
                           <a:spcPct val="100000"/>
                         </a:lnSpc>
@@ -4261,19 +4055,16 @@
                         </a:spcBef>
                       </a:pPr>
                       <a:r>
-                        <a:rPr sz="1100" spc="0" dirty="0">
+                        <a:rPr lang="ja-JP" altLang="en-US" sz="1100" spc="0" dirty="0">
                           <a:solidFill>
                             <a:srgbClr val="020302"/>
                           </a:solidFill>
                           <a:latin typeface="Wingdings"/>
+                          <a:ea typeface="+mn-ea"/>
                           <a:cs typeface="Wingdings"/>
                         </a:rPr>
                         <a:t></a:t>
                       </a:r>
-                      <a:endParaRPr sz="1100" spc="0" dirty="0">
-                        <a:latin typeface="Wingdings"/>
-                        <a:cs typeface="Wingdings"/>
-                      </a:endParaRPr>
                     </a:p>
                   </a:txBody>
                   <a:tcPr marL="0" marR="0" marT="58419" marB="0">
@@ -4298,7 +4089,7 @@
                     <a:bodyPr/>
                     <a:lstStyle/>
                     <a:p>
-                      <a:pPr algn="ctr">
+                      <a:pPr marL="0" algn="ctr">
                         <a:lnSpc>
                           <a:spcPct val="100000"/>
                         </a:lnSpc>
@@ -4307,19 +4098,16 @@
                         </a:spcBef>
                       </a:pPr>
                       <a:r>
-                        <a:rPr sz="1100" spc="0" dirty="0">
+                        <a:rPr lang="ja-JP" altLang="en-US" sz="1100" spc="0">
                           <a:solidFill>
                             <a:srgbClr val="020302"/>
                           </a:solidFill>
                           <a:latin typeface="Wingdings"/>
+                          <a:ea typeface="+mn-ea"/>
                           <a:cs typeface="Wingdings"/>
                         </a:rPr>
                         <a:t></a:t>
                       </a:r>
-                      <a:endParaRPr sz="1100" spc="0" dirty="0">
-                        <a:latin typeface="Wingdings"/>
-                        <a:cs typeface="Wingdings"/>
-                      </a:endParaRPr>
                     </a:p>
                   </a:txBody>
                   <a:tcPr marL="0" marR="0" marT="58419" marB="0"/>
@@ -4329,7 +4117,7 @@
                     <a:bodyPr/>
                     <a:lstStyle/>
                     <a:p>
-                      <a:pPr algn="ctr">
+                      <a:pPr algn="l" rtl="0">
                         <a:lnSpc>
                           <a:spcPct val="100000"/>
                         </a:lnSpc>
@@ -4350,7 +4138,7 @@
                     <a:bodyPr/>
                     <a:lstStyle/>
                     <a:p>
-                      <a:pPr algn="ctr">
+                      <a:pPr marL="0" algn="ctr">
                         <a:lnSpc>
                           <a:spcPct val="100000"/>
                         </a:lnSpc>
@@ -4359,19 +4147,16 @@
                         </a:spcBef>
                       </a:pPr>
                       <a:r>
-                        <a:rPr sz="1100" spc="0" dirty="0">
+                        <a:rPr lang="ja-JP" altLang="en-US" sz="1100" spc="0" dirty="0">
                           <a:solidFill>
                             <a:srgbClr val="020302"/>
                           </a:solidFill>
                           <a:latin typeface="Wingdings"/>
+                          <a:ea typeface="+mn-ea"/>
                           <a:cs typeface="Wingdings"/>
                         </a:rPr>
                         <a:t></a:t>
                       </a:r>
-                      <a:endParaRPr sz="1100" spc="0" dirty="0">
-                        <a:latin typeface="Wingdings"/>
-                        <a:cs typeface="Wingdings"/>
-                      </a:endParaRPr>
                     </a:p>
                   </a:txBody>
                   <a:tcPr marL="0" marR="0" marT="58419" marB="0"/>
@@ -4381,7 +4166,7 @@
                     <a:bodyPr/>
                     <a:lstStyle/>
                     <a:p>
-                      <a:pPr algn="ctr">
+                      <a:pPr marL="0" algn="ctr">
                         <a:lnSpc>
                           <a:spcPct val="100000"/>
                         </a:lnSpc>
@@ -4390,19 +4175,16 @@
                         </a:spcBef>
                       </a:pPr>
                       <a:r>
-                        <a:rPr sz="1100" spc="0" dirty="0">
+                        <a:rPr lang="ja-JP" altLang="en-US" sz="1100" spc="0">
                           <a:solidFill>
                             <a:srgbClr val="020302"/>
                           </a:solidFill>
                           <a:latin typeface="Wingdings"/>
+                          <a:ea typeface="+mn-ea"/>
                           <a:cs typeface="Wingdings"/>
                         </a:rPr>
                         <a:t></a:t>
                       </a:r>
-                      <a:endParaRPr sz="1100" spc="0" dirty="0">
-                        <a:latin typeface="Wingdings"/>
-                        <a:cs typeface="Wingdings"/>
-                      </a:endParaRPr>
                     </a:p>
                   </a:txBody>
                   <a:tcPr marL="0" marR="0" marT="58419" marB="0">
@@ -4426,7 +4208,7 @@
                     <a:bodyPr/>
                     <a:lstStyle/>
                     <a:p>
-                      <a:pPr marL="50800">
+                      <a:pPr marL="50800" algn="l" rtl="0">
                         <a:lnSpc>
                           <a:spcPct val="100000"/>
                         </a:lnSpc>
@@ -4484,19 +4266,16 @@
                         </a:spcBef>
                       </a:pPr>
                       <a:r>
-                        <a:rPr lang="en-US" sz="1100" b="0" i="0" spc="0" dirty="0">
+                        <a:rPr lang="ja-JP" sz="1000" b="0" i="0" dirty="0">
                           <a:solidFill>
                             <a:srgbClr val="020302"/>
                           </a:solidFill>
-                          <a:latin typeface="Adobe Clean Light"/>
+                          <a:latin typeface="Adobe Clean Han Light" panose="020B0300000000000000" pitchFamily="34" charset="-128"/>
+                          <a:ea typeface="Adobe Clean Han Light" panose="020B0300000000000000" pitchFamily="34" charset="-128"/>
                           <a:cs typeface="AdobeClean-Light"/>
                         </a:rPr>
-                        <a:t>Priority Case Routing</a:t>
+                        <a:t>優先的なケースルーティング</a:t>
                       </a:r>
-                      <a:endParaRPr sz="1100" b="0" i="0" spc="0" dirty="0">
-                        <a:latin typeface="Adobe Clean Light"/>
-                        <a:cs typeface="AdobeClean-Light"/>
-                      </a:endParaRPr>
                     </a:p>
                   </a:txBody>
                   <a:tcPr marL="0" marR="0" marT="58419" marB="0">
@@ -4525,13 +4304,20 @@
                     <a:bodyPr/>
                     <a:lstStyle/>
                     <a:p>
-                      <a:pPr>
-                        <a:lnSpc>
-                          <a:spcPct val="100000"/>
-                        </a:lnSpc>
+                      <a:pPr marL="0" algn="ctr" rtl="0">
+                        <a:lnSpc>
+                          <a:spcPct val="100000"/>
+                        </a:lnSpc>
+                        <a:spcBef>
+                          <a:spcPts val="459"/>
+                        </a:spcBef>
                       </a:pPr>
                       <a:endParaRPr sz="1100" spc="0" dirty="0">
-                        <a:latin typeface="Times New Roman"/>
+                        <a:solidFill>
+                          <a:srgbClr val="020302"/>
+                        </a:solidFill>
+                        <a:latin typeface="Wingdings"/>
+                        <a:ea typeface="+mn-ea"/>
                         <a:cs typeface="Times New Roman"/>
                       </a:endParaRPr>
                     </a:p>
@@ -4558,28 +4344,25 @@
                     <a:bodyPr/>
                     <a:lstStyle/>
                     <a:p>
-                      <a:pPr algn="ctr">
-                        <a:lnSpc>
-                          <a:spcPct val="100000"/>
-                        </a:lnSpc>
-                        <a:spcBef>
-                          <a:spcPts val="470"/>
+                      <a:pPr marL="0" algn="ctr">
+                        <a:lnSpc>
+                          <a:spcPct val="100000"/>
+                        </a:lnSpc>
+                        <a:spcBef>
+                          <a:spcPts val="459"/>
                         </a:spcBef>
                       </a:pPr>
                       <a:r>
-                        <a:rPr sz="1100" spc="0" dirty="0">
+                        <a:rPr lang="ja-JP" altLang="en-US" sz="1100" spc="0">
                           <a:solidFill>
                             <a:srgbClr val="020302"/>
                           </a:solidFill>
                           <a:latin typeface="Wingdings"/>
+                          <a:ea typeface="+mn-ea"/>
                           <a:cs typeface="Wingdings"/>
                         </a:rPr>
                         <a:t></a:t>
                       </a:r>
-                      <a:endParaRPr sz="1100" spc="0" dirty="0">
-                        <a:latin typeface="Wingdings"/>
-                        <a:cs typeface="Wingdings"/>
-                      </a:endParaRPr>
                     </a:p>
                   </a:txBody>
                   <a:tcPr marL="0" marR="0" marT="59690" marB="0"/>
@@ -4589,7 +4372,7 @@
                     <a:bodyPr/>
                     <a:lstStyle/>
                     <a:p>
-                      <a:pPr algn="ctr">
+                      <a:pPr algn="l" rtl="0">
                         <a:lnSpc>
                           <a:spcPct val="100000"/>
                         </a:lnSpc>
@@ -4610,28 +4393,25 @@
                     <a:bodyPr/>
                     <a:lstStyle/>
                     <a:p>
-                      <a:pPr algn="ctr">
-                        <a:lnSpc>
-                          <a:spcPct val="100000"/>
-                        </a:lnSpc>
-                        <a:spcBef>
-                          <a:spcPts val="470"/>
+                      <a:pPr marL="0" algn="ctr">
+                        <a:lnSpc>
+                          <a:spcPct val="100000"/>
+                        </a:lnSpc>
+                        <a:spcBef>
+                          <a:spcPts val="459"/>
                         </a:spcBef>
                       </a:pPr>
                       <a:r>
-                        <a:rPr sz="1100" spc="0" dirty="0">
+                        <a:rPr lang="ja-JP" altLang="en-US" sz="1100" spc="0" dirty="0">
                           <a:solidFill>
                             <a:srgbClr val="020302"/>
                           </a:solidFill>
                           <a:latin typeface="Wingdings"/>
+                          <a:ea typeface="+mn-ea"/>
                           <a:cs typeface="Wingdings"/>
                         </a:rPr>
                         <a:t></a:t>
                       </a:r>
-                      <a:endParaRPr sz="1100" spc="0" dirty="0">
-                        <a:latin typeface="Wingdings"/>
-                        <a:cs typeface="Wingdings"/>
-                      </a:endParaRPr>
                     </a:p>
                   </a:txBody>
                   <a:tcPr marL="0" marR="0" marT="59690" marB="0"/>
@@ -4641,28 +4421,25 @@
                     <a:bodyPr/>
                     <a:lstStyle/>
                     <a:p>
-                      <a:pPr algn="ctr">
-                        <a:lnSpc>
-                          <a:spcPct val="100000"/>
-                        </a:lnSpc>
-                        <a:spcBef>
-                          <a:spcPts val="470"/>
+                      <a:pPr marL="0" algn="ctr">
+                        <a:lnSpc>
+                          <a:spcPct val="100000"/>
+                        </a:lnSpc>
+                        <a:spcBef>
+                          <a:spcPts val="459"/>
                         </a:spcBef>
                       </a:pPr>
                       <a:r>
-                        <a:rPr sz="1100" spc="0" dirty="0">
+                        <a:rPr lang="ja-JP" altLang="en-US" sz="1100" spc="0">
                           <a:solidFill>
                             <a:srgbClr val="020302"/>
                           </a:solidFill>
                           <a:latin typeface="Wingdings"/>
+                          <a:ea typeface="+mn-ea"/>
                           <a:cs typeface="Wingdings"/>
                         </a:rPr>
                         <a:t></a:t>
                       </a:r>
-                      <a:endParaRPr sz="1100" spc="0" dirty="0">
-                        <a:latin typeface="Wingdings"/>
-                        <a:cs typeface="Wingdings"/>
-                      </a:endParaRPr>
                     </a:p>
                   </a:txBody>
                   <a:tcPr marL="0" marR="0" marT="59690" marB="0">
@@ -4686,7 +4463,7 @@
                     <a:bodyPr/>
                     <a:lstStyle/>
                     <a:p>
-                      <a:pPr marL="50800">
+                      <a:pPr marL="50800" algn="l" rtl="0">
                         <a:lnSpc>
                           <a:spcPct val="100000"/>
                         </a:lnSpc>
@@ -4753,11 +4530,12 @@
                         <a:defRPr/>
                       </a:pPr>
                       <a:r>
-                        <a:rPr lang="en-US" sz="1100" b="0" i="0" spc="0" dirty="0">
-                          <a:latin typeface="Adobe Clean Light"/>
+                        <a:rPr lang="ja-JP" sz="1000" b="0" i="0" dirty="0">
+                          <a:latin typeface="Adobe Clean Han Light" panose="020B0300000000000000" pitchFamily="34" charset="-128"/>
+                          <a:ea typeface="Adobe Clean Han Light" panose="020B0300000000000000" pitchFamily="34" charset="-128"/>
                           <a:cs typeface="AdobeClean-Light"/>
                         </a:rPr>
-                        <a:t>Accelerated Issue Prioritization</a:t>
+                        <a:t>迅速な問題の優先度設定</a:t>
                       </a:r>
                     </a:p>
                   </a:txBody>
@@ -4787,13 +4565,14 @@
                     <a:bodyPr/>
                     <a:lstStyle/>
                     <a:p>
-                      <a:pPr>
-                        <a:lnSpc>
-                          <a:spcPct val="100000"/>
-                        </a:lnSpc>
-                      </a:pPr>
-                      <a:endParaRPr sz="1100" spc="0" dirty="0">
-                        <a:latin typeface="Times New Roman"/>
+                      <a:pPr algn="l" rtl="0">
+                        <a:lnSpc>
+                          <a:spcPct val="100000"/>
+                        </a:lnSpc>
+                      </a:pPr>
+                      <a:endParaRPr sz="1000" spc="0" dirty="0">
+                        <a:latin typeface="Adobe Clean Han Regular" panose="020B0500000000000000" pitchFamily="34" charset="-128"/>
+                        <a:ea typeface="Adobe Clean Han Regular" panose="020B0500000000000000" pitchFamily="34" charset="-128"/>
                         <a:cs typeface="Times New Roman"/>
                       </a:endParaRPr>
                     </a:p>
@@ -4820,7 +4599,7 @@
                     <a:bodyPr/>
                     <a:lstStyle/>
                     <a:p>
-                      <a:pPr algn="ctr">
+                      <a:pPr marL="0" algn="ctr">
                         <a:lnSpc>
                           <a:spcPct val="100000"/>
                         </a:lnSpc>
@@ -4829,19 +4608,16 @@
                         </a:spcBef>
                       </a:pPr>
                       <a:r>
-                        <a:rPr sz="1100" spc="0" dirty="0">
+                        <a:rPr lang="ja-JP" altLang="en-US" sz="1100" spc="0">
                           <a:solidFill>
                             <a:srgbClr val="020302"/>
                           </a:solidFill>
                           <a:latin typeface="Wingdings"/>
+                          <a:ea typeface="+mn-ea"/>
                           <a:cs typeface="Wingdings"/>
                         </a:rPr>
                         <a:t></a:t>
                       </a:r>
-                      <a:endParaRPr sz="1100" spc="0" dirty="0">
-                        <a:latin typeface="Wingdings"/>
-                        <a:cs typeface="Wingdings"/>
-                      </a:endParaRPr>
                     </a:p>
                   </a:txBody>
                   <a:tcPr marL="0" marR="0" marT="58419" marB="0"/>
@@ -4851,7 +4627,7 @@
                     <a:bodyPr/>
                     <a:lstStyle/>
                     <a:p>
-                      <a:pPr algn="ctr">
+                      <a:pPr algn="l" rtl="0">
                         <a:lnSpc>
                           <a:spcPct val="100000"/>
                         </a:lnSpc>
@@ -4872,28 +4648,25 @@
                     <a:bodyPr/>
                     <a:lstStyle/>
                     <a:p>
-                      <a:pPr algn="ctr">
-                        <a:lnSpc>
-                          <a:spcPct val="100000"/>
-                        </a:lnSpc>
-                        <a:spcBef>
-                          <a:spcPts val="470"/>
+                      <a:pPr marL="0" algn="ctr">
+                        <a:lnSpc>
+                          <a:spcPct val="100000"/>
+                        </a:lnSpc>
+                        <a:spcBef>
+                          <a:spcPts val="459"/>
                         </a:spcBef>
                       </a:pPr>
                       <a:r>
-                        <a:rPr sz="1100" spc="0" dirty="0">
+                        <a:rPr lang="ja-JP" altLang="en-US" sz="1100" spc="0" dirty="0">
                           <a:solidFill>
                             <a:srgbClr val="020302"/>
                           </a:solidFill>
                           <a:latin typeface="Wingdings"/>
+                          <a:ea typeface="+mn-ea"/>
                           <a:cs typeface="Wingdings"/>
                         </a:rPr>
                         <a:t></a:t>
                       </a:r>
-                      <a:endParaRPr sz="1100" spc="0" dirty="0">
-                        <a:latin typeface="Wingdings"/>
-                        <a:cs typeface="Wingdings"/>
-                      </a:endParaRPr>
                     </a:p>
                   </a:txBody>
                   <a:tcPr marL="0" marR="0" marT="59690" marB="0"/>
@@ -4903,28 +4676,25 @@
                     <a:bodyPr/>
                     <a:lstStyle/>
                     <a:p>
-                      <a:pPr algn="ctr">
-                        <a:lnSpc>
-                          <a:spcPct val="100000"/>
-                        </a:lnSpc>
-                        <a:spcBef>
-                          <a:spcPts val="470"/>
+                      <a:pPr marL="0" algn="ctr">
+                        <a:lnSpc>
+                          <a:spcPct val="100000"/>
+                        </a:lnSpc>
+                        <a:spcBef>
+                          <a:spcPts val="459"/>
                         </a:spcBef>
                       </a:pPr>
                       <a:r>
-                        <a:rPr sz="1100" spc="0" dirty="0">
+                        <a:rPr lang="ja-JP" altLang="en-US" sz="1100" spc="0">
                           <a:solidFill>
                             <a:srgbClr val="020302"/>
                           </a:solidFill>
                           <a:latin typeface="Wingdings"/>
+                          <a:ea typeface="+mn-ea"/>
                           <a:cs typeface="Wingdings"/>
                         </a:rPr>
                         <a:t></a:t>
                       </a:r>
-                      <a:endParaRPr sz="1100" spc="0" dirty="0">
-                        <a:latin typeface="Wingdings"/>
-                        <a:cs typeface="Wingdings"/>
-                      </a:endParaRPr>
                     </a:p>
                   </a:txBody>
                   <a:tcPr marL="0" marR="0" marT="59690" marB="0">
@@ -4967,16 +4737,13 @@
                         </a:spcBef>
                       </a:pPr>
                       <a:r>
-                        <a:rPr lang="en-US" sz="1100" b="0" i="0" spc="0" dirty="0">
-                          <a:latin typeface="Adobe Clean Light"/>
+                        <a:rPr lang="ja-JP" sz="1000" b="0" i="0">
+                          <a:latin typeface="Adobe Clean Han Light" panose="020B0300000000000000" pitchFamily="34" charset="-128"/>
+                          <a:ea typeface="Adobe Clean Han Light" panose="020B0300000000000000" pitchFamily="34" charset="-128"/>
                           <a:cs typeface="AdobeClean-Light"/>
                         </a:rPr>
-                        <a:t>Escalation Management</a:t>
+                        <a:t>エスカレーション管理</a:t>
                       </a:r>
-                      <a:endParaRPr sz="1100" b="0" i="0" spc="0" dirty="0">
-                        <a:latin typeface="Adobe Clean Light"/>
-                        <a:cs typeface="AdobeClean-Light"/>
-                      </a:endParaRPr>
                     </a:p>
                   </a:txBody>
                   <a:tcPr marL="0" marR="0" marT="57150" marB="0">
@@ -5005,13 +4772,14 @@
                     <a:bodyPr/>
                     <a:lstStyle/>
                     <a:p>
-                      <a:pPr>
-                        <a:lnSpc>
-                          <a:spcPct val="100000"/>
-                        </a:lnSpc>
-                      </a:pPr>
-                      <a:endParaRPr sz="1100" spc="0" dirty="0">
-                        <a:latin typeface="Times New Roman"/>
+                      <a:pPr algn="l" rtl="0">
+                        <a:lnSpc>
+                          <a:spcPct val="100000"/>
+                        </a:lnSpc>
+                      </a:pPr>
+                      <a:endParaRPr sz="1000" spc="0" dirty="0">
+                        <a:latin typeface="Adobe Clean Han Regular" panose="020B0500000000000000" pitchFamily="34" charset="-128"/>
+                        <a:ea typeface="Adobe Clean Han Regular" panose="020B0500000000000000" pitchFamily="34" charset="-128"/>
                         <a:cs typeface="Times New Roman"/>
                       </a:endParaRPr>
                     </a:p>
@@ -5038,28 +4806,25 @@
                     <a:bodyPr/>
                     <a:lstStyle/>
                     <a:p>
-                      <a:pPr algn="ctr">
-                        <a:lnSpc>
-                          <a:spcPct val="100000"/>
-                        </a:lnSpc>
-                        <a:spcBef>
-                          <a:spcPts val="470"/>
+                      <a:pPr marL="0" algn="ctr">
+                        <a:lnSpc>
+                          <a:spcPct val="100000"/>
+                        </a:lnSpc>
+                        <a:spcBef>
+                          <a:spcPts val="459"/>
                         </a:spcBef>
                       </a:pPr>
                       <a:r>
-                        <a:rPr sz="1100" spc="0" dirty="0">
+                        <a:rPr lang="ja-JP" altLang="en-US" sz="1100" spc="0">
                           <a:solidFill>
                             <a:srgbClr val="020302"/>
                           </a:solidFill>
                           <a:latin typeface="Wingdings"/>
+                          <a:ea typeface="+mn-ea"/>
                           <a:cs typeface="Wingdings"/>
                         </a:rPr>
                         <a:t></a:t>
                       </a:r>
-                      <a:endParaRPr sz="1100" spc="0" dirty="0">
-                        <a:latin typeface="Wingdings"/>
-                        <a:cs typeface="Wingdings"/>
-                      </a:endParaRPr>
                     </a:p>
                   </a:txBody>
                   <a:tcPr marL="0" marR="0" marT="59690" marB="0"/>
@@ -5069,7 +4834,7 @@
                     <a:bodyPr/>
                     <a:lstStyle/>
                     <a:p>
-                      <a:pPr algn="ctr">
+                      <a:pPr algn="l" rtl="0">
                         <a:lnSpc>
                           <a:spcPct val="100000"/>
                         </a:lnSpc>
@@ -5090,28 +4855,25 @@
                     <a:bodyPr/>
                     <a:lstStyle/>
                     <a:p>
-                      <a:pPr algn="ctr">
-                        <a:lnSpc>
-                          <a:spcPct val="100000"/>
-                        </a:lnSpc>
-                        <a:spcBef>
-                          <a:spcPts val="470"/>
+                      <a:pPr marL="0" algn="ctr">
+                        <a:lnSpc>
+                          <a:spcPct val="100000"/>
+                        </a:lnSpc>
+                        <a:spcBef>
+                          <a:spcPts val="459"/>
                         </a:spcBef>
                       </a:pPr>
                       <a:r>
-                        <a:rPr sz="1100" spc="0" dirty="0">
+                        <a:rPr lang="ja-JP" altLang="en-US" sz="1100" spc="0" dirty="0">
                           <a:solidFill>
                             <a:srgbClr val="020302"/>
                           </a:solidFill>
                           <a:latin typeface="Wingdings"/>
+                          <a:ea typeface="+mn-ea"/>
                           <a:cs typeface="Wingdings"/>
                         </a:rPr>
                         <a:t></a:t>
                       </a:r>
-                      <a:endParaRPr sz="1100" spc="0" dirty="0">
-                        <a:latin typeface="Wingdings"/>
-                        <a:cs typeface="Wingdings"/>
-                      </a:endParaRPr>
                     </a:p>
                   </a:txBody>
                   <a:tcPr marL="0" marR="0" marT="59690" marB="0"/>
@@ -5121,28 +4883,25 @@
                     <a:bodyPr/>
                     <a:lstStyle/>
                     <a:p>
-                      <a:pPr algn="ctr">
-                        <a:lnSpc>
-                          <a:spcPct val="100000"/>
-                        </a:lnSpc>
-                        <a:spcBef>
-                          <a:spcPts val="470"/>
+                      <a:pPr marL="0" algn="ctr">
+                        <a:lnSpc>
+                          <a:spcPct val="100000"/>
+                        </a:lnSpc>
+                        <a:spcBef>
+                          <a:spcPts val="459"/>
                         </a:spcBef>
                       </a:pPr>
                       <a:r>
-                        <a:rPr sz="1100" spc="0" dirty="0">
+                        <a:rPr lang="ja-JP" altLang="en-US" sz="1100" spc="0" dirty="0">
                           <a:solidFill>
                             <a:srgbClr val="020302"/>
                           </a:solidFill>
                           <a:latin typeface="Wingdings"/>
+                          <a:ea typeface="+mn-ea"/>
                           <a:cs typeface="Wingdings"/>
                         </a:rPr>
                         <a:t></a:t>
                       </a:r>
-                      <a:endParaRPr sz="1100" spc="0" dirty="0">
-                        <a:latin typeface="Wingdings"/>
-                        <a:cs typeface="Wingdings"/>
-                      </a:endParaRPr>
                     </a:p>
                   </a:txBody>
                   <a:tcPr marL="0" marR="0" marT="59690" marB="0">
@@ -5185,16 +4944,13 @@
                         </a:spcBef>
                       </a:pPr>
                       <a:r>
-                        <a:rPr lang="en-US" sz="1100" b="0" i="0" spc="0" dirty="0">
-                          <a:latin typeface="Adobe Clean Light"/>
+                        <a:rPr lang="ja-JP" sz="1000" b="0" i="0" dirty="0">
+                          <a:latin typeface="Adobe Clean Han Light" panose="020B0300000000000000" pitchFamily="34" charset="-128"/>
+                          <a:ea typeface="Adobe Clean Han Light" panose="020B0300000000000000" pitchFamily="34" charset="-128"/>
                           <a:cs typeface="AdobeClean-Light"/>
                         </a:rPr>
-                        <a:t>Proactive Case Monitoring</a:t>
+                        <a:t>プロアクティブなケース監視</a:t>
                       </a:r>
-                      <a:endParaRPr sz="1100" b="0" i="0" spc="0" dirty="0">
-                        <a:latin typeface="Adobe Clean Light"/>
-                        <a:cs typeface="AdobeClean-Light"/>
-                      </a:endParaRPr>
                     </a:p>
                   </a:txBody>
                   <a:tcPr marL="0" marR="0" marT="57150" marB="0">
@@ -5223,13 +4979,14 @@
                     <a:bodyPr/>
                     <a:lstStyle/>
                     <a:p>
-                      <a:pPr>
-                        <a:lnSpc>
-                          <a:spcPct val="100000"/>
-                        </a:lnSpc>
-                      </a:pPr>
-                      <a:endParaRPr sz="1100" spc="0" dirty="0">
-                        <a:latin typeface="Times New Roman"/>
+                      <a:pPr algn="l" rtl="0">
+                        <a:lnSpc>
+                          <a:spcPct val="100000"/>
+                        </a:lnSpc>
+                      </a:pPr>
+                      <a:endParaRPr sz="1000" spc="0" dirty="0">
+                        <a:latin typeface="Adobe Clean Han Regular" panose="020B0500000000000000" pitchFamily="34" charset="-128"/>
+                        <a:ea typeface="Adobe Clean Han Regular" panose="020B0500000000000000" pitchFamily="34" charset="-128"/>
                         <a:cs typeface="Times New Roman"/>
                       </a:endParaRPr>
                     </a:p>
@@ -5256,13 +5013,20 @@
                     <a:bodyPr/>
                     <a:lstStyle/>
                     <a:p>
-                      <a:pPr>
-                        <a:lnSpc>
-                          <a:spcPct val="100000"/>
-                        </a:lnSpc>
+                      <a:pPr marL="0" algn="ctr" rtl="0">
+                        <a:lnSpc>
+                          <a:spcPct val="100000"/>
+                        </a:lnSpc>
+                        <a:spcBef>
+                          <a:spcPts val="459"/>
+                        </a:spcBef>
                       </a:pPr>
                       <a:endParaRPr sz="1100" spc="0" dirty="0">
-                        <a:latin typeface="Times New Roman"/>
+                        <a:solidFill>
+                          <a:srgbClr val="020302"/>
+                        </a:solidFill>
+                        <a:latin typeface="Wingdings"/>
+                        <a:ea typeface="+mn-ea"/>
                         <a:cs typeface="Times New Roman"/>
                       </a:endParaRPr>
                     </a:p>
@@ -5289,7 +5053,7 @@
                           <a:spcPct val="100000"/>
                         </a:lnSpc>
                         <a:spcBef>
-                          <a:spcPts val="450"/>
+                          <a:spcPts val="459"/>
                         </a:spcBef>
                         <a:spcAft>
                           <a:spcPts val="0"/>
@@ -5302,19 +5066,16 @@
                         <a:defRPr/>
                       </a:pPr>
                       <a:r>
-                        <a:rPr lang="en-US" sz="1100" spc="0" dirty="0">
+                        <a:rPr lang="ja-JP" altLang="en-US" sz="1100" spc="0">
                           <a:solidFill>
                             <a:srgbClr val="020302"/>
                           </a:solidFill>
                           <a:latin typeface="Wingdings"/>
+                          <a:ea typeface="+mn-ea"/>
                           <a:cs typeface="Wingdings"/>
                         </a:rPr>
                         <a:t></a:t>
                       </a:r>
-                      <a:endParaRPr lang="en-US" sz="1100" spc="0" dirty="0">
-                        <a:latin typeface="Wingdings"/>
-                        <a:cs typeface="Wingdings"/>
-                      </a:endParaRPr>
                     </a:p>
                   </a:txBody>
                   <a:tcPr marL="0" marR="0" marT="57150" marB="0"/>
@@ -5329,7 +5090,7 @@
                           <a:spcPct val="100000"/>
                         </a:lnSpc>
                         <a:spcBef>
-                          <a:spcPts val="450"/>
+                          <a:spcPts val="459"/>
                         </a:spcBef>
                         <a:spcAft>
                           <a:spcPts val="0"/>
@@ -5342,19 +5103,16 @@
                         <a:defRPr/>
                       </a:pPr>
                       <a:r>
-                        <a:rPr lang="en-US" sz="1100" spc="0" dirty="0">
+                        <a:rPr lang="ja-JP" altLang="en-US" sz="1100" spc="0" dirty="0">
                           <a:solidFill>
                             <a:srgbClr val="020302"/>
                           </a:solidFill>
                           <a:latin typeface="Wingdings"/>
+                          <a:ea typeface="+mn-ea"/>
                           <a:cs typeface="Wingdings"/>
                         </a:rPr>
                         <a:t></a:t>
                       </a:r>
-                      <a:endParaRPr lang="en-US" sz="1100" spc="0" dirty="0">
-                        <a:latin typeface="Wingdings"/>
-                        <a:cs typeface="Wingdings"/>
-                      </a:endParaRPr>
                     </a:p>
                   </a:txBody>
                   <a:tcPr marL="0" marR="0" marT="57150" marB="0">
@@ -5378,7 +5136,7 @@
                     <a:bodyPr/>
                     <a:lstStyle/>
                     <a:p>
-                      <a:pPr marL="48895">
+                      <a:pPr marL="48895" algn="l" rtl="0">
                         <a:lnSpc>
                           <a:spcPct val="100000"/>
                         </a:lnSpc>
@@ -5427,19 +5185,16 @@
                         </a:spcBef>
                       </a:pPr>
                       <a:r>
-                        <a:rPr lang="en-US" sz="1100" b="0" i="0" spc="0">
+                        <a:rPr lang="ja-JP" sz="1000" b="0" i="0" dirty="0">
                           <a:solidFill>
                             <a:srgbClr val="020302"/>
                           </a:solidFill>
-                          <a:latin typeface="Adobe Clean Light"/>
+                          <a:latin typeface="Adobe Clean Han Light" panose="020B0300000000000000" pitchFamily="34" charset="-128"/>
+                          <a:ea typeface="Adobe Clean Han Light" panose="020B0300000000000000" pitchFamily="34" charset="-128"/>
                           <a:cs typeface="AdobeClean-Light"/>
                         </a:rPr>
-                        <a:t>In-Region Support Option</a:t>
+                        <a:t>地域内サポートオプション</a:t>
                       </a:r>
-                      <a:endParaRPr sz="1100" b="0" i="0" spc="0" dirty="0">
-                        <a:latin typeface="Adobe Clean Light" panose="020B0303020404020204" pitchFamily="34" charset="0"/>
-                        <a:cs typeface="AdobeClean-Light"/>
-                      </a:endParaRPr>
                     </a:p>
                   </a:txBody>
                   <a:tcPr marL="0" marR="0" marT="58419" marB="0">
@@ -5462,13 +5217,14 @@
                     <a:bodyPr/>
                     <a:lstStyle/>
                     <a:p>
-                      <a:pPr>
-                        <a:lnSpc>
-                          <a:spcPct val="100000"/>
-                        </a:lnSpc>
-                      </a:pPr>
-                      <a:endParaRPr sz="1100" spc="0" dirty="0">
-                        <a:latin typeface="Times New Roman"/>
+                      <a:pPr algn="l" rtl="0">
+                        <a:lnSpc>
+                          <a:spcPct val="100000"/>
+                        </a:lnSpc>
+                      </a:pPr>
+                      <a:endParaRPr sz="1000" spc="0" dirty="0">
+                        <a:latin typeface="Adobe Clean Han Regular" panose="020B0500000000000000" pitchFamily="34" charset="-128"/>
+                        <a:ea typeface="Adobe Clean Han Regular" panose="020B0500000000000000" pitchFamily="34" charset="-128"/>
                         <a:cs typeface="Times New Roman"/>
                       </a:endParaRPr>
                     </a:p>
@@ -5495,13 +5251,20 @@
                     <a:bodyPr/>
                     <a:lstStyle/>
                     <a:p>
-                      <a:pPr>
-                        <a:lnSpc>
-                          <a:spcPct val="100000"/>
-                        </a:lnSpc>
+                      <a:pPr marL="0" algn="ctr" rtl="0">
+                        <a:lnSpc>
+                          <a:spcPct val="100000"/>
+                        </a:lnSpc>
+                        <a:spcBef>
+                          <a:spcPts val="459"/>
+                        </a:spcBef>
                       </a:pPr>
                       <a:endParaRPr sz="1100" spc="0" dirty="0">
-                        <a:latin typeface="Times New Roman"/>
+                        <a:solidFill>
+                          <a:srgbClr val="020302"/>
+                        </a:solidFill>
+                        <a:latin typeface="Wingdings"/>
+                        <a:ea typeface="+mn-ea"/>
                         <a:cs typeface="Times New Roman"/>
                       </a:endParaRPr>
                     </a:p>
@@ -5513,7 +5276,7 @@
                     <a:bodyPr/>
                     <a:lstStyle/>
                     <a:p>
-                      <a:pPr>
+                      <a:pPr algn="l" rtl="0">
                         <a:lnSpc>
                           <a:spcPct val="100000"/>
                         </a:lnSpc>
@@ -5536,7 +5299,7 @@
                           <a:spcPct val="100000"/>
                         </a:lnSpc>
                         <a:spcBef>
-                          <a:spcPts val="0"/>
+                          <a:spcPts val="459"/>
                         </a:spcBef>
                         <a:spcAft>
                           <a:spcPts val="0"/>
@@ -5549,19 +5312,16 @@
                         <a:defRPr/>
                       </a:pPr>
                       <a:r>
-                        <a:rPr lang="en-US" sz="1100" spc="0" dirty="0">
+                        <a:rPr lang="ja-JP" altLang="en-US" sz="1100" spc="0">
                           <a:solidFill>
                             <a:srgbClr val="020302"/>
                           </a:solidFill>
                           <a:latin typeface="Wingdings"/>
+                          <a:ea typeface="+mn-ea"/>
                           <a:cs typeface="Wingdings"/>
                         </a:rPr>
                         <a:t></a:t>
                       </a:r>
-                      <a:endParaRPr lang="en-US" sz="1100" spc="0" dirty="0">
-                        <a:latin typeface="Wingdings"/>
-                        <a:cs typeface="Wingdings"/>
-                      </a:endParaRPr>
                     </a:p>
                   </a:txBody>
                   <a:tcPr marL="0" marR="0" marT="0" marB="0" anchor="ctr"/>
@@ -5571,28 +5331,25 @@
                     <a:bodyPr/>
                     <a:lstStyle/>
                     <a:p>
-                      <a:pPr algn="ctr">
-                        <a:lnSpc>
-                          <a:spcPct val="100000"/>
-                        </a:lnSpc>
-                        <a:spcBef>
-                          <a:spcPts val="465"/>
+                      <a:pPr marL="0" algn="ctr">
+                        <a:lnSpc>
+                          <a:spcPct val="100000"/>
+                        </a:lnSpc>
+                        <a:spcBef>
+                          <a:spcPts val="459"/>
                         </a:spcBef>
                       </a:pPr>
                       <a:r>
-                        <a:rPr sz="1100" spc="0" dirty="0">
+                        <a:rPr lang="ja-JP" altLang="en-US" sz="1100" spc="0" dirty="0">
                           <a:solidFill>
                             <a:srgbClr val="020302"/>
                           </a:solidFill>
                           <a:latin typeface="Wingdings"/>
+                          <a:ea typeface="+mn-ea"/>
                           <a:cs typeface="Wingdings"/>
                         </a:rPr>
                         <a:t></a:t>
                       </a:r>
-                      <a:endParaRPr sz="1100" spc="0" dirty="0">
-                        <a:latin typeface="Wingdings"/>
-                        <a:cs typeface="Wingdings"/>
-                      </a:endParaRPr>
                     </a:p>
                   </a:txBody>
                   <a:tcPr marL="0" marR="0" marT="59055" marB="0">
@@ -5616,7 +5373,7 @@
                     <a:bodyPr/>
                     <a:lstStyle/>
                     <a:p>
-                      <a:pPr marL="48895">
+                      <a:pPr marL="48895" algn="l" rtl="0">
                         <a:lnSpc>
                           <a:spcPct val="100000"/>
                         </a:lnSpc>
@@ -5674,19 +5431,16 @@
                         </a:spcBef>
                       </a:pPr>
                       <a:r>
-                        <a:rPr lang="en-US" sz="1100" b="0" i="0" spc="0" dirty="0">
+                        <a:rPr lang="ja-JP" sz="1000" b="0" i="0">
                           <a:solidFill>
                             <a:srgbClr val="020302"/>
                           </a:solidFill>
-                          <a:latin typeface="Adobe Clean Light"/>
+                          <a:latin typeface="Adobe Clean Han Light" panose="020B0300000000000000" pitchFamily="34" charset="-128"/>
+                          <a:ea typeface="Adobe Clean Han Light" panose="020B0300000000000000" pitchFamily="34" charset="-128"/>
                           <a:cs typeface="AdobeClean-Light"/>
                         </a:rPr>
-                        <a:t>Service Reviews</a:t>
+                        <a:t>サービスレビュー</a:t>
                       </a:r>
-                      <a:endParaRPr sz="1100" b="0" i="0" spc="0" dirty="0">
-                        <a:latin typeface="Adobe Clean Light"/>
-                        <a:cs typeface="AdobeClean-Light"/>
-                      </a:endParaRPr>
                     </a:p>
                   </a:txBody>
                   <a:tcPr marL="0" marR="0" marT="59055" marB="0">
@@ -5715,13 +5469,14 @@
                     <a:bodyPr/>
                     <a:lstStyle/>
                     <a:p>
-                      <a:pPr>
-                        <a:lnSpc>
-                          <a:spcPct val="100000"/>
-                        </a:lnSpc>
-                      </a:pPr>
-                      <a:endParaRPr sz="1100" spc="0" dirty="0">
-                        <a:latin typeface="Times New Roman"/>
+                      <a:pPr algn="l" rtl="0">
+                        <a:lnSpc>
+                          <a:spcPct val="100000"/>
+                        </a:lnSpc>
+                      </a:pPr>
+                      <a:endParaRPr sz="1000" spc="0" dirty="0">
+                        <a:latin typeface="Adobe Clean Han Regular" panose="020B0500000000000000" pitchFamily="34" charset="-128"/>
+                        <a:ea typeface="Adobe Clean Han Regular" panose="020B0500000000000000" pitchFamily="34" charset="-128"/>
                         <a:cs typeface="Times New Roman"/>
                       </a:endParaRPr>
                     </a:p>
@@ -5748,13 +5503,14 @@
                     <a:bodyPr/>
                     <a:lstStyle/>
                     <a:p>
-                      <a:pPr>
-                        <a:lnSpc>
-                          <a:spcPct val="100000"/>
-                        </a:lnSpc>
-                      </a:pPr>
-                      <a:endParaRPr sz="1100" spc="0" dirty="0">
-                        <a:latin typeface="Times New Roman"/>
+                      <a:pPr algn="l" rtl="0">
+                        <a:lnSpc>
+                          <a:spcPct val="100000"/>
+                        </a:lnSpc>
+                      </a:pPr>
+                      <a:endParaRPr sz="1000" spc="0" dirty="0">
+                        <a:latin typeface="Adobe Clean Han Regular" panose="020B0500000000000000" pitchFamily="34" charset="-128"/>
+                        <a:ea typeface="Adobe Clean Han Regular" panose="020B0500000000000000" pitchFamily="34" charset="-128"/>
                         <a:cs typeface="Times New Roman"/>
                       </a:endParaRPr>
                     </a:p>
@@ -5766,7 +5522,7 @@
                     <a:bodyPr/>
                     <a:lstStyle/>
                     <a:p>
-                      <a:pPr>
+                      <a:pPr algn="l" rtl="0">
                         <a:lnSpc>
                           <a:spcPct val="100000"/>
                         </a:lnSpc>
@@ -5793,70 +5549,44 @@
                         </a:spcBef>
                       </a:pPr>
                       <a:r>
-                        <a:rPr sz="1100" spc="0" dirty="0">
+                        <a:rPr lang="ja-JP" sz="1000">
                           <a:solidFill>
                             <a:srgbClr val="020302"/>
                           </a:solidFill>
-                          <a:latin typeface="AdobeClean-Light"/>
+                          <a:latin typeface="Adobe Clean Han Regular" panose="020B0500000000000000" pitchFamily="34" charset="-128"/>
+                          <a:ea typeface="Adobe Clean Han Regular" panose="020B0500000000000000" pitchFamily="34" charset="-128"/>
                           <a:cs typeface="AdobeClean-Light"/>
                         </a:rPr>
-                        <a:t>2</a:t>
+                        <a:t>2/年</a:t>
                       </a:r>
+                    </a:p>
+                  </a:txBody>
+                  <a:tcPr marL="0" marR="0" marT="57150" marB="0"/>
+                </a:tc>
+                <a:tc>
+                  <a:txBody>
+                    <a:bodyPr/>
+                    <a:lstStyle/>
+                    <a:p>
+                      <a:pPr algn="ctr">
+                        <a:lnSpc>
+                          <a:spcPct val="100000"/>
+                        </a:lnSpc>
+                        <a:spcBef>
+                          <a:spcPts val="450"/>
+                        </a:spcBef>
+                      </a:pPr>
                       <a:r>
-                        <a:rPr lang="en-US" sz="1100" spc="0" dirty="0">
+                        <a:rPr lang="ja-JP" sz="1000">
                           <a:solidFill>
                             <a:srgbClr val="020302"/>
                           </a:solidFill>
-                          <a:latin typeface="AdobeClean-Light"/>
+                          <a:latin typeface="Adobe Clean Han Regular" panose="020B0500000000000000" pitchFamily="34" charset="-128"/>
+                          <a:ea typeface="Adobe Clean Han Regular" panose="020B0500000000000000" pitchFamily="34" charset="-128"/>
                           <a:cs typeface="AdobeClean-Light"/>
                         </a:rPr>
-                        <a:t>/year</a:t>
+                        <a:t>4/年</a:t>
                       </a:r>
-                      <a:endParaRPr sz="1100" spc="0" dirty="0">
-                        <a:latin typeface="AdobeClean-Light"/>
-                        <a:cs typeface="AdobeClean-Light"/>
-                      </a:endParaRPr>
-                    </a:p>
-                  </a:txBody>
-                  <a:tcPr marL="0" marR="0" marT="57150" marB="0"/>
-                </a:tc>
-                <a:tc>
-                  <a:txBody>
-                    <a:bodyPr/>
-                    <a:lstStyle/>
-                    <a:p>
-                      <a:pPr algn="ctr">
-                        <a:lnSpc>
-                          <a:spcPct val="100000"/>
-                        </a:lnSpc>
-                        <a:spcBef>
-                          <a:spcPts val="450"/>
-                        </a:spcBef>
-                      </a:pPr>
-                      <a:r>
-                        <a:rPr sz="1100" spc="0" dirty="0">
-                          <a:solidFill>
-                            <a:srgbClr val="020302"/>
-                          </a:solidFill>
-                          <a:latin typeface="AdobeClean-Light"/>
-                          <a:cs typeface="AdobeClean-Light"/>
-                        </a:rPr>
-                        <a:t>4</a:t>
-                      </a:r>
-                      <a:r>
-                        <a:rPr lang="en-US" sz="1100" spc="0" dirty="0">
-                          <a:solidFill>
-                            <a:srgbClr val="020302"/>
-                          </a:solidFill>
-                          <a:latin typeface="AdobeClean-Light"/>
-                          <a:cs typeface="AdobeClean-Light"/>
-                        </a:rPr>
-                        <a:t>/year</a:t>
-                      </a:r>
-                      <a:endParaRPr sz="1100" spc="0" dirty="0">
-                        <a:latin typeface="AdobeClean-Light"/>
-                        <a:cs typeface="AdobeClean-Light"/>
-                      </a:endParaRPr>
                     </a:p>
                   </a:txBody>
                   <a:tcPr marL="0" marR="0" marT="57150" marB="0">
@@ -5880,7 +5610,7 @@
                     <a:bodyPr/>
                     <a:lstStyle/>
                     <a:p>
-                      <a:pPr marL="49530">
+                      <a:pPr marL="49530" algn="l" rtl="0">
                         <a:lnSpc>
                           <a:spcPct val="100000"/>
                         </a:lnSpc>
@@ -5929,16 +5659,13 @@
                         </a:spcBef>
                       </a:pPr>
                       <a:r>
-                        <a:rPr lang="en-US" sz="1100" b="0" i="0" spc="0" dirty="0">
-                          <a:latin typeface="Adobe Clean Light"/>
+                        <a:rPr lang="ja-JP" sz="1000" b="0" i="0" dirty="0">
+                          <a:latin typeface="Adobe Clean Han Light" panose="020B0300000000000000" pitchFamily="34" charset="-128"/>
+                          <a:ea typeface="Adobe Clean Han Light" panose="020B0300000000000000" pitchFamily="34" charset="-128"/>
                           <a:cs typeface="AdobeClean-Light"/>
                         </a:rPr>
-                        <a:t>Case Reviews</a:t>
+                        <a:t>ケースレビュー</a:t>
                       </a:r>
-                      <a:endParaRPr sz="1100" b="0" i="0" spc="0" dirty="0">
-                        <a:latin typeface="Adobe Clean Light"/>
-                        <a:cs typeface="AdobeClean-Light"/>
-                      </a:endParaRPr>
                     </a:p>
                   </a:txBody>
                   <a:tcPr marL="0" marR="0" marT="63500" marB="0">
@@ -5961,13 +5688,14 @@
                     <a:bodyPr/>
                     <a:lstStyle/>
                     <a:p>
-                      <a:pPr>
-                        <a:lnSpc>
-                          <a:spcPct val="100000"/>
-                        </a:lnSpc>
-                      </a:pPr>
-                      <a:endParaRPr sz="1100" spc="0" dirty="0">
-                        <a:latin typeface="Times New Roman"/>
+                      <a:pPr algn="l" rtl="0">
+                        <a:lnSpc>
+                          <a:spcPct val="100000"/>
+                        </a:lnSpc>
+                      </a:pPr>
+                      <a:endParaRPr sz="1000" spc="0" dirty="0">
+                        <a:latin typeface="Adobe Clean Han Regular" panose="020B0500000000000000" pitchFamily="34" charset="-128"/>
+                        <a:ea typeface="Adobe Clean Han Regular" panose="020B0500000000000000" pitchFamily="34" charset="-128"/>
                         <a:cs typeface="Times New Roman"/>
                       </a:endParaRPr>
                     </a:p>
@@ -5994,13 +5722,14 @@
                     <a:bodyPr/>
                     <a:lstStyle/>
                     <a:p>
-                      <a:pPr>
-                        <a:lnSpc>
-                          <a:spcPct val="100000"/>
-                        </a:lnSpc>
-                      </a:pPr>
-                      <a:endParaRPr sz="1100" spc="0" dirty="0">
-                        <a:latin typeface="Times New Roman"/>
+                      <a:pPr algn="l" rtl="0">
+                        <a:lnSpc>
+                          <a:spcPct val="100000"/>
+                        </a:lnSpc>
+                      </a:pPr>
+                      <a:endParaRPr sz="1000" spc="0" dirty="0">
+                        <a:latin typeface="Adobe Clean Han Regular" panose="020B0500000000000000" pitchFamily="34" charset="-128"/>
+                        <a:ea typeface="Adobe Clean Han Regular" panose="020B0500000000000000" pitchFamily="34" charset="-128"/>
                         <a:cs typeface="Times New Roman"/>
                       </a:endParaRPr>
                     </a:p>
@@ -6012,7 +5741,7 @@
                     <a:bodyPr/>
                     <a:lstStyle/>
                     <a:p>
-                      <a:pPr>
+                      <a:pPr algn="l" rtl="0">
                         <a:lnSpc>
                           <a:spcPct val="100000"/>
                         </a:lnSpc>
@@ -6039,16 +5768,13 @@
                         </a:spcBef>
                       </a:pPr>
                       <a:r>
-                        <a:rPr lang="en-US" sz="1100" spc="0" dirty="0">
-                          <a:latin typeface="AdobeClean-Light"/>
+                        <a:rPr lang="ja-JP" sz="1000">
+                          <a:latin typeface="Adobe Clean Han Regular" panose="020B0500000000000000" pitchFamily="34" charset="-128"/>
+                          <a:ea typeface="Adobe Clean Han Regular" panose="020B0500000000000000" pitchFamily="34" charset="-128"/>
                           <a:cs typeface="AdobeClean-Light"/>
                         </a:rPr>
-                        <a:t>1/month</a:t>
+                        <a:t>1/月</a:t>
                       </a:r>
-                      <a:endParaRPr sz="1100" spc="0" dirty="0">
-                        <a:latin typeface="AdobeClean-Light"/>
-                        <a:cs typeface="AdobeClean-Light"/>
-                      </a:endParaRPr>
                     </a:p>
                   </a:txBody>
                   <a:tcPr marL="0" marR="0" marT="57150" marB="0"/>
@@ -6067,16 +5793,13 @@
                         </a:spcBef>
                       </a:pPr>
                       <a:r>
-                        <a:rPr lang="en-US" sz="1100" spc="0" dirty="0">
-                          <a:latin typeface="AdobeClean-Light"/>
+                        <a:rPr lang="ja-JP" sz="1000">
+                          <a:latin typeface="Adobe Clean Han Regular" panose="020B0500000000000000" pitchFamily="34" charset="-128"/>
+                          <a:ea typeface="Adobe Clean Han Regular" panose="020B0500000000000000" pitchFamily="34" charset="-128"/>
                           <a:cs typeface="AdobeClean-Light"/>
                         </a:rPr>
-                        <a:t>2/month</a:t>
+                        <a:t>2/月</a:t>
                       </a:r>
-                      <a:endParaRPr sz="1100" spc="0" dirty="0">
-                        <a:latin typeface="AdobeClean-Light"/>
-                        <a:cs typeface="AdobeClean-Light"/>
-                      </a:endParaRPr>
                     </a:p>
                   </a:txBody>
                   <a:tcPr marL="0" marR="0" marT="57150" marB="0">
@@ -6128,11 +5851,12 @@
                         <a:defRPr/>
                       </a:pPr>
                       <a:r>
-                        <a:rPr lang="en-US" sz="1100" b="0" i="0" spc="0" dirty="0">
-                          <a:latin typeface="Adobe Clean Light" panose="020B0303020404020204" pitchFamily="34" charset="0"/>
+                        <a:rPr lang="ja-JP" sz="1000" b="0" i="0" dirty="0">
+                          <a:latin typeface="Adobe Clean Han Light" panose="020B0300000000000000" pitchFamily="34" charset="-128"/>
+                          <a:ea typeface="Adobe Clean Han Light" panose="020B0300000000000000" pitchFamily="34" charset="-128"/>
                           <a:cs typeface="AdobeClean-Light"/>
                         </a:rPr>
-                        <a:t>Solution Review</a:t>
+                        <a:t>ソリューションレビュー</a:t>
                       </a:r>
                     </a:p>
                   </a:txBody>
@@ -6162,13 +5886,14 @@
                     <a:bodyPr/>
                     <a:lstStyle/>
                     <a:p>
-                      <a:pPr>
-                        <a:lnSpc>
-                          <a:spcPct val="100000"/>
-                        </a:lnSpc>
-                      </a:pPr>
-                      <a:endParaRPr lang="en-US" sz="1100" spc="0" dirty="0">
-                        <a:latin typeface="Times New Roman"/>
+                      <a:pPr algn="l" rtl="0">
+                        <a:lnSpc>
+                          <a:spcPct val="100000"/>
+                        </a:lnSpc>
+                      </a:pPr>
+                      <a:endParaRPr lang="en-US" sz="1000" spc="0" dirty="0">
+                        <a:latin typeface="Adobe Clean Han Regular" panose="020B0500000000000000" pitchFamily="34" charset="-128"/>
+                        <a:ea typeface="Adobe Clean Han Regular" panose="020B0500000000000000" pitchFamily="34" charset="-128"/>
                         <a:cs typeface="Times New Roman"/>
                       </a:endParaRPr>
                     </a:p>
@@ -6195,13 +5920,14 @@
                     <a:bodyPr/>
                     <a:lstStyle/>
                     <a:p>
-                      <a:pPr>
-                        <a:lnSpc>
-                          <a:spcPct val="100000"/>
-                        </a:lnSpc>
-                      </a:pPr>
-                      <a:endParaRPr lang="en-US" sz="1100" spc="0" dirty="0">
-                        <a:latin typeface="Times New Roman"/>
+                      <a:pPr algn="l" rtl="0">
+                        <a:lnSpc>
+                          <a:spcPct val="100000"/>
+                        </a:lnSpc>
+                      </a:pPr>
+                      <a:endParaRPr lang="en-US" sz="1000" spc="0" dirty="0">
+                        <a:latin typeface="Adobe Clean Han Regular" panose="020B0500000000000000" pitchFamily="34" charset="-128"/>
+                        <a:ea typeface="Adobe Clean Han Regular" panose="020B0500000000000000" pitchFamily="34" charset="-128"/>
                         <a:cs typeface="Times New Roman"/>
                       </a:endParaRPr>
                     </a:p>
@@ -6223,13 +5949,14 @@
                     <a:bodyPr/>
                     <a:lstStyle/>
                     <a:p>
-                      <a:pPr>
-                        <a:lnSpc>
-                          <a:spcPct val="100000"/>
-                        </a:lnSpc>
-                      </a:pPr>
-                      <a:endParaRPr lang="en-US" sz="1100" spc="0" dirty="0">
-                        <a:latin typeface="Times New Roman"/>
+                      <a:pPr algn="l" rtl="0">
+                        <a:lnSpc>
+                          <a:spcPct val="100000"/>
+                        </a:lnSpc>
+                      </a:pPr>
+                      <a:endParaRPr lang="en-US" sz="1000" spc="0" dirty="0">
+                        <a:latin typeface="Adobe Clean Han Regular" panose="020B0500000000000000" pitchFamily="34" charset="-128"/>
+                        <a:ea typeface="Adobe Clean Han Regular" panose="020B0500000000000000" pitchFamily="34" charset="-128"/>
                         <a:cs typeface="Times New Roman"/>
                       </a:endParaRPr>
                     </a:p>
@@ -6246,7 +5973,7 @@
                           <a:spcPct val="100000"/>
                         </a:lnSpc>
                         <a:spcBef>
-                          <a:spcPts val="505"/>
+                          <a:spcPts val="459"/>
                         </a:spcBef>
                         <a:spcAft>
                           <a:spcPts val="0"/>
@@ -6259,19 +5986,16 @@
                         <a:defRPr/>
                       </a:pPr>
                       <a:r>
-                        <a:rPr lang="en-US" sz="1100" spc="0" dirty="0">
+                        <a:rPr lang="ja-JP" altLang="en-US" sz="1100" spc="0" dirty="0">
                           <a:solidFill>
                             <a:srgbClr val="020302"/>
                           </a:solidFill>
                           <a:latin typeface="Wingdings"/>
+                          <a:ea typeface="+mn-ea"/>
                           <a:cs typeface="Wingdings"/>
                         </a:rPr>
                         <a:t></a:t>
                       </a:r>
-                      <a:endParaRPr lang="en-US" sz="1100" spc="0" dirty="0">
-                        <a:latin typeface="Wingdings"/>
-                        <a:cs typeface="Wingdings"/>
-                      </a:endParaRPr>
                     </a:p>
                   </a:txBody>
                   <a:tcPr marL="0" marR="0" marT="64135" marB="0">
@@ -6321,16 +6045,13 @@
                         <a:buNone/>
                       </a:pPr>
                       <a:r>
-                        <a:rPr lang="en-US" sz="1100" b="0" i="0" spc="0" dirty="0">
-                          <a:latin typeface="Adobe Clean Light"/>
+                        <a:rPr lang="ja-JP" sz="1000" b="0" i="0">
+                          <a:latin typeface="Adobe Clean Han Light" panose="020B0300000000000000" pitchFamily="34" charset="-128"/>
+                          <a:ea typeface="Adobe Clean Han Light" panose="020B0300000000000000" pitchFamily="34" charset="-128"/>
                           <a:cs typeface="AdobeClean-Light"/>
                         </a:rPr>
-                        <a:t>Roadmap Review </a:t>
+                        <a:t>ロードマップレビュー </a:t>
                       </a:r>
-                      <a:endParaRPr lang="en-US" sz="1100" b="0" i="0" spc="0" dirty="0">
-                        <a:latin typeface="Adobe Clean Light" panose="020B0303020404020204" pitchFamily="34" charset="0"/>
-                        <a:cs typeface="AdobeClean-Light"/>
-                      </a:endParaRPr>
                     </a:p>
                   </a:txBody>
                   <a:tcPr marL="0" marR="0" marT="63500" marB="0">
@@ -6359,13 +6080,14 @@
                     <a:bodyPr/>
                     <a:lstStyle/>
                     <a:p>
-                      <a:pPr>
-                        <a:lnSpc>
-                          <a:spcPct val="100000"/>
-                        </a:lnSpc>
-                      </a:pPr>
-                      <a:endParaRPr lang="en-US" sz="1100" spc="0" dirty="0">
-                        <a:latin typeface="Times New Roman"/>
+                      <a:pPr algn="l" rtl="0">
+                        <a:lnSpc>
+                          <a:spcPct val="100000"/>
+                        </a:lnSpc>
+                      </a:pPr>
+                      <a:endParaRPr lang="en-US" sz="1000" spc="0" dirty="0">
+                        <a:latin typeface="Adobe Clean Han Regular" panose="020B0500000000000000" pitchFamily="34" charset="-128"/>
+                        <a:ea typeface="Adobe Clean Han Regular" panose="020B0500000000000000" pitchFamily="34" charset="-128"/>
                         <a:cs typeface="Times New Roman"/>
                       </a:endParaRPr>
                     </a:p>
@@ -6392,13 +6114,14 @@
                     <a:bodyPr/>
                     <a:lstStyle/>
                     <a:p>
-                      <a:pPr>
-                        <a:lnSpc>
-                          <a:spcPct val="100000"/>
-                        </a:lnSpc>
-                      </a:pPr>
-                      <a:endParaRPr lang="en-US" sz="1100" spc="0" dirty="0">
-                        <a:latin typeface="Times New Roman"/>
+                      <a:pPr algn="l" rtl="0">
+                        <a:lnSpc>
+                          <a:spcPct val="100000"/>
+                        </a:lnSpc>
+                      </a:pPr>
+                      <a:endParaRPr lang="en-US" sz="1000" spc="0" dirty="0">
+                        <a:latin typeface="Adobe Clean Han Regular" panose="020B0500000000000000" pitchFamily="34" charset="-128"/>
+                        <a:ea typeface="Adobe Clean Han Regular" panose="020B0500000000000000" pitchFamily="34" charset="-128"/>
                         <a:cs typeface="Times New Roman"/>
                       </a:endParaRPr>
                     </a:p>
@@ -6420,13 +6143,14 @@
                     <a:bodyPr/>
                     <a:lstStyle/>
                     <a:p>
-                      <a:pPr>
-                        <a:lnSpc>
-                          <a:spcPct val="100000"/>
-                        </a:lnSpc>
-                      </a:pPr>
-                      <a:endParaRPr lang="en-US" sz="1100" spc="0" dirty="0">
-                        <a:latin typeface="Times New Roman"/>
+                      <a:pPr algn="l" rtl="0">
+                        <a:lnSpc>
+                          <a:spcPct val="100000"/>
+                        </a:lnSpc>
+                      </a:pPr>
+                      <a:endParaRPr lang="en-US" sz="1000" spc="0" dirty="0">
+                        <a:latin typeface="Adobe Clean Han Regular" panose="020B0500000000000000" pitchFamily="34" charset="-128"/>
+                        <a:ea typeface="Adobe Clean Han Regular" panose="020B0500000000000000" pitchFamily="34" charset="-128"/>
                         <a:cs typeface="Times New Roman"/>
                       </a:endParaRPr>
                     </a:p>
@@ -6443,7 +6167,7 @@
                           <a:spcPct val="100000"/>
                         </a:lnSpc>
                         <a:spcBef>
-                          <a:spcPts val="505"/>
+                          <a:spcPts val="459"/>
                         </a:spcBef>
                         <a:spcAft>
                           <a:spcPts val="0"/>
@@ -6456,19 +6180,16 @@
                         <a:defRPr/>
                       </a:pPr>
                       <a:r>
-                        <a:rPr lang="en-US" sz="1100" spc="0" dirty="0">
+                        <a:rPr lang="ja-JP" altLang="en-US" sz="1100" spc="0" dirty="0">
                           <a:solidFill>
                             <a:srgbClr val="020302"/>
                           </a:solidFill>
                           <a:latin typeface="Wingdings"/>
+                          <a:ea typeface="+mn-ea"/>
                           <a:cs typeface="Wingdings"/>
                         </a:rPr>
                         <a:t></a:t>
                       </a:r>
-                      <a:endParaRPr lang="en-US" sz="1100" spc="0" dirty="0">
-                        <a:latin typeface="Wingdings"/>
-                        <a:cs typeface="Wingdings"/>
-                      </a:endParaRPr>
                     </a:p>
                   </a:txBody>
                   <a:tcPr marL="0" marR="0" marT="64135" marB="0">
@@ -6518,19 +6239,16 @@
                         <a:buNone/>
                       </a:pPr>
                       <a:r>
-                        <a:rPr lang="en-US" sz="1100" b="0" i="0" spc="0" dirty="0">
+                        <a:rPr lang="ja-JP" sz="1000" b="0" i="0" dirty="0">
                           <a:solidFill>
                             <a:srgbClr val="020302"/>
                           </a:solidFill>
-                          <a:latin typeface="Adobe Clean Light"/>
+                          <a:latin typeface="Adobe Clean Han Light" panose="020B0300000000000000" pitchFamily="34" charset="-128"/>
+                          <a:ea typeface="Adobe Clean Han Light" panose="020B0300000000000000" pitchFamily="34" charset="-128"/>
                           <a:cs typeface="AdobeClean-Light"/>
                         </a:rPr>
-                        <a:t>Additional Named Support Contacts </a:t>
+                        <a:t>追加のサポート対象ユーザー </a:t>
                       </a:r>
-                      <a:endParaRPr lang="en-US" sz="1100" b="0" i="0" spc="0" dirty="0">
-                        <a:latin typeface="Adobe Clean Light" panose="020B0303020404020204" pitchFamily="34" charset="0"/>
-                        <a:cs typeface="AdobeClean-Light"/>
-                      </a:endParaRPr>
                     </a:p>
                   </a:txBody>
                   <a:tcPr marL="0" marR="0" marT="63500" marB="0">
@@ -6559,13 +6277,14 @@
                     <a:bodyPr/>
                     <a:lstStyle/>
                     <a:p>
-                      <a:pPr>
-                        <a:lnSpc>
-                          <a:spcPct val="100000"/>
-                        </a:lnSpc>
-                      </a:pPr>
-                      <a:endParaRPr lang="en-US" sz="1100" spc="0" dirty="0">
-                        <a:latin typeface="Times New Roman"/>
+                      <a:pPr algn="l" rtl="0">
+                        <a:lnSpc>
+                          <a:spcPct val="100000"/>
+                        </a:lnSpc>
+                      </a:pPr>
+                      <a:endParaRPr lang="en-US" sz="1000" spc="0" dirty="0">
+                        <a:latin typeface="Adobe Clean Han Regular" panose="020B0500000000000000" pitchFamily="34" charset="-128"/>
+                        <a:ea typeface="Adobe Clean Han Regular" panose="020B0500000000000000" pitchFamily="34" charset="-128"/>
                         <a:cs typeface="Times New Roman"/>
                       </a:endParaRPr>
                     </a:p>
@@ -6592,13 +6311,14 @@
                     <a:bodyPr/>
                     <a:lstStyle/>
                     <a:p>
-                      <a:pPr>
-                        <a:lnSpc>
-                          <a:spcPct val="100000"/>
-                        </a:lnSpc>
-                      </a:pPr>
-                      <a:endParaRPr lang="en-US" sz="1100" spc="0" dirty="0">
-                        <a:latin typeface="Times New Roman"/>
+                      <a:pPr algn="l" rtl="0">
+                        <a:lnSpc>
+                          <a:spcPct val="100000"/>
+                        </a:lnSpc>
+                      </a:pPr>
+                      <a:endParaRPr lang="en-US" sz="1000" spc="0" dirty="0">
+                        <a:latin typeface="Adobe Clean Han Regular" panose="020B0500000000000000" pitchFamily="34" charset="-128"/>
+                        <a:ea typeface="Adobe Clean Han Regular" panose="020B0500000000000000" pitchFamily="34" charset="-128"/>
                         <a:cs typeface="Times New Roman"/>
                       </a:endParaRPr>
                     </a:p>
@@ -6620,13 +6340,14 @@
                     <a:bodyPr/>
                     <a:lstStyle/>
                     <a:p>
-                      <a:pPr>
-                        <a:lnSpc>
-                          <a:spcPct val="100000"/>
-                        </a:lnSpc>
-                      </a:pPr>
-                      <a:endParaRPr lang="en-US" sz="1100" spc="0" dirty="0">
-                        <a:latin typeface="Times New Roman"/>
+                      <a:pPr algn="l" rtl="0">
+                        <a:lnSpc>
+                          <a:spcPct val="100000"/>
+                        </a:lnSpc>
+                      </a:pPr>
+                      <a:endParaRPr lang="en-US" sz="1000" spc="0" dirty="0">
+                        <a:latin typeface="Adobe Clean Han Regular" panose="020B0500000000000000" pitchFamily="34" charset="-128"/>
+                        <a:ea typeface="Adobe Clean Han Regular" panose="020B0500000000000000" pitchFamily="34" charset="-128"/>
                         <a:cs typeface="Times New Roman"/>
                       </a:endParaRPr>
                     </a:p>
@@ -6643,7 +6364,7 @@
                           <a:spcPct val="100000"/>
                         </a:lnSpc>
                         <a:spcBef>
-                          <a:spcPts val="505"/>
+                          <a:spcPts val="459"/>
                         </a:spcBef>
                         <a:spcAft>
                           <a:spcPts val="0"/>
@@ -6656,19 +6377,16 @@
                         <a:defRPr/>
                       </a:pPr>
                       <a:r>
-                        <a:rPr lang="en-US" sz="1100" spc="0" dirty="0">
+                        <a:rPr lang="ja-JP" altLang="en-US" sz="1100" spc="0" dirty="0">
                           <a:solidFill>
                             <a:srgbClr val="020302"/>
                           </a:solidFill>
                           <a:latin typeface="Wingdings"/>
+                          <a:ea typeface="+mn-ea"/>
                           <a:cs typeface="Wingdings"/>
                         </a:rPr>
                         <a:t></a:t>
                       </a:r>
-                      <a:endParaRPr lang="en-US" sz="1100" spc="0" dirty="0">
-                        <a:latin typeface="Wingdings"/>
-                        <a:cs typeface="Wingdings"/>
-                      </a:endParaRPr>
                     </a:p>
                   </a:txBody>
                   <a:tcPr marL="0" marR="0" marT="64135" marB="0">
@@ -6711,16 +6429,13 @@
                         </a:spcBef>
                       </a:pPr>
                       <a:r>
-                        <a:rPr lang="en-US" sz="1100" b="0" i="0" spc="0" dirty="0">
-                          <a:latin typeface="Adobe Clean Light"/>
+                        <a:rPr lang="ja-JP" sz="1000" b="0" i="0" dirty="0">
+                          <a:latin typeface="Adobe Clean Han Light" panose="020B0300000000000000" pitchFamily="34" charset="-128"/>
+                          <a:ea typeface="Adobe Clean Han Light" panose="020B0300000000000000" pitchFamily="34" charset="-128"/>
                           <a:cs typeface="AdobeClean-Light"/>
                         </a:rPr>
-                        <a:t>Upgrade/Migration Planning</a:t>
+                        <a:t>アップグレード／移行計画</a:t>
                       </a:r>
-                      <a:endParaRPr sz="1100" b="0" i="0" spc="0" dirty="0">
-                        <a:latin typeface="Adobe Clean Light"/>
-                        <a:cs typeface="AdobeClean-Light"/>
-                      </a:endParaRPr>
                     </a:p>
                   </a:txBody>
                   <a:tcPr marL="0" marR="0" marT="63500" marB="0">
@@ -6749,13 +6464,14 @@
                     <a:bodyPr/>
                     <a:lstStyle/>
                     <a:p>
-                      <a:pPr>
-                        <a:lnSpc>
-                          <a:spcPct val="100000"/>
-                        </a:lnSpc>
-                      </a:pPr>
-                      <a:endParaRPr sz="1100" spc="0" dirty="0">
-                        <a:latin typeface="Times New Roman"/>
+                      <a:pPr algn="l" rtl="0">
+                        <a:lnSpc>
+                          <a:spcPct val="100000"/>
+                        </a:lnSpc>
+                      </a:pPr>
+                      <a:endParaRPr sz="1000" spc="0" dirty="0">
+                        <a:latin typeface="Adobe Clean Han Regular" panose="020B0500000000000000" pitchFamily="34" charset="-128"/>
+                        <a:ea typeface="Adobe Clean Han Regular" panose="020B0500000000000000" pitchFamily="34" charset="-128"/>
                         <a:cs typeface="Times New Roman"/>
                       </a:endParaRPr>
                     </a:p>
@@ -6782,13 +6498,14 @@
                     <a:bodyPr/>
                     <a:lstStyle/>
                     <a:p>
-                      <a:pPr>
-                        <a:lnSpc>
-                          <a:spcPct val="100000"/>
-                        </a:lnSpc>
-                      </a:pPr>
-                      <a:endParaRPr sz="1100" spc="0" dirty="0">
-                        <a:latin typeface="Times New Roman"/>
+                      <a:pPr algn="l" rtl="0">
+                        <a:lnSpc>
+                          <a:spcPct val="100000"/>
+                        </a:lnSpc>
+                      </a:pPr>
+                      <a:endParaRPr sz="1000" spc="0" dirty="0">
+                        <a:latin typeface="Adobe Clean Han Regular" panose="020B0500000000000000" pitchFamily="34" charset="-128"/>
+                        <a:ea typeface="Adobe Clean Han Regular" panose="020B0500000000000000" pitchFamily="34" charset="-128"/>
                         <a:cs typeface="Times New Roman"/>
                       </a:endParaRPr>
                     </a:p>
@@ -6810,13 +6527,14 @@
                     <a:bodyPr/>
                     <a:lstStyle/>
                     <a:p>
-                      <a:pPr>
-                        <a:lnSpc>
-                          <a:spcPct val="100000"/>
-                        </a:lnSpc>
-                      </a:pPr>
-                      <a:endParaRPr sz="1100" spc="0" dirty="0">
-                        <a:latin typeface="Times New Roman"/>
+                      <a:pPr algn="l" rtl="0">
+                        <a:lnSpc>
+                          <a:spcPct val="100000"/>
+                        </a:lnSpc>
+                      </a:pPr>
+                      <a:endParaRPr sz="1000" spc="0" dirty="0">
+                        <a:latin typeface="Adobe Clean Han Regular" panose="020B0500000000000000" pitchFamily="34" charset="-128"/>
+                        <a:ea typeface="Adobe Clean Han Regular" panose="020B0500000000000000" pitchFamily="34" charset="-128"/>
                         <a:cs typeface="Times New Roman"/>
                       </a:endParaRPr>
                     </a:p>
@@ -6833,7 +6551,7 @@
                           <a:spcPct val="100000"/>
                         </a:lnSpc>
                         <a:spcBef>
-                          <a:spcPts val="505"/>
+                          <a:spcPts val="459"/>
                         </a:spcBef>
                         <a:spcAft>
                           <a:spcPts val="0"/>
@@ -6846,19 +6564,16 @@
                         <a:defRPr/>
                       </a:pPr>
                       <a:r>
-                        <a:rPr lang="en-US" sz="1100" spc="0" dirty="0">
+                        <a:rPr lang="ja-JP" altLang="en-US" sz="1100" spc="0" dirty="0">
                           <a:solidFill>
                             <a:srgbClr val="020302"/>
                           </a:solidFill>
                           <a:latin typeface="Wingdings"/>
+                          <a:ea typeface="+mn-ea"/>
                           <a:cs typeface="Wingdings"/>
                         </a:rPr>
                         <a:t></a:t>
                       </a:r>
-                      <a:endParaRPr lang="en-US" sz="1100" spc="0" dirty="0">
-                        <a:latin typeface="Wingdings"/>
-                        <a:cs typeface="Wingdings"/>
-                      </a:endParaRPr>
                     </a:p>
                   </a:txBody>
                   <a:tcPr marL="0" marR="0" marT="64135" marB="0">
@@ -6901,16 +6616,13 @@
                         </a:spcBef>
                       </a:pPr>
                       <a:r>
-                        <a:rPr lang="en-US" sz="1100" b="0" i="0" spc="0" dirty="0">
-                          <a:latin typeface="Adobe Clean Light"/>
+                        <a:rPr lang="ja-JP" sz="1000" b="0" i="0" dirty="0">
+                          <a:latin typeface="Adobe Clean Han Light" panose="020B0300000000000000" pitchFamily="34" charset="-128"/>
+                          <a:ea typeface="Adobe Clean Han Light" panose="020B0300000000000000" pitchFamily="34" charset="-128"/>
                           <a:cs typeface="AdobeClean-Light"/>
                         </a:rPr>
-                        <a:t>Release Preparation and Planning</a:t>
+                        <a:t>リリースの準備と計画</a:t>
                       </a:r>
-                      <a:endParaRPr sz="1100" b="0" i="0" spc="0" dirty="0">
-                        <a:latin typeface="Adobe Clean Light"/>
-                        <a:cs typeface="AdobeClean-Light"/>
-                      </a:endParaRPr>
                     </a:p>
                   </a:txBody>
                   <a:tcPr marL="0" marR="0" marT="63500" marB="0">
@@ -6939,13 +6651,14 @@
                     <a:bodyPr/>
                     <a:lstStyle/>
                     <a:p>
-                      <a:pPr>
-                        <a:lnSpc>
-                          <a:spcPct val="100000"/>
-                        </a:lnSpc>
-                      </a:pPr>
-                      <a:endParaRPr sz="1100" spc="0" dirty="0">
-                        <a:latin typeface="Times New Roman"/>
+                      <a:pPr algn="l" rtl="0">
+                        <a:lnSpc>
+                          <a:spcPct val="100000"/>
+                        </a:lnSpc>
+                      </a:pPr>
+                      <a:endParaRPr sz="1000" spc="0" dirty="0">
+                        <a:latin typeface="Adobe Clean Han Regular" panose="020B0500000000000000" pitchFamily="34" charset="-128"/>
+                        <a:ea typeface="Adobe Clean Han Regular" panose="020B0500000000000000" pitchFamily="34" charset="-128"/>
                         <a:cs typeface="Times New Roman"/>
                       </a:endParaRPr>
                     </a:p>
@@ -6972,13 +6685,14 @@
                     <a:bodyPr/>
                     <a:lstStyle/>
                     <a:p>
-                      <a:pPr>
-                        <a:lnSpc>
-                          <a:spcPct val="100000"/>
-                        </a:lnSpc>
-                      </a:pPr>
-                      <a:endParaRPr sz="1100" spc="0" dirty="0">
-                        <a:latin typeface="Times New Roman"/>
+                      <a:pPr algn="l" rtl="0">
+                        <a:lnSpc>
+                          <a:spcPct val="100000"/>
+                        </a:lnSpc>
+                      </a:pPr>
+                      <a:endParaRPr sz="1000" spc="0" dirty="0">
+                        <a:latin typeface="Adobe Clean Han Regular" panose="020B0500000000000000" pitchFamily="34" charset="-128"/>
+                        <a:ea typeface="Adobe Clean Han Regular" panose="020B0500000000000000" pitchFamily="34" charset="-128"/>
                         <a:cs typeface="Times New Roman"/>
                       </a:endParaRPr>
                     </a:p>
@@ -7000,13 +6714,14 @@
                     <a:bodyPr/>
                     <a:lstStyle/>
                     <a:p>
-                      <a:pPr>
-                        <a:lnSpc>
-                          <a:spcPct val="100000"/>
-                        </a:lnSpc>
-                      </a:pPr>
-                      <a:endParaRPr sz="1100" spc="0" dirty="0">
-                        <a:latin typeface="Times New Roman"/>
+                      <a:pPr algn="l" rtl="0">
+                        <a:lnSpc>
+                          <a:spcPct val="100000"/>
+                        </a:lnSpc>
+                      </a:pPr>
+                      <a:endParaRPr sz="1000" spc="0" dirty="0">
+                        <a:latin typeface="Adobe Clean Han Regular" panose="020B0500000000000000" pitchFamily="34" charset="-128"/>
+                        <a:ea typeface="Adobe Clean Han Regular" panose="020B0500000000000000" pitchFamily="34" charset="-128"/>
                         <a:cs typeface="Times New Roman"/>
                       </a:endParaRPr>
                     </a:p>
@@ -7023,7 +6738,7 @@
                           <a:spcPct val="100000"/>
                         </a:lnSpc>
                         <a:spcBef>
-                          <a:spcPts val="505"/>
+                          <a:spcPts val="459"/>
                         </a:spcBef>
                         <a:spcAft>
                           <a:spcPts val="0"/>
@@ -7036,19 +6751,16 @@
                         <a:defRPr/>
                       </a:pPr>
                       <a:r>
-                        <a:rPr lang="en-US" sz="1100" spc="0" dirty="0">
+                        <a:rPr lang="ja-JP" altLang="en-US" sz="1100" spc="0" dirty="0">
                           <a:solidFill>
                             <a:srgbClr val="020302"/>
                           </a:solidFill>
                           <a:latin typeface="Wingdings"/>
+                          <a:ea typeface="+mn-ea"/>
                           <a:cs typeface="Wingdings"/>
                         </a:rPr>
                         <a:t></a:t>
                       </a:r>
-                      <a:endParaRPr lang="en-US" sz="1100" spc="0" dirty="0">
-                        <a:latin typeface="Wingdings"/>
-                        <a:cs typeface="Wingdings"/>
-                      </a:endParaRPr>
                     </a:p>
                   </a:txBody>
                   <a:tcPr marL="0" marR="0" marT="64135" marB="0">
@@ -7072,7 +6784,7 @@
                     <a:bodyPr/>
                     <a:lstStyle/>
                     <a:p>
-                      <a:pPr marL="49530">
+                      <a:pPr marL="49530" algn="l" rtl="0">
                         <a:lnSpc>
                           <a:spcPct val="100000"/>
                         </a:lnSpc>
@@ -7139,16 +6851,13 @@
                         </a:spcBef>
                       </a:pPr>
                       <a:r>
-                        <a:rPr lang="en-US" sz="1100" b="0" i="0" spc="0" dirty="0">
-                          <a:latin typeface="Adobe Clean Light" panose="020B0303020404020204" pitchFamily="34" charset="0"/>
+                        <a:rPr lang="ja-JP" sz="1000" b="0" i="0" dirty="0">
+                          <a:latin typeface="Adobe Clean Han Light" panose="020B0300000000000000" pitchFamily="34" charset="-128"/>
+                          <a:ea typeface="Adobe Clean Han Light" panose="020B0300000000000000" pitchFamily="34" charset="-128"/>
                           <a:cs typeface="AdobeClean-Light"/>
                         </a:rPr>
-                        <a:t>Executive Sponsor</a:t>
+                        <a:t>エグゼクティブスポンサー</a:t>
                       </a:r>
-                      <a:endParaRPr sz="1100" b="0" i="0" spc="0" dirty="0">
-                        <a:latin typeface="Adobe Clean Light" panose="020B0303020404020204" pitchFamily="34" charset="0"/>
-                        <a:cs typeface="AdobeClean-Light"/>
-                      </a:endParaRPr>
                     </a:p>
                   </a:txBody>
                   <a:tcPr marL="0" marR="0" marT="67310" marB="0">
@@ -7183,13 +6892,14 @@
                     <a:bodyPr/>
                     <a:lstStyle/>
                     <a:p>
-                      <a:pPr>
-                        <a:lnSpc>
-                          <a:spcPct val="100000"/>
-                        </a:lnSpc>
-                      </a:pPr>
-                      <a:endParaRPr sz="1100" spc="0" dirty="0">
-                        <a:latin typeface="Times New Roman"/>
+                      <a:pPr algn="l" rtl="0">
+                        <a:lnSpc>
+                          <a:spcPct val="100000"/>
+                        </a:lnSpc>
+                      </a:pPr>
+                      <a:endParaRPr sz="1000" spc="0" dirty="0">
+                        <a:latin typeface="Adobe Clean Han Regular" panose="020B0500000000000000" pitchFamily="34" charset="-128"/>
+                        <a:ea typeface="Adobe Clean Han Regular" panose="020B0500000000000000" pitchFamily="34" charset="-128"/>
                         <a:cs typeface="Times New Roman"/>
                       </a:endParaRPr>
                     </a:p>
@@ -7222,13 +6932,14 @@
                     <a:bodyPr/>
                     <a:lstStyle/>
                     <a:p>
-                      <a:pPr>
-                        <a:lnSpc>
-                          <a:spcPct val="100000"/>
-                        </a:lnSpc>
-                      </a:pPr>
-                      <a:endParaRPr sz="1100" spc="0" dirty="0">
-                        <a:latin typeface="Times New Roman"/>
+                      <a:pPr algn="l" rtl="0">
+                        <a:lnSpc>
+                          <a:spcPct val="100000"/>
+                        </a:lnSpc>
+                      </a:pPr>
+                      <a:endParaRPr sz="1000" spc="0" dirty="0">
+                        <a:latin typeface="Adobe Clean Han Regular" panose="020B0500000000000000" pitchFamily="34" charset="-128"/>
+                        <a:ea typeface="Adobe Clean Han Regular" panose="020B0500000000000000" pitchFamily="34" charset="-128"/>
                         <a:cs typeface="Times New Roman"/>
                       </a:endParaRPr>
                     </a:p>
@@ -7247,7 +6958,7 @@
                     <a:bodyPr/>
                     <a:lstStyle/>
                     <a:p>
-                      <a:pPr>
+                      <a:pPr algn="l" rtl="0">
                         <a:lnSpc>
                           <a:spcPct val="100000"/>
                         </a:lnSpc>
@@ -7275,7 +6986,7 @@
                     <a:bodyPr/>
                     <a:lstStyle/>
                     <a:p>
-                      <a:pPr algn="ctr">
+                      <a:pPr algn="l" rtl="0">
                         <a:lnSpc>
                           <a:spcPct val="100000"/>
                         </a:lnSpc>
@@ -7283,8 +6994,9 @@
                           <a:spcPts val="490"/>
                         </a:spcBef>
                       </a:pPr>
-                      <a:endParaRPr sz="1100" spc="0" dirty="0">
-                        <a:latin typeface="Wingdings"/>
+                      <a:endParaRPr sz="1000" spc="0" dirty="0">
+                        <a:latin typeface="Adobe Clean Han Regular" panose="020B0500000000000000" pitchFamily="34" charset="-128"/>
+                        <a:ea typeface="Adobe Clean Han Regular" panose="020B0500000000000000" pitchFamily="34" charset="-128"/>
                         <a:cs typeface="Wingdings"/>
                       </a:endParaRPr>
                     </a:p>
@@ -7303,28 +7015,25 @@
                     <a:bodyPr/>
                     <a:lstStyle/>
                     <a:p>
-                      <a:pPr algn="ctr">
-                        <a:lnSpc>
-                          <a:spcPct val="100000"/>
-                        </a:lnSpc>
-                        <a:spcBef>
-                          <a:spcPts val="490"/>
+                      <a:pPr marL="0" algn="ctr">
+                        <a:lnSpc>
+                          <a:spcPct val="100000"/>
+                        </a:lnSpc>
+                        <a:spcBef>
+                          <a:spcPts val="459"/>
                         </a:spcBef>
                       </a:pPr>
                       <a:r>
-                        <a:rPr sz="1100" spc="0" dirty="0">
+                        <a:rPr lang="ja-JP" altLang="en-US" sz="1100" spc="0" dirty="0">
                           <a:solidFill>
                             <a:srgbClr val="020302"/>
                           </a:solidFill>
                           <a:latin typeface="Wingdings"/>
+                          <a:ea typeface="+mn-ea"/>
                           <a:cs typeface="Wingdings"/>
                         </a:rPr>
                         <a:t></a:t>
                       </a:r>
-                      <a:endParaRPr sz="1100" spc="0" dirty="0">
-                        <a:latin typeface="Wingdings"/>
-                        <a:cs typeface="Wingdings"/>
-                      </a:endParaRPr>
                     </a:p>
                   </a:txBody>
                   <a:tcPr marL="0" marR="0" marT="62230" marB="0">
@@ -7364,8 +7073,8 @@
         </p:nvSpPr>
         <p:spPr>
           <a:xfrm>
-            <a:off x="137890" y="9852238"/>
-            <a:ext cx="2270125" cy="132729"/>
+            <a:off x="137890" y="9852239"/>
+            <a:ext cx="2833910" cy="132729"/>
           </a:xfrm>
           <a:prstGeom prst="rect">
             <a:avLst/>
@@ -7386,24 +7095,11 @@
               </a:spcBef>
             </a:pPr>
             <a:r>
-              <a:rPr spc="-5" dirty="0"/>
-              <a:t>©202</a:t>
-            </a:r>
-            <a:r>
-              <a:rPr lang="en-US" spc="-5" dirty="0"/>
-              <a:t>2</a:t>
-            </a:r>
-            <a:r>
-              <a:rPr spc="-5" dirty="0"/>
-              <a:t> Adobe. All Rights Reserved. Adobe</a:t>
-            </a:r>
-            <a:r>
-              <a:rPr spc="60" dirty="0"/>
-              <a:t> </a:t>
-            </a:r>
-            <a:r>
-              <a:rPr spc="-5" dirty="0"/>
-              <a:t>Confidential.</a:t>
+              <a:rPr lang="ja-JP" dirty="0">
+                <a:latin typeface="Adobe Clean Han Regular" panose="020B0500000000000000" pitchFamily="34" charset="-128"/>
+                <a:ea typeface="Adobe Clean Han Regular" panose="020B0500000000000000" pitchFamily="34" charset="-128"/>
+              </a:rPr>
+              <a:t>©2022 Adobe.All Rights Reserved.Adobe Confidential.</a:t>
             </a:r>
           </a:p>
         </p:txBody>
@@ -7417,14 +7113,14 @@
           <p:nvPr>
             <p:extLst>
               <p:ext uri="{D42A27DB-BD31-4B8C-83A1-F6EECF244321}">
-                <p14:modId xmlns:p14="http://schemas.microsoft.com/office/powerpoint/2010/main" val="2735922411"/>
+                <p14:modId xmlns:p14="http://schemas.microsoft.com/office/powerpoint/2010/main" val="3112854307"/>
               </p:ext>
             </p:extLst>
           </p:nvPr>
         </p:nvGraphicFramePr>
         <p:xfrm>
           <a:off x="95250" y="7483227"/>
-          <a:ext cx="7600951" cy="2361428"/>
+          <a:ext cx="7600951" cy="2187642"/>
         </p:xfrm>
         <a:graphic>
           <a:graphicData uri="http://schemas.openxmlformats.org/drawingml/2006/table">
@@ -7484,19 +7180,16 @@
                         </a:spcBef>
                       </a:pPr>
                       <a:r>
-                        <a:rPr sz="1000" spc="0" dirty="0">
+                        <a:rPr lang="ja-JP" sz="1000">
                           <a:solidFill>
                             <a:srgbClr val="020302"/>
                           </a:solidFill>
-                          <a:latin typeface="Adobe Clean"/>
+                          <a:latin typeface="Adobe Clean Han Regular" panose="020B0500000000000000" pitchFamily="34" charset="-128"/>
+                          <a:ea typeface="Adobe Clean Han Regular" panose="020B0500000000000000" pitchFamily="34" charset="-128"/>
                           <a:cs typeface="Adobe Clean"/>
                         </a:rPr>
-                        <a:t>Priority</a:t>
+                        <a:t>優先度</a:t>
                       </a:r>
-                      <a:endParaRPr sz="1000" spc="0" dirty="0">
-                        <a:latin typeface="Adobe Clean"/>
-                        <a:cs typeface="Adobe Clean"/>
-                      </a:endParaRPr>
                     </a:p>
                   </a:txBody>
                   <a:tcPr marL="0" marR="0" marT="7620" marB="0" anchor="ctr">
@@ -7543,49 +7236,16 @@
                         </a:spcBef>
                       </a:pPr>
                       <a:r>
-                        <a:rPr lang="en-US" sz="900" spc="0" dirty="0">
+                        <a:rPr lang="ja-JP" sz="800" dirty="0">
                           <a:solidFill>
                             <a:srgbClr val="020302"/>
                           </a:solidFill>
-                          <a:latin typeface="Adobe Clean"/>
+                          <a:latin typeface="Adobe Clean Han Regular" panose="020B0500000000000000" pitchFamily="34" charset="-128"/>
+                          <a:ea typeface="Adobe Clean Han Regular" panose="020B0500000000000000" pitchFamily="34" charset="-128"/>
                           <a:cs typeface="Adobe Clean"/>
                         </a:rPr>
-                        <a:t>Standard</a:t>
+                        <a:t>標準サポート</a:t>
                       </a:r>
-                      <a:r>
-                        <a:rPr sz="900" spc="0" dirty="0">
-                          <a:solidFill>
-                            <a:srgbClr val="020302"/>
-                          </a:solidFill>
-                          <a:latin typeface="Adobe Clean"/>
-                          <a:cs typeface="Adobe Clean"/>
-                        </a:rPr>
-                        <a:t> </a:t>
-                      </a:r>
-                      <a:r>
-                        <a:rPr lang="en-US" sz="900" spc="0" dirty="0">
-                          <a:solidFill>
-                            <a:srgbClr val="020302"/>
-                          </a:solidFill>
-                          <a:latin typeface="Adobe Clean"/>
-                          <a:cs typeface="Adobe Clean"/>
-                        </a:rPr>
-                        <a:t> </a:t>
-                      </a:r>
-                      <a:r>
-                        <a:rPr sz="900" spc="0" dirty="0">
-                          <a:solidFill>
-                            <a:srgbClr val="020302"/>
-                          </a:solidFill>
-                          <a:latin typeface="Adobe Clean"/>
-                          <a:cs typeface="Adobe Clean"/>
-                        </a:rPr>
-                        <a:t>Support</a:t>
-                      </a:r>
-                      <a:endParaRPr sz="900" spc="0" dirty="0">
-                        <a:latin typeface="Adobe Clean"/>
-                        <a:cs typeface="Adobe Clean"/>
-                      </a:endParaRPr>
                     </a:p>
                   </a:txBody>
                   <a:tcPr marL="0" marR="0" marT="0" marB="0" anchor="ctr">
@@ -7635,39 +7295,16 @@
                         </a:spcBef>
                       </a:pPr>
                       <a:r>
-                        <a:rPr sz="900" spc="0" dirty="0">
+                        <a:rPr lang="ja-JP" sz="800" dirty="0">
                           <a:solidFill>
                             <a:srgbClr val="FFFFFF"/>
                           </a:solidFill>
-                          <a:latin typeface="Adobe Clean"/>
+                          <a:latin typeface="Adobe Clean Han Regular" panose="020B0500000000000000" pitchFamily="34" charset="-128"/>
+                          <a:ea typeface="Adobe Clean Han Regular" panose="020B0500000000000000" pitchFamily="34" charset="-128"/>
                           <a:cs typeface="Adobe Clean"/>
                         </a:rPr>
-                        <a:t>Business</a:t>
+                        <a:t>ビジネスサポート</a:t>
                       </a:r>
-                      <a:r>
-                        <a:rPr lang="en-US" sz="900" spc="0" dirty="0">
-                          <a:solidFill>
-                            <a:srgbClr val="FFFFFF"/>
-                          </a:solidFill>
-                          <a:latin typeface="Adobe Clean"/>
-                          <a:cs typeface="Adobe Clean"/>
-                        </a:rPr>
-                        <a:t> </a:t>
-                      </a:r>
-                      <a:r>
-                        <a:rPr sz="900" spc="0" dirty="0">
-                          <a:solidFill>
-                            <a:srgbClr val="FFFFFF"/>
-                          </a:solidFill>
-                          <a:latin typeface="Adobe Clean"/>
-                          <a:cs typeface="Adobe Clean"/>
-                        </a:rPr>
-                        <a:t>Support</a:t>
-                      </a:r>
-                      <a:endParaRPr sz="900" spc="0" dirty="0">
-                        <a:latin typeface="Adobe Clean"/>
-                        <a:cs typeface="Adobe Clean"/>
-                      </a:endParaRPr>
                     </a:p>
                   </a:txBody>
                   <a:tcPr marL="0" marR="0" marT="0" marB="0" anchor="ctr">
@@ -7714,39 +7351,16 @@
                         </a:spcBef>
                       </a:pPr>
                       <a:r>
-                        <a:rPr sz="900" spc="0" dirty="0">
+                        <a:rPr lang="ja-JP" sz="800" dirty="0">
                           <a:solidFill>
                             <a:srgbClr val="FFFFFF"/>
                           </a:solidFill>
-                          <a:latin typeface="Adobe Clean"/>
+                          <a:latin typeface="Adobe Clean Han Regular" panose="020B0500000000000000" pitchFamily="34" charset="-128"/>
+                          <a:ea typeface="Adobe Clean Han Regular" panose="020B0500000000000000" pitchFamily="34" charset="-128"/>
                           <a:cs typeface="Adobe Clean"/>
                         </a:rPr>
-                        <a:t>Enterprise </a:t>
+                        <a:t>エンタープライズサポート</a:t>
                       </a:r>
-                      <a:r>
-                        <a:rPr lang="en-US" sz="900" spc="0" dirty="0">
-                          <a:solidFill>
-                            <a:srgbClr val="FFFFFF"/>
-                          </a:solidFill>
-                          <a:latin typeface="Adobe Clean"/>
-                          <a:cs typeface="Adobe Clean"/>
-                        </a:rPr>
-                        <a:t> </a:t>
-                      </a:r>
-                      <a:r>
-                        <a:rPr sz="900" spc="0" dirty="0">
-                          <a:solidFill>
-                            <a:srgbClr val="FFFFFF"/>
-                          </a:solidFill>
-                          <a:latin typeface="Adobe Clean"/>
-                          <a:cs typeface="Adobe Clean"/>
-                        </a:rPr>
-                        <a:t>Support</a:t>
-                      </a:r>
-                      <a:endParaRPr sz="900" spc="0" dirty="0">
-                        <a:latin typeface="Adobe Clean"/>
-                        <a:cs typeface="Adobe Clean"/>
-                      </a:endParaRPr>
                     </a:p>
                   </a:txBody>
                   <a:tcPr marL="0" marR="0" marT="0" marB="0" anchor="ctr">
@@ -7793,39 +7407,16 @@
                         </a:spcBef>
                       </a:pPr>
                       <a:r>
-                        <a:rPr sz="900" spc="0" dirty="0">
+                        <a:rPr lang="ja-JP" sz="800" dirty="0">
                           <a:solidFill>
                             <a:srgbClr val="FFFFFF"/>
                           </a:solidFill>
-                          <a:latin typeface="Adobe Clean"/>
+                          <a:latin typeface="Adobe Clean Han Regular" panose="020B0500000000000000" pitchFamily="34" charset="-128"/>
+                          <a:ea typeface="Adobe Clean Han Regular" panose="020B0500000000000000" pitchFamily="34" charset="-128"/>
                           <a:cs typeface="Adobe Clean"/>
                         </a:rPr>
-                        <a:t>Elite</a:t>
+                        <a:t>エリートサポート</a:t>
                       </a:r>
-                      <a:r>
-                        <a:rPr lang="en-US" sz="900" spc="0" dirty="0">
-                          <a:solidFill>
-                            <a:srgbClr val="FFFFFF"/>
-                          </a:solidFill>
-                          <a:latin typeface="Adobe Clean"/>
-                          <a:cs typeface="Adobe Clean"/>
-                        </a:rPr>
-                        <a:t> </a:t>
-                      </a:r>
-                      <a:r>
-                        <a:rPr sz="900" spc="0" dirty="0">
-                          <a:solidFill>
-                            <a:srgbClr val="FFFFFF"/>
-                          </a:solidFill>
-                          <a:latin typeface="Adobe Clean"/>
-                          <a:cs typeface="Adobe Clean"/>
-                        </a:rPr>
-                        <a:t>Support</a:t>
-                      </a:r>
-                      <a:endParaRPr sz="900" spc="0" dirty="0">
-                        <a:latin typeface="Adobe Clean"/>
-                        <a:cs typeface="Adobe Clean"/>
-                      </a:endParaRPr>
                     </a:p>
                   </a:txBody>
                   <a:tcPr marL="0" marR="0" marT="0" marB="0" anchor="ctr">
@@ -7879,19 +7470,16 @@
                         </a:spcBef>
                       </a:pPr>
                       <a:r>
-                        <a:rPr sz="900" b="1" spc="0" dirty="0">
+                        <a:rPr lang="ja-JP" sz="900" b="1" dirty="0">
                           <a:solidFill>
                             <a:srgbClr val="020302"/>
                           </a:solidFill>
-                          <a:latin typeface="Adobe Clean"/>
+                          <a:latin typeface="Adobe Clean Han Regular" panose="020B0500000000000000" pitchFamily="34" charset="-128"/>
+                          <a:ea typeface="Adobe Clean Han Regular" panose="020B0500000000000000" pitchFamily="34" charset="-128"/>
                           <a:cs typeface="Adobe Clean"/>
                         </a:rPr>
-                        <a:t>PRIORITY 1</a:t>
+                        <a:t>優先度 1</a:t>
                       </a:r>
-                      <a:endParaRPr sz="900" spc="0" dirty="0">
-                        <a:latin typeface="Adobe Clean"/>
-                        <a:cs typeface="Adobe Clean"/>
-                      </a:endParaRPr>
                     </a:p>
                     <a:p>
                       <a:pPr marL="50800" marR="387985">
@@ -7903,19 +7491,15 @@
                         </a:spcBef>
                       </a:pPr>
                       <a:r>
-                        <a:rPr lang="en-US" sz="900" b="0" i="0" spc="0" dirty="0">
+                        <a:rPr lang="ja-JP" sz="900" b="0" i="0" dirty="0">
                           <a:solidFill>
                             <a:srgbClr val="000000"/>
                           </a:solidFill>
-                          <a:effectLst/>
-                          <a:latin typeface="Adobe Clean Light" panose="020B0303020404020204" pitchFamily="34" charset="0"/>
+                          <a:latin typeface="Adobe Clean Han Light" panose="020B0300000000000000" pitchFamily="34" charset="-128"/>
+                          <a:ea typeface="Adobe Clean Han Light" panose="020B0300000000000000" pitchFamily="34" charset="-128"/>
                         </a:rPr>
-                        <a:t>Customer's production business functions are down or have significant data loss or service degradation and immediate attention is required to restore functionality and usability. </a:t>
+                        <a:t>お客様の本番業務機能がダウンしている、または著しいデータ損失やサービス低下があり、機能およびユーザビリティを復元するための早急な処置が必要。 </a:t>
                       </a:r>
-                      <a:endParaRPr sz="900" spc="0" dirty="0">
-                        <a:latin typeface="AdobeClean-Light"/>
-                        <a:cs typeface="AdobeClean-Light"/>
-                      </a:endParaRPr>
                     </a:p>
                   </a:txBody>
                   <a:tcPr marL="0" marR="0" marT="0" marB="0" anchor="ctr">
@@ -7962,14 +7546,15 @@
                         </a:spcBef>
                       </a:pPr>
                       <a:r>
-                        <a:rPr lang="en-US" sz="900" spc="0" dirty="0">
+                        <a:rPr lang="ja-JP" sz="900">
                           <a:solidFill>
                             <a:srgbClr val="020302"/>
                           </a:solidFill>
-                          <a:latin typeface="AdobeClean-Light"/>
+                          <a:latin typeface="Adobe Clean Han Light" panose="020B0300000000000000" pitchFamily="34" charset="-128"/>
+                          <a:ea typeface="Adobe Clean Han Light" panose="020B0300000000000000" pitchFamily="34" charset="-128"/>
                           <a:cs typeface="AdobeClean-Light"/>
                         </a:rPr>
-                        <a:t>24x7 /</a:t>
+                        <a:t>24 時間年中無休／</a:t>
                       </a:r>
                     </a:p>
                     <a:p>
@@ -7982,19 +7567,16 @@
                         </a:spcBef>
                       </a:pPr>
                       <a:r>
-                        <a:rPr lang="en-US" sz="900" spc="0" dirty="0">
+                        <a:rPr lang="ja-JP" sz="900">
                           <a:solidFill>
                             <a:srgbClr val="020302"/>
                           </a:solidFill>
-                          <a:latin typeface="AdobeClean-Light"/>
+                          <a:latin typeface="Adobe Clean Han Light" panose="020B0300000000000000" pitchFamily="34" charset="-128"/>
+                          <a:ea typeface="Adobe Clean Han Light" panose="020B0300000000000000" pitchFamily="34" charset="-128"/>
                           <a:cs typeface="AdobeClean-Light"/>
                         </a:rPr>
-                        <a:t> 30 minutes</a:t>
+                        <a:t> 30 分</a:t>
                       </a:r>
-                      <a:endParaRPr lang="en-US" sz="900" spc="0" dirty="0">
-                        <a:latin typeface="AdobeClean-Light"/>
-                        <a:cs typeface="AdobeClean-Light"/>
-                      </a:endParaRPr>
                     </a:p>
                   </a:txBody>
                   <a:tcPr marL="0" marR="0" marT="0" marB="0" anchor="ctr">
@@ -8039,10 +7621,11 @@
                         <a:tabLst/>
                       </a:pPr>
                       <a:r>
-                        <a:rPr lang="en-US" sz="900" i="0" spc="0" dirty="0">
-                          <a:latin typeface="AdobeClean-Light"/>
+                        <a:rPr lang="ja-JP" sz="900" i="0" dirty="0">
+                          <a:latin typeface="Adobe Clean Han Light" panose="020B0300000000000000" pitchFamily="34" charset="-128"/>
+                          <a:ea typeface="Adobe Clean Han Light" panose="020B0300000000000000" pitchFamily="34" charset="-128"/>
                         </a:rPr>
-                        <a:t>Customers who purchase a Support Plan for applicable Adobe Products and Services receive priority case routing that fast-tracks cases to Adobe’s Support Engineers. </a:t>
+                        <a:t>該当するアドビの製品およびサービスのサポートプランを購入するお客様には、ケースをアドビのサポートエンジニアに迅速に展開する優先的なケースルーティングが提供されます。 </a:t>
                       </a:r>
                     </a:p>
                   </a:txBody>
@@ -8090,7 +7673,7 @@
                         </a:spcBef>
                       </a:pPr>
                       <a:r>
-                        <a:rPr sz="900" spc="0">
+                        <a:rPr lang="ja-JP" sz="900">
                           <a:solidFill>
                             <a:srgbClr val="020302"/>
                           </a:solidFill>
@@ -8098,12 +7681,55 @@
                             <a:srgbClr val="FFFF00"/>
                           </a:highlight>
                           <a:latin typeface="AdobeClean-Light"/>
+                          <a:ea typeface="MS Mincho"/>
                           <a:cs typeface="AdobeClean-Light"/>
                         </a:rPr>
-                        <a:t>24x7 /  </a:t>
+                        <a:t>24 時間年中無休／30 分</a:t>
                       </a:r>
+                    </a:p>
+                  </a:txBody>
+                  <a:tcPr marL="0" marR="0" marT="0" marB="0" anchor="ctr">
+                    <a:lnL w="3175">
+                      <a:solidFill>
+                        <a:srgbClr val="B7B8B8"/>
+                      </a:solidFill>
+                      <a:prstDash val="solid"/>
+                    </a:lnL>
+                    <a:lnR w="3175">
+                      <a:solidFill>
+                        <a:srgbClr val="B7B8B8"/>
+                      </a:solidFill>
+                      <a:prstDash val="solid"/>
+                    </a:lnR>
+                    <a:lnT w="76200">
+                      <a:solidFill>
+                        <a:srgbClr val="2E8FFF"/>
+                      </a:solidFill>
+                      <a:prstDash val="solid"/>
+                    </a:lnT>
+                    <a:lnB w="3175">
+                      <a:solidFill>
+                        <a:srgbClr val="B7B8B8"/>
+                      </a:solidFill>
+                      <a:prstDash val="solid"/>
+                    </a:lnB>
+                  </a:tcPr>
+                </a:tc>
+                <a:tc rowSpan="4" hMerge="1">
+                  <a:txBody>
+                    <a:bodyPr/>
+                    <a:lstStyle/>
+                    <a:p>
+                      <a:pPr marL="0" marR="271780" indent="103505" algn="ctr">
+                        <a:lnSpc>
+                          <a:spcPct val="100000"/>
+                        </a:lnSpc>
+                        <a:spcBef>
+                          <a:spcPts val="670"/>
+                        </a:spcBef>
+                      </a:pPr>
                       <a:r>
-                        <a:rPr lang="en-US" sz="900" spc="0">
+                        <a:rPr lang="ja-JP" sz="900">
                           <a:solidFill>
                             <a:srgbClr val="020302"/>
                           </a:solidFill>
@@ -8111,170 +7737,11 @@
                             <a:srgbClr val="FFFF00"/>
                           </a:highlight>
                           <a:latin typeface="AdobeClean-Light"/>
+                          <a:ea typeface="MS Mincho"/>
                           <a:cs typeface="AdobeClean-Light"/>
                         </a:rPr>
-                        <a:t>         </a:t>
+                        <a:t>24 時間年中無休／15 分</a:t>
                       </a:r>
-                      <a:r>
-                        <a:rPr sz="900" spc="0">
-                          <a:solidFill>
-                            <a:srgbClr val="020302"/>
-                          </a:solidFill>
-                          <a:highlight>
-                            <a:srgbClr val="FFFF00"/>
-                          </a:highlight>
-                          <a:latin typeface="AdobeClean-Light"/>
-                          <a:cs typeface="AdobeClean-Light"/>
-                        </a:rPr>
-                        <a:t>30</a:t>
-                      </a:r>
-                      <a:r>
-                        <a:rPr lang="en-US" sz="900" spc="0">
-                          <a:solidFill>
-                            <a:srgbClr val="020302"/>
-                          </a:solidFill>
-                          <a:highlight>
-                            <a:srgbClr val="FFFF00"/>
-                          </a:highlight>
-                          <a:latin typeface="AdobeClean-Light"/>
-                          <a:cs typeface="AdobeClean-Light"/>
-                        </a:rPr>
-                        <a:t> </a:t>
-                      </a:r>
-                      <a:r>
-                        <a:rPr sz="900" spc="0">
-                          <a:solidFill>
-                            <a:srgbClr val="020302"/>
-                          </a:solidFill>
-                          <a:highlight>
-                            <a:srgbClr val="FFFF00"/>
-                          </a:highlight>
-                          <a:latin typeface="AdobeClean-Light"/>
-                          <a:cs typeface="AdobeClean-Light"/>
-                        </a:rPr>
-                        <a:t>minutes</a:t>
-                      </a:r>
-                      <a:endParaRPr sz="900" spc="0">
-                        <a:highlight>
-                          <a:srgbClr val="FFFF00"/>
-                        </a:highlight>
-                        <a:latin typeface="AdobeClean-Light"/>
-                        <a:cs typeface="AdobeClean-Light"/>
-                      </a:endParaRPr>
-                    </a:p>
-                  </a:txBody>
-                  <a:tcPr marL="0" marR="0" marT="0" marB="0" anchor="ctr">
-                    <a:lnL w="3175">
-                      <a:solidFill>
-                        <a:srgbClr val="B7B8B8"/>
-                      </a:solidFill>
-                      <a:prstDash val="solid"/>
-                    </a:lnL>
-                    <a:lnR w="3175">
-                      <a:solidFill>
-                        <a:srgbClr val="B7B8B8"/>
-                      </a:solidFill>
-                      <a:prstDash val="solid"/>
-                    </a:lnR>
-                    <a:lnT w="76200">
-                      <a:solidFill>
-                        <a:srgbClr val="2E8FFF"/>
-                      </a:solidFill>
-                      <a:prstDash val="solid"/>
-                    </a:lnT>
-                    <a:lnB w="3175">
-                      <a:solidFill>
-                        <a:srgbClr val="B7B8B8"/>
-                      </a:solidFill>
-                      <a:prstDash val="solid"/>
-                    </a:lnB>
-                  </a:tcPr>
-                </a:tc>
-                <a:tc rowSpan="4" hMerge="1">
-                  <a:txBody>
-                    <a:bodyPr/>
-                    <a:lstStyle/>
-                    <a:p>
-                      <a:pPr marL="0" marR="271780" indent="103505" algn="ctr">
-                        <a:lnSpc>
-                          <a:spcPct val="100000"/>
-                        </a:lnSpc>
-                        <a:spcBef>
-                          <a:spcPts val="670"/>
-                        </a:spcBef>
-                      </a:pPr>
-                      <a:r>
-                        <a:rPr sz="900" spc="0">
-                          <a:solidFill>
-                            <a:srgbClr val="020302"/>
-                          </a:solidFill>
-                          <a:highlight>
-                            <a:srgbClr val="FFFF00"/>
-                          </a:highlight>
-                          <a:latin typeface="AdobeClean-Light"/>
-                          <a:cs typeface="AdobeClean-Light"/>
-                        </a:rPr>
-                        <a:t>24x7 / </a:t>
-                      </a:r>
-                      <a:r>
-                        <a:rPr lang="en-US" sz="900" spc="0">
-                          <a:solidFill>
-                            <a:srgbClr val="020302"/>
-                          </a:solidFill>
-                          <a:highlight>
-                            <a:srgbClr val="FFFF00"/>
-                          </a:highlight>
-                          <a:latin typeface="AdobeClean-Light"/>
-                          <a:cs typeface="AdobeClean-Light"/>
-                        </a:rPr>
-                        <a:t>       </a:t>
-                      </a:r>
-                      <a:r>
-                        <a:rPr sz="900" spc="0">
-                          <a:solidFill>
-                            <a:srgbClr val="020302"/>
-                          </a:solidFill>
-                          <a:highlight>
-                            <a:srgbClr val="FFFF00"/>
-                          </a:highlight>
-                          <a:latin typeface="AdobeClean-Light"/>
-                          <a:cs typeface="AdobeClean-Light"/>
-                        </a:rPr>
-                        <a:t> 15</a:t>
-                      </a:r>
-                      <a:r>
-                        <a:rPr lang="en-US" sz="900" spc="0">
-                          <a:solidFill>
-                            <a:srgbClr val="020302"/>
-                          </a:solidFill>
-                          <a:highlight>
-                            <a:srgbClr val="FFFF00"/>
-                          </a:highlight>
-                          <a:latin typeface="AdobeClean-Light"/>
-                          <a:cs typeface="AdobeClean-Light"/>
-                        </a:rPr>
-                        <a:t> </a:t>
-                      </a:r>
-                      <a:r>
-                        <a:rPr sz="900" spc="0">
-                          <a:solidFill>
-                            <a:srgbClr val="020302"/>
-                          </a:solidFill>
-                          <a:highlight>
-                            <a:srgbClr val="FFFF00"/>
-                          </a:highlight>
-                          <a:latin typeface="AdobeClean-Light"/>
-                          <a:cs typeface="AdobeClean-Light"/>
-                        </a:rPr>
-                        <a:t>minutes</a:t>
-                      </a:r>
-                      <a:endParaRPr sz="900" spc="0">
-                        <a:highlight>
-                          <a:srgbClr val="FFFF00"/>
-                        </a:highlight>
-                        <a:latin typeface="AdobeClean-Light"/>
-                        <a:cs typeface="AdobeClean-Light"/>
-                      </a:endParaRPr>
                     </a:p>
                   </a:txBody>
                   <a:tcPr marL="0" marR="0" marT="0" marB="0" anchor="ctr">
@@ -8325,19 +7792,16 @@
                         </a:spcBef>
                       </a:pPr>
                       <a:r>
-                        <a:rPr sz="900" b="1" spc="0" dirty="0">
+                        <a:rPr lang="ja-JP" sz="900" b="1" dirty="0">
                           <a:solidFill>
                             <a:srgbClr val="020302"/>
                           </a:solidFill>
-                          <a:latin typeface="Adobe Clean"/>
+                          <a:latin typeface="Adobe Clean Han Regular" panose="020B0500000000000000" pitchFamily="34" charset="-128"/>
+                          <a:ea typeface="Adobe Clean Han Regular" panose="020B0500000000000000" pitchFamily="34" charset="-128"/>
                           <a:cs typeface="Adobe Clean"/>
                         </a:rPr>
-                        <a:t>PRIORITY 2</a:t>
+                        <a:t>優先度 2</a:t>
                       </a:r>
-                      <a:endParaRPr sz="900" spc="0" dirty="0">
-                        <a:latin typeface="Adobe Clean"/>
-                        <a:cs typeface="Adobe Clean"/>
-                      </a:endParaRPr>
                     </a:p>
                     <a:p>
                       <a:pPr marL="50165" marR="203200" indent="0" defTabSz="914400" eaLnBrk="1" fontAlgn="auto" latinLnBrk="0" hangingPunct="1">
@@ -8358,19 +7822,15 @@
                         <a:defRPr/>
                       </a:pPr>
                       <a:r>
-                        <a:rPr lang="en-US" sz="900" b="0" i="0" spc="0" dirty="0">
+                        <a:rPr lang="ja-JP" sz="900" b="0" i="0" dirty="0">
                           <a:solidFill>
                             <a:srgbClr val="000000"/>
                           </a:solidFill>
-                          <a:effectLst/>
-                          <a:latin typeface="Adobe Clean Light" panose="020B0303020404020204" pitchFamily="34" charset="0"/>
+                          <a:latin typeface="Adobe Clean Han Light" panose="020B0300000000000000" pitchFamily="34" charset="-128"/>
+                          <a:ea typeface="Adobe Clean Han Light" panose="020B0300000000000000" pitchFamily="34" charset="-128"/>
                         </a:rPr>
-                        <a:t>Customer's business functions have major service degradation or potential data loss, or a major feature is impacted.  </a:t>
+                        <a:t>お客様の業務機能に重大なサービス低下や潜在的なデータ損失があるか、主な機能が影響を受けている。  </a:t>
                       </a:r>
-                      <a:endParaRPr sz="900" b="0" i="0" spc="0" dirty="0">
-                        <a:latin typeface="Adobe Clean Light" panose="020B0303020404020204" pitchFamily="34" charset="0"/>
-                        <a:cs typeface="AdobeClean-Light"/>
-                      </a:endParaRPr>
                     </a:p>
                   </a:txBody>
                   <a:tcPr marL="0" marR="0" marT="0" marB="0" anchor="ctr">
@@ -8417,14 +7877,15 @@
                         </a:spcBef>
                       </a:pPr>
                       <a:r>
-                        <a:rPr lang="en-US" sz="900" spc="0" dirty="0">
+                        <a:rPr lang="ja-JP" sz="900">
                           <a:solidFill>
                             <a:srgbClr val="020302"/>
                           </a:solidFill>
-                          <a:latin typeface="AdobeClean-Light"/>
+                          <a:latin typeface="Adobe Clean Han Light" panose="020B0300000000000000" pitchFamily="34" charset="-128"/>
+                          <a:ea typeface="Adobe Clean Han Light" panose="020B0300000000000000" pitchFamily="34" charset="-128"/>
                           <a:cs typeface="AdobeClean-Light"/>
                         </a:rPr>
-                        <a:t>      24x7 /</a:t>
+                        <a:t>      24 時間年中無休／</a:t>
                       </a:r>
                     </a:p>
                     <a:p>
@@ -8437,19 +7898,16 @@
                         </a:spcBef>
                       </a:pPr>
                       <a:r>
-                        <a:rPr lang="en-US" sz="900" spc="0" dirty="0">
+                        <a:rPr lang="ja-JP" sz="900">
                           <a:solidFill>
                             <a:srgbClr val="020302"/>
                           </a:solidFill>
-                          <a:latin typeface="AdobeClean-Light"/>
+                          <a:latin typeface="Adobe Clean Han Light" panose="020B0300000000000000" pitchFamily="34" charset="-128"/>
+                          <a:ea typeface="Adobe Clean Han Light" panose="020B0300000000000000" pitchFamily="34" charset="-128"/>
                           <a:cs typeface="AdobeClean-Light"/>
                         </a:rPr>
-                        <a:t>     1 hour</a:t>
+                        <a:t>     1 時間</a:t>
                       </a:r>
-                      <a:endParaRPr lang="en-US" sz="900" spc="0" dirty="0">
-                        <a:latin typeface="AdobeClean-Light"/>
-                        <a:cs typeface="AdobeClean-Light"/>
-                      </a:endParaRPr>
                     </a:p>
                   </a:txBody>
                   <a:tcPr marL="0" marR="0" marT="0" marB="0" anchor="ctr">
@@ -8484,7 +7942,7 @@
                     <a:bodyPr/>
                     <a:lstStyle/>
                     <a:p>
-                      <a:pPr marL="0" marR="184785" indent="-194310" algn="ctr">
+                      <a:pPr marL="0" marR="184785" indent="-194310" algn="l" rtl="0">
                         <a:lnSpc>
                           <a:spcPct val="100000"/>
                         </a:lnSpc>
@@ -8536,7 +7994,7 @@
                     <a:bodyPr/>
                     <a:lstStyle/>
                     <a:p>
-                      <a:pPr marL="0" marR="325755" indent="-5715" algn="ctr">
+                      <a:pPr marL="0" marR="325755" indent="-5715" algn="l" rtl="0">
                         <a:lnSpc>
                           <a:spcPct val="100000"/>
                         </a:lnSpc>
@@ -8585,7 +8043,7 @@
                     <a:bodyPr/>
                     <a:lstStyle/>
                     <a:p>
-                      <a:pPr marL="0" marR="259079" indent="111760" algn="ctr">
+                      <a:pPr marL="0" marR="259079" indent="111760" algn="l" rtl="0">
                         <a:lnSpc>
                           <a:spcPct val="100000"/>
                         </a:lnSpc>
@@ -8650,29 +8108,16 @@
                         </a:spcBef>
                       </a:pPr>
                       <a:r>
-                        <a:rPr sz="900" b="1" spc="0" dirty="0">
+                        <a:rPr lang="ja-JP" sz="900" b="1" dirty="0">
                           <a:solidFill>
                             <a:srgbClr val="020302"/>
                           </a:solidFill>
-                          <a:latin typeface="Adobe Clean"/>
+                          <a:latin typeface="Adobe Clean Han Regular" panose="020B0500000000000000" pitchFamily="34" charset="-128"/>
+                          <a:ea typeface="Adobe Clean Han Regular" panose="020B0500000000000000" pitchFamily="34" charset="-128"/>
                           <a:cs typeface="Adobe Clean"/>
                         </a:rPr>
-                        <a:t>PRIORITY</a:t>
+                        <a:t>優先度 3</a:t>
                       </a:r>
-                      <a:r>
-                        <a:rPr lang="en-US" sz="900" b="1" spc="0" dirty="0">
-                          <a:solidFill>
-                            <a:srgbClr val="020302"/>
-                          </a:solidFill>
-                          <a:latin typeface="Adobe Clean"/>
-                          <a:cs typeface="Adobe Clean"/>
-                        </a:rPr>
-                        <a:t> 3</a:t>
-                      </a:r>
-                      <a:endParaRPr lang="en-US" sz="900" spc="0" dirty="0">
-                        <a:latin typeface="Adobe Clean"/>
-                        <a:cs typeface="Adobe Clean"/>
-                      </a:endParaRPr>
                     </a:p>
                     <a:p>
                       <a:pPr marL="49530" marR="212090" indent="-2540" defTabSz="914400" eaLnBrk="1" fontAlgn="auto" latinLnBrk="0" hangingPunct="1">
@@ -8693,26 +8138,21 @@
                         <a:defRPr/>
                       </a:pPr>
                       <a:r>
-                        <a:rPr kumimoji="0" lang="en-US" sz="900" b="0" i="0" u="none" strike="noStrike" kern="1200" cap="none" spc="0" normalizeH="0" baseline="0" noProof="0" dirty="0">
+                        <a:rPr kumimoji="0" lang="ja-JP" sz="900" b="0" i="0" u="none" strike="noStrike" cap="none" normalizeH="0" baseline="0" noProof="0" dirty="0">
                           <a:ln>
                             <a:noFill/>
                           </a:ln>
                           <a:solidFill>
                             <a:srgbClr val="000000"/>
                           </a:solidFill>
-                          <a:effectLst/>
                           <a:uLnTx/>
                           <a:uFillTx/>
-                          <a:latin typeface="Adobe Clean Light" panose="020B0303020404020204" pitchFamily="34" charset="0"/>
-                          <a:ea typeface="+mn-ea"/>
+                          <a:latin typeface="Adobe Clean Han Light" panose="020B0300000000000000" pitchFamily="34" charset="-128"/>
+                          <a:ea typeface="Adobe Clean Han Light" panose="020B0300000000000000" pitchFamily="34" charset="-128"/>
                           <a:cs typeface="+mn-cs"/>
                         </a:rPr>
-                        <a:t>Customer's business functions have minor service degradation but there exists a solution/workaround allowing business functions to continue normally. </a:t>
+                        <a:t>お客様の業務機能に軽微なサービス低下があるが、業務機能を正常に続行できる解決策／回避策が存在する。 </a:t>
                       </a:r>
-                      <a:endParaRPr lang="en-US" sz="900" b="0" i="0" spc="0" dirty="0">
-                        <a:latin typeface="Adobe Clean Light" panose="020B0303020404020204" pitchFamily="34" charset="0"/>
-                        <a:cs typeface="AdobeClean-Light"/>
-                      </a:endParaRPr>
                     </a:p>
                   </a:txBody>
                   <a:tcPr marL="0" marR="0" marT="0" marB="0" anchor="ctr">
@@ -8762,14 +8202,15 @@
                         </a:tabLst>
                       </a:pPr>
                       <a:r>
-                        <a:rPr lang="en-US" sz="900" spc="0" dirty="0">
+                        <a:rPr lang="ja-JP" sz="900">
                           <a:solidFill>
                             <a:srgbClr val="020302"/>
                           </a:solidFill>
-                          <a:latin typeface="AdobeClean-Light"/>
+                          <a:latin typeface="Adobe Clean Han Light" panose="020B0300000000000000" pitchFamily="34" charset="-128"/>
+                          <a:ea typeface="Adobe Clean Han Light" panose="020B0300000000000000" pitchFamily="34" charset="-128"/>
                           <a:cs typeface="AdobeClean-Light"/>
                         </a:rPr>
-                        <a:t>   Business day /   </a:t>
+                        <a:t>   営業日／   </a:t>
                       </a:r>
                     </a:p>
                     <a:p>
@@ -8782,19 +8223,16 @@
                         </a:spcBef>
                       </a:pPr>
                       <a:r>
-                        <a:rPr lang="en-US" sz="900" spc="0" dirty="0">
+                        <a:rPr lang="ja-JP" sz="900">
                           <a:solidFill>
                             <a:srgbClr val="020302"/>
                           </a:solidFill>
-                          <a:latin typeface="AdobeClean-Light"/>
+                          <a:latin typeface="Adobe Clean Han Light" panose="020B0300000000000000" pitchFamily="34" charset="-128"/>
+                          <a:ea typeface="Adobe Clean Han Light" panose="020B0300000000000000" pitchFamily="34" charset="-128"/>
                           <a:cs typeface="AdobeClean-Light"/>
                         </a:rPr>
-                        <a:t>4 hours</a:t>
+                        <a:t>4 時間</a:t>
                       </a:r>
-                      <a:endParaRPr lang="en-US" sz="900" spc="0" dirty="0">
-                        <a:latin typeface="AdobeClean-Light"/>
-                        <a:cs typeface="AdobeClean-Light"/>
-                      </a:endParaRPr>
                     </a:p>
                   </a:txBody>
                   <a:tcPr marL="0" marR="0" marT="0" marB="0" anchor="ctr">
@@ -8829,7 +8267,7 @@
                     <a:bodyPr/>
                     <a:lstStyle/>
                     <a:p>
-                      <a:pPr marL="0" marR="185420" indent="-193675" algn="ctr">
+                      <a:pPr marL="0" marR="185420" indent="-193675" algn="l" rtl="0">
                         <a:lnSpc>
                           <a:spcPct val="100000"/>
                         </a:lnSpc>
@@ -8881,7 +8319,7 @@
                     <a:bodyPr/>
                     <a:lstStyle/>
                     <a:p>
-                      <a:pPr marL="0" marR="184785" indent="-194310" algn="ctr">
+                      <a:pPr marL="0" marR="184785" indent="-194310" algn="l" rtl="0">
                         <a:lnSpc>
                           <a:spcPct val="100000"/>
                         </a:lnSpc>
@@ -8930,7 +8368,7 @@
                     <a:bodyPr/>
                     <a:lstStyle/>
                     <a:p>
-                      <a:pPr marL="0" marR="326390" indent="-5715" algn="ctr">
+                      <a:pPr marL="0" marR="326390" indent="-5715" algn="l" rtl="0">
                         <a:lnSpc>
                           <a:spcPct val="100000"/>
                         </a:lnSpc>
@@ -8995,19 +8433,16 @@
                         </a:spcBef>
                       </a:pPr>
                       <a:r>
-                        <a:rPr sz="900" b="1" spc="0" dirty="0">
+                        <a:rPr lang="ja-JP" sz="900" b="1" dirty="0">
                           <a:solidFill>
                             <a:srgbClr val="020302"/>
                           </a:solidFill>
-                          <a:latin typeface="Adobe Clean"/>
+                          <a:latin typeface="Adobe Clean Han Regular" panose="020B0500000000000000" pitchFamily="34" charset="-128"/>
+                          <a:ea typeface="Adobe Clean Han Regular" panose="020B0500000000000000" pitchFamily="34" charset="-128"/>
                           <a:cs typeface="Adobe Clean"/>
                         </a:rPr>
-                        <a:t>PRIORITY 4</a:t>
+                        <a:t>優先度 4</a:t>
                       </a:r>
-                      <a:endParaRPr sz="900" spc="0" dirty="0">
-                        <a:latin typeface="Adobe Clean"/>
-                        <a:cs typeface="Adobe Clean"/>
-                      </a:endParaRPr>
                     </a:p>
                     <a:p>
                       <a:pPr marL="48895" marR="0" indent="0" defTabSz="914400" eaLnBrk="1" fontAlgn="auto" latinLnBrk="0" hangingPunct="1">
@@ -9028,19 +8463,15 @@
                         <a:defRPr/>
                       </a:pPr>
                       <a:r>
-                        <a:rPr lang="en-US" sz="900" b="0" i="0" spc="0" dirty="0">
+                        <a:rPr lang="ja-JP" sz="900" b="0" i="0" dirty="0">
                           <a:solidFill>
                             <a:srgbClr val="000000"/>
                           </a:solidFill>
-                          <a:effectLst/>
-                          <a:latin typeface="Adobe Clean Light" panose="020B0303020404020204" pitchFamily="34" charset="0"/>
+                          <a:latin typeface="Adobe Clean Han Light" panose="020B0300000000000000" pitchFamily="34" charset="-128"/>
+                          <a:ea typeface="Adobe Clean Han Light" panose="020B0300000000000000" pitchFamily="34" charset="-128"/>
                         </a:rPr>
-                        <a:t>General question regarding current product functionality or an enhancement request. </a:t>
+                        <a:t>現在の製品機能に関する一般的な質問または機能拡張のリクエスト。 </a:t>
                       </a:r>
-                      <a:endParaRPr sz="900" b="0" i="0" spc="0" dirty="0">
-                        <a:latin typeface="Adobe Clean Light" panose="020B0303020404020204" pitchFamily="34" charset="0"/>
-                        <a:cs typeface="AdobeClean-Light"/>
-                      </a:endParaRPr>
                     </a:p>
                   </a:txBody>
                   <a:tcPr marL="0" marR="0" marT="0" marB="0" anchor="ctr">
@@ -9090,14 +8521,15 @@
                         </a:tabLst>
                       </a:pPr>
                       <a:r>
-                        <a:rPr lang="en-US" sz="900" spc="0" dirty="0">
+                        <a:rPr lang="ja-JP" sz="900" dirty="0">
                           <a:solidFill>
                             <a:srgbClr val="020302"/>
                           </a:solidFill>
-                          <a:latin typeface="AdobeClean-Light"/>
+                          <a:latin typeface="Adobe Clean Han Light" panose="020B0300000000000000" pitchFamily="34" charset="-128"/>
+                          <a:ea typeface="Adobe Clean Han Light" panose="020B0300000000000000" pitchFamily="34" charset="-128"/>
                           <a:cs typeface="AdobeClean-Light"/>
                         </a:rPr>
-                        <a:t>  Business day /   </a:t>
+                        <a:t>  営業日／   </a:t>
                       </a:r>
                     </a:p>
                     <a:p>
@@ -9110,19 +8542,16 @@
                         </a:spcBef>
                       </a:pPr>
                       <a:r>
-                        <a:rPr lang="en-US" sz="900" spc="0" dirty="0">
+                        <a:rPr lang="ja-JP" sz="900" dirty="0">
                           <a:solidFill>
                             <a:srgbClr val="020302"/>
                           </a:solidFill>
-                          <a:latin typeface="AdobeClean-Light"/>
+                          <a:latin typeface="Adobe Clean Han Light" panose="020B0300000000000000" pitchFamily="34" charset="-128"/>
+                          <a:ea typeface="Adobe Clean Han Light" panose="020B0300000000000000" pitchFamily="34" charset="-128"/>
                           <a:cs typeface="AdobeClean-Light"/>
                         </a:rPr>
-                        <a:t>1 day </a:t>
+                        <a:t>1 日 </a:t>
                       </a:r>
-                      <a:endParaRPr lang="en-US" sz="900" spc="0" dirty="0">
-                        <a:latin typeface="AdobeClean-Light"/>
-                        <a:cs typeface="AdobeClean-Light"/>
-                      </a:endParaRPr>
                     </a:p>
                   </a:txBody>
                   <a:tcPr marL="0" marR="0" marT="0" marB="0" anchor="ctr">
@@ -9157,7 +8586,7 @@
                     <a:bodyPr/>
                     <a:lstStyle/>
                     <a:p>
-                      <a:pPr marL="0" marR="223520" indent="-202565" algn="ctr">
+                      <a:pPr marL="0" marR="223520" indent="-202565" algn="l" rtl="0">
                         <a:lnSpc>
                           <a:spcPct val="100000"/>
                         </a:lnSpc>
@@ -9209,7 +8638,7 @@
                     <a:bodyPr/>
                     <a:lstStyle/>
                     <a:p>
-                      <a:pPr marL="0" marR="223520" indent="-202565" algn="ctr">
+                      <a:pPr marL="0" marR="223520" indent="-202565" algn="l" rtl="0">
                         <a:lnSpc>
                           <a:spcPct val="100000"/>
                         </a:lnSpc>
@@ -9258,7 +8687,7 @@
                     <a:bodyPr/>
                     <a:lstStyle/>
                     <a:p>
-                      <a:pPr marL="0" marR="223520" indent="-202565" algn="ctr">
+                      <a:pPr marL="0" marR="223520" indent="-202565" algn="l" rtl="0">
                         <a:lnSpc>
                           <a:spcPct val="100000"/>
                         </a:lnSpc>
@@ -9352,20 +8781,12 @@
               </a:spcBef>
             </a:pPr>
             <a:r>
-              <a:rPr sz="2300" dirty="0">
-                <a:latin typeface="Adobe Clean" panose="020B0503020404020204" pitchFamily="34" charset="0"/>
+              <a:rPr lang="ja-JP" sz="2300">
+                <a:latin typeface="Adobe Clean Han Regular" panose="020B0500000000000000" pitchFamily="34" charset="-128"/>
+                <a:ea typeface="Adobe Clean Han Regular" panose="020B0500000000000000" pitchFamily="34" charset="-128"/>
               </a:rPr>
-              <a:t>ADOBE </a:t>
+              <a:t>アドビサポートのプラン</a:t>
             </a:r>
-            <a:r>
-              <a:rPr lang="en-US" sz="2300" dirty="0">
-                <a:latin typeface="Adobe Clean" panose="020B0503020404020204" pitchFamily="34" charset="0"/>
-              </a:rPr>
-              <a:t>SUPPORT PLANS</a:t>
-            </a:r>
-            <a:endParaRPr sz="2300" dirty="0">
-              <a:latin typeface="Adobe Clean" panose="020B0503020404020204" pitchFamily="34" charset="0"/>
-            </a:endParaRPr>
           </a:p>
         </p:txBody>
       </p:sp>
@@ -9398,13 +8819,14 @@
           <a:lstStyle/>
           <a:p>
             <a:r>
-              <a:rPr lang="en-US" sz="700" i="1" dirty="0">
+              <a:rPr lang="ja-JP" sz="700" i="1" dirty="0">
                 <a:solidFill>
                   <a:schemeClr val="bg1"/>
                 </a:solidFill>
-                <a:latin typeface="Adobe Clean" panose="020B0503020404020204" pitchFamily="34" charset="0"/>
+                <a:latin typeface="Adobe Clean Han Regular" panose="020B0500000000000000" pitchFamily="34" charset="-128"/>
+                <a:ea typeface="Adobe Clean Han Regular" panose="020B0500000000000000" pitchFamily="34" charset="-128"/>
               </a:rPr>
-              <a:t>Adobe Creative Cloud / Adobe Document Cloud (including Adobe Sign)</a:t>
+              <a:t>Adobe Creative Cloud／Adobe Document Cloud（Adobe Sign を含む）</a:t>
             </a:r>
           </a:p>
           <a:p>
@@ -9412,7 +8834,8 @@
               <a:solidFill>
                 <a:schemeClr val="bg1"/>
               </a:solidFill>
-              <a:latin typeface="Adobe Clean" panose="020B0503020404020204" pitchFamily="34" charset="0"/>
+              <a:latin typeface="Adobe Clean Han Regular" panose="020B0500000000000000" pitchFamily="34" charset="-128"/>
+              <a:ea typeface="Adobe Clean Han Regular" panose="020B0500000000000000" pitchFamily="34" charset="-128"/>
             </a:endParaRPr>
           </a:p>
         </p:txBody>
@@ -9450,8 +8873,8 @@
         </p:nvSpPr>
         <p:spPr>
           <a:xfrm>
-            <a:off x="317646" y="1345469"/>
-            <a:ext cx="1371600" cy="0"/>
+            <a:off x="317646" y="1345468"/>
+            <a:ext cx="1130154" cy="45719"/>
           </a:xfrm>
           <a:custGeom>
             <a:avLst/>
@@ -9480,7 +8903,10 @@
           <a:bodyPr wrap="square" lIns="0" tIns="0" rIns="0" bIns="0" rtlCol="0"/>
           <a:lstStyle/>
           <a:p>
-            <a:endParaRPr dirty="0"/>
+            <a:endParaRPr dirty="0">
+              <a:latin typeface="Adobe Clean Han Regular" panose="020B0500000000000000" pitchFamily="34" charset="-128"/>
+              <a:ea typeface="Adobe Clean Han Regular" panose="020B0500000000000000" pitchFamily="34" charset="-128"/>
+            </a:endParaRPr>
           </a:p>
         </p:txBody>
       </p:sp>
@@ -9522,7 +8948,10 @@
           <a:bodyPr wrap="square" lIns="0" tIns="0" rIns="0" bIns="0" rtlCol="0"/>
           <a:lstStyle/>
           <a:p>
-            <a:endParaRPr dirty="0"/>
+            <a:endParaRPr dirty="0">
+              <a:latin typeface="Adobe Clean Han Regular" panose="020B0500000000000000" pitchFamily="34" charset="-128"/>
+              <a:ea typeface="Adobe Clean Han Regular" panose="020B0500000000000000" pitchFamily="34" charset="-128"/>
+            </a:endParaRPr>
           </a:p>
         </p:txBody>
       </p:sp>
@@ -9535,7 +8964,7 @@
         <p:spPr>
           <a:xfrm>
             <a:off x="288978" y="1484661"/>
-            <a:ext cx="7070597" cy="379463"/>
+            <a:ext cx="7070597" cy="565219"/>
           </a:xfrm>
           <a:prstGeom prst="rect">
             <a:avLst/>
@@ -9556,386 +8985,16 @@
               </a:spcBef>
             </a:pPr>
             <a:r>
-              <a:rPr lang="en-US" sz="1100" spc="-20" dirty="0">
+              <a:rPr lang="ja-JP" sz="1100" dirty="0">
                 <a:solidFill>
                   <a:srgbClr val="020302"/>
                 </a:solidFill>
-                <a:latin typeface="AdobeClean-Light"/>
+                <a:latin typeface="Adobe Clean Han Light" panose="020B0300000000000000" pitchFamily="34" charset="-128"/>
+                <a:ea typeface="Adobe Clean Han Light" panose="020B0300000000000000" pitchFamily="34" charset="-128"/>
                 <a:cs typeface="AdobeClean-Light"/>
               </a:rPr>
-              <a:t>Adobe Customer Support offers a</a:t>
+              <a:t>アドビカスタマーサポートでは、ドキュメントのリソースへのアクセス、ベストプラクティスのための他のエキスパートやお客様との連携を提供します。また、質問やケース申請のために、いくつかのチャネルが用意されています。</a:t>
             </a:r>
-            <a:r>
-              <a:rPr sz="1100" spc="-20" dirty="0">
-                <a:solidFill>
-                  <a:srgbClr val="020302"/>
-                </a:solidFill>
-                <a:latin typeface="AdobeClean-Light"/>
-                <a:cs typeface="AdobeClean-Light"/>
-              </a:rPr>
-              <a:t>ccess</a:t>
-            </a:r>
-            <a:r>
-              <a:rPr sz="1100" spc="-90" dirty="0">
-                <a:solidFill>
-                  <a:srgbClr val="020302"/>
-                </a:solidFill>
-                <a:latin typeface="AdobeClean-Light"/>
-                <a:cs typeface="AdobeClean-Light"/>
-              </a:rPr>
-              <a:t> </a:t>
-            </a:r>
-            <a:r>
-              <a:rPr sz="1100" spc="-10" dirty="0">
-                <a:solidFill>
-                  <a:srgbClr val="020302"/>
-                </a:solidFill>
-                <a:latin typeface="AdobeClean-Light"/>
-                <a:cs typeface="AdobeClean-Light"/>
-              </a:rPr>
-              <a:t>to</a:t>
-            </a:r>
-            <a:r>
-              <a:rPr sz="1100" spc="10" dirty="0">
-                <a:solidFill>
-                  <a:srgbClr val="020302"/>
-                </a:solidFill>
-                <a:latin typeface="AdobeClean-Light"/>
-                <a:cs typeface="AdobeClean-Light"/>
-              </a:rPr>
-              <a:t> </a:t>
-            </a:r>
-            <a:r>
-              <a:rPr sz="1100" spc="-20" dirty="0">
-                <a:solidFill>
-                  <a:srgbClr val="020302"/>
-                </a:solidFill>
-                <a:latin typeface="AdobeClean-Light"/>
-                <a:cs typeface="AdobeClean-Light"/>
-              </a:rPr>
-              <a:t>resources</a:t>
-            </a:r>
-            <a:r>
-              <a:rPr sz="1100" spc="-120" dirty="0">
-                <a:solidFill>
-                  <a:srgbClr val="020302"/>
-                </a:solidFill>
-                <a:latin typeface="AdobeClean-Light"/>
-                <a:cs typeface="AdobeClean-Light"/>
-              </a:rPr>
-              <a:t> </a:t>
-            </a:r>
-            <a:r>
-              <a:rPr sz="1100" spc="-15" dirty="0">
-                <a:solidFill>
-                  <a:srgbClr val="020302"/>
-                </a:solidFill>
-                <a:latin typeface="AdobeClean-Light"/>
-                <a:cs typeface="AdobeClean-Light"/>
-              </a:rPr>
-              <a:t>for</a:t>
-            </a:r>
-            <a:r>
-              <a:rPr sz="1100" spc="-30" dirty="0">
-                <a:solidFill>
-                  <a:srgbClr val="020302"/>
-                </a:solidFill>
-                <a:latin typeface="AdobeClean-Light"/>
-                <a:cs typeface="AdobeClean-Light"/>
-              </a:rPr>
-              <a:t> </a:t>
-            </a:r>
-            <a:r>
-              <a:rPr sz="1100" spc="-15" dirty="0">
-                <a:solidFill>
-                  <a:srgbClr val="020302"/>
-                </a:solidFill>
-                <a:latin typeface="AdobeClean-Light"/>
-                <a:cs typeface="AdobeClean-Light"/>
-              </a:rPr>
-              <a:t>documentation</a:t>
-            </a:r>
-            <a:r>
-              <a:rPr lang="en-US" sz="1100" spc="-15" dirty="0">
-                <a:solidFill>
-                  <a:srgbClr val="020302"/>
-                </a:solidFill>
-                <a:latin typeface="AdobeClean-Light"/>
-                <a:cs typeface="AdobeClean-Light"/>
-              </a:rPr>
-              <a:t> and </a:t>
-            </a:r>
-            <a:r>
-              <a:rPr sz="1100" spc="-15" dirty="0">
-                <a:solidFill>
-                  <a:srgbClr val="020302"/>
-                </a:solidFill>
-                <a:latin typeface="AdobeClean-Light"/>
-                <a:cs typeface="AdobeClean-Light"/>
-              </a:rPr>
-              <a:t>engagement</a:t>
-            </a:r>
-            <a:r>
-              <a:rPr lang="en-US" sz="1100" spc="-15" dirty="0">
-                <a:solidFill>
-                  <a:srgbClr val="020302"/>
-                </a:solidFill>
-                <a:latin typeface="AdobeClean-Light"/>
-                <a:cs typeface="AdobeClean-Light"/>
-              </a:rPr>
-              <a:t> </a:t>
-            </a:r>
-            <a:r>
-              <a:rPr sz="1100" spc="-15" dirty="0">
-                <a:solidFill>
-                  <a:srgbClr val="020302"/>
-                </a:solidFill>
-                <a:latin typeface="AdobeClean-Light"/>
-                <a:cs typeface="AdobeClean-Light"/>
-              </a:rPr>
-              <a:t>with</a:t>
-            </a:r>
-            <a:r>
-              <a:rPr sz="1100" spc="-35" dirty="0">
-                <a:solidFill>
-                  <a:srgbClr val="020302"/>
-                </a:solidFill>
-                <a:latin typeface="AdobeClean-Light"/>
-                <a:cs typeface="AdobeClean-Light"/>
-              </a:rPr>
-              <a:t> </a:t>
-            </a:r>
-            <a:r>
-              <a:rPr sz="1100" spc="-20" dirty="0">
-                <a:solidFill>
-                  <a:srgbClr val="020302"/>
-                </a:solidFill>
-                <a:latin typeface="AdobeClean-Light"/>
-                <a:cs typeface="AdobeClean-Light"/>
-              </a:rPr>
-              <a:t>other experts </a:t>
-            </a:r>
-            <a:r>
-              <a:rPr sz="1100" spc="-15" dirty="0">
-                <a:solidFill>
-                  <a:srgbClr val="020302"/>
-                </a:solidFill>
-                <a:latin typeface="AdobeClean-Light"/>
-                <a:cs typeface="AdobeClean-Light"/>
-              </a:rPr>
-              <a:t>and </a:t>
-            </a:r>
-            <a:r>
-              <a:rPr sz="1100" spc="-20" dirty="0">
-                <a:solidFill>
-                  <a:srgbClr val="020302"/>
-                </a:solidFill>
-                <a:latin typeface="AdobeClean-Light"/>
-                <a:cs typeface="AdobeClean-Light"/>
-              </a:rPr>
-              <a:t>customers </a:t>
-            </a:r>
-            <a:r>
-              <a:rPr sz="1100" spc="-15" dirty="0">
-                <a:solidFill>
-                  <a:srgbClr val="020302"/>
-                </a:solidFill>
-                <a:latin typeface="AdobeClean-Light"/>
-                <a:cs typeface="AdobeClean-Light"/>
-              </a:rPr>
-              <a:t>for best </a:t>
-            </a:r>
-            <a:r>
-              <a:rPr sz="1100" spc="-20" dirty="0">
-                <a:solidFill>
-                  <a:srgbClr val="020302"/>
-                </a:solidFill>
-                <a:latin typeface="AdobeClean-Light"/>
-                <a:cs typeface="AdobeClean-Light"/>
-              </a:rPr>
-              <a:t>practices</a:t>
-            </a:r>
-            <a:r>
-              <a:rPr lang="en-US" sz="1100" spc="-20" dirty="0">
-                <a:solidFill>
-                  <a:srgbClr val="020302"/>
-                </a:solidFill>
-                <a:latin typeface="AdobeClean-Light"/>
-                <a:cs typeface="AdobeClean-Light"/>
-              </a:rPr>
-              <a:t>. </a:t>
-            </a:r>
-            <a:r>
-              <a:rPr sz="1100" spc="-20" dirty="0">
-                <a:solidFill>
-                  <a:srgbClr val="020302"/>
-                </a:solidFill>
-                <a:latin typeface="AdobeClean-Light"/>
-                <a:cs typeface="AdobeClean-Light"/>
-              </a:rPr>
-              <a:t>Several channels </a:t>
-            </a:r>
-            <a:r>
-              <a:rPr sz="1100" spc="-15" dirty="0">
-                <a:solidFill>
-                  <a:srgbClr val="020302"/>
-                </a:solidFill>
-                <a:latin typeface="AdobeClean-Light"/>
-                <a:cs typeface="AdobeClean-Light"/>
-              </a:rPr>
-              <a:t>are</a:t>
-            </a:r>
-            <a:r>
-              <a:rPr sz="1100" spc="-140" dirty="0">
-                <a:solidFill>
-                  <a:srgbClr val="020302"/>
-                </a:solidFill>
-                <a:latin typeface="AdobeClean-Light"/>
-                <a:cs typeface="AdobeClean-Light"/>
-              </a:rPr>
-              <a:t> </a:t>
-            </a:r>
-            <a:r>
-              <a:rPr sz="1100" spc="-20" dirty="0">
-                <a:solidFill>
-                  <a:srgbClr val="020302"/>
-                </a:solidFill>
-                <a:latin typeface="AdobeClean-Light"/>
-                <a:cs typeface="AdobeClean-Light"/>
-              </a:rPr>
-              <a:t>also</a:t>
-            </a:r>
-            <a:r>
-              <a:rPr lang="en-US" sz="1100" dirty="0">
-                <a:latin typeface="AdobeClean-Light"/>
-                <a:cs typeface="AdobeClean-Light"/>
-              </a:rPr>
-              <a:t> </a:t>
-            </a:r>
-            <a:r>
-              <a:rPr sz="1100" spc="-25" dirty="0">
-                <a:solidFill>
-                  <a:srgbClr val="020302"/>
-                </a:solidFill>
-                <a:latin typeface="AdobeClean-Light"/>
-                <a:cs typeface="AdobeClean-Light"/>
-              </a:rPr>
-              <a:t>available</a:t>
-            </a:r>
-            <a:r>
-              <a:rPr sz="1100" spc="-65" dirty="0">
-                <a:solidFill>
-                  <a:srgbClr val="020302"/>
-                </a:solidFill>
-                <a:latin typeface="AdobeClean-Light"/>
-                <a:cs typeface="AdobeClean-Light"/>
-              </a:rPr>
-              <a:t> </a:t>
-            </a:r>
-            <a:r>
-              <a:rPr sz="1100" spc="-15" dirty="0">
-                <a:solidFill>
-                  <a:srgbClr val="020302"/>
-                </a:solidFill>
-                <a:latin typeface="AdobeClean-Light"/>
-                <a:cs typeface="AdobeClean-Light"/>
-              </a:rPr>
-              <a:t>for</a:t>
-            </a:r>
-            <a:r>
-              <a:rPr sz="1100" spc="-25" dirty="0">
-                <a:solidFill>
-                  <a:srgbClr val="020302"/>
-                </a:solidFill>
-                <a:latin typeface="AdobeClean-Light"/>
-                <a:cs typeface="AdobeClean-Light"/>
-              </a:rPr>
-              <a:t> </a:t>
-            </a:r>
-            <a:r>
-              <a:rPr sz="1100" spc="-20" dirty="0">
-                <a:solidFill>
-                  <a:srgbClr val="020302"/>
-                </a:solidFill>
-                <a:latin typeface="AdobeClean-Light"/>
-                <a:cs typeface="AdobeClean-Light"/>
-              </a:rPr>
-              <a:t>questions</a:t>
-            </a:r>
-            <a:r>
-              <a:rPr sz="1100" spc="-114" dirty="0">
-                <a:solidFill>
-                  <a:srgbClr val="020302"/>
-                </a:solidFill>
-                <a:latin typeface="AdobeClean-Light"/>
-                <a:cs typeface="AdobeClean-Light"/>
-              </a:rPr>
-              <a:t> </a:t>
-            </a:r>
-            <a:r>
-              <a:rPr sz="1100" spc="-15" dirty="0">
-                <a:solidFill>
-                  <a:srgbClr val="020302"/>
-                </a:solidFill>
-                <a:latin typeface="AdobeClean-Light"/>
-                <a:cs typeface="AdobeClean-Light"/>
-              </a:rPr>
-              <a:t>and</a:t>
-            </a:r>
-            <a:r>
-              <a:rPr sz="1100" spc="-45" dirty="0">
-                <a:solidFill>
-                  <a:srgbClr val="020302"/>
-                </a:solidFill>
-                <a:latin typeface="AdobeClean-Light"/>
-                <a:cs typeface="AdobeClean-Light"/>
-              </a:rPr>
-              <a:t> </a:t>
-            </a:r>
-            <a:r>
-              <a:rPr sz="1100" spc="-20" dirty="0">
-                <a:solidFill>
-                  <a:srgbClr val="020302"/>
-                </a:solidFill>
-                <a:latin typeface="AdobeClean-Light"/>
-                <a:cs typeface="AdobeClean-Light"/>
-              </a:rPr>
-              <a:t>case</a:t>
-            </a:r>
-            <a:r>
-              <a:rPr sz="1100" spc="-35" dirty="0">
-                <a:solidFill>
-                  <a:srgbClr val="020302"/>
-                </a:solidFill>
-                <a:latin typeface="AdobeClean-Light"/>
-                <a:cs typeface="AdobeClean-Light"/>
-              </a:rPr>
-              <a:t> </a:t>
-            </a:r>
-            <a:r>
-              <a:rPr sz="1100" spc="-20" dirty="0">
-                <a:solidFill>
-                  <a:srgbClr val="020302"/>
-                </a:solidFill>
-                <a:latin typeface="AdobeClean-Light"/>
-                <a:cs typeface="AdobeClean-Light"/>
-              </a:rPr>
-              <a:t>submissions</a:t>
-            </a:r>
-            <a:r>
-              <a:rPr lang="en-US" sz="1100" spc="-20" dirty="0">
-                <a:solidFill>
-                  <a:srgbClr val="020302"/>
-                </a:solidFill>
-                <a:latin typeface="AdobeClean-Light"/>
-                <a:cs typeface="AdobeClean-Light"/>
-              </a:rPr>
-              <a:t>.</a:t>
-            </a:r>
-            <a:endParaRPr sz="1100" dirty="0">
-              <a:latin typeface="AdobeClean-Light"/>
-              <a:cs typeface="AdobeClean-Light"/>
-            </a:endParaRPr>
           </a:p>
         </p:txBody>
       </p:sp>
@@ -9972,114 +9031,15 @@
               </a:tabLst>
             </a:pPr>
             <a:r>
-              <a:rPr lang="en-US" sz="1100" spc="-20" dirty="0">
+              <a:rPr lang="ja-JP" sz="1100" dirty="0">
                 <a:solidFill>
                   <a:srgbClr val="020302"/>
                 </a:solidFill>
-                <a:latin typeface="AdobeClean-Light"/>
+                <a:latin typeface="Adobe Clean Han Light" panose="020B0300000000000000" pitchFamily="34" charset="-128"/>
+                <a:ea typeface="Adobe Clean Han Light" panose="020B0300000000000000" pitchFamily="34" charset="-128"/>
                 <a:cs typeface="AdobeClean-Light"/>
               </a:rPr>
-              <a:t>Authorized Users (Admins) can start a chat session with Adobe Support </a:t>
-            </a:r>
-            <a:r>
-              <a:rPr sz="1100" spc="-5" dirty="0">
-                <a:solidFill>
-                  <a:srgbClr val="020302"/>
-                </a:solidFill>
-                <a:latin typeface="AdobeClean-Light"/>
-                <a:cs typeface="AdobeClean-Light"/>
-              </a:rPr>
-              <a:t>to </a:t>
-            </a:r>
-            <a:r>
-              <a:rPr sz="1100" spc="-10" dirty="0">
-                <a:solidFill>
-                  <a:srgbClr val="020302"/>
-                </a:solidFill>
-                <a:latin typeface="AdobeClean-Light"/>
-                <a:cs typeface="AdobeClean-Light"/>
-              </a:rPr>
-              <a:t>get </a:t>
-            </a:r>
-            <a:r>
-              <a:rPr sz="1100" spc="-20" dirty="0">
-                <a:solidFill>
-                  <a:srgbClr val="020302"/>
-                </a:solidFill>
-                <a:latin typeface="AdobeClean-Light"/>
-                <a:cs typeface="AdobeClean-Light"/>
-              </a:rPr>
-              <a:t>answers</a:t>
-            </a:r>
-            <a:r>
-              <a:rPr lang="en-US" sz="1100" spc="-45" dirty="0">
-                <a:solidFill>
-                  <a:srgbClr val="020302"/>
-                </a:solidFill>
-                <a:latin typeface="AdobeClean-Light"/>
-                <a:cs typeface="AdobeClean-Light"/>
-              </a:rPr>
-              <a:t> and </a:t>
-            </a:r>
-            <a:r>
-              <a:rPr sz="1100" spc="-15" dirty="0">
-                <a:solidFill>
-                  <a:srgbClr val="020302"/>
-                </a:solidFill>
-                <a:latin typeface="AdobeClean-Light"/>
-                <a:cs typeface="AdobeClean-Light"/>
-              </a:rPr>
-              <a:t>help </a:t>
-            </a:r>
-            <a:r>
-              <a:rPr sz="1100" spc="-10" dirty="0">
-                <a:solidFill>
-                  <a:srgbClr val="020302"/>
-                </a:solidFill>
-                <a:latin typeface="AdobeClean-Light"/>
-                <a:cs typeface="AdobeClean-Light"/>
-              </a:rPr>
-              <a:t>with</a:t>
-            </a:r>
-            <a:r>
-              <a:rPr sz="1100" spc="85" dirty="0">
-                <a:solidFill>
-                  <a:srgbClr val="020302"/>
-                </a:solidFill>
-                <a:latin typeface="AdobeClean-Light"/>
-                <a:cs typeface="AdobeClean-Light"/>
-              </a:rPr>
-              <a:t> </a:t>
-            </a:r>
-            <a:r>
-              <a:rPr sz="1100" spc="-10" dirty="0">
-                <a:solidFill>
-                  <a:srgbClr val="020302"/>
-                </a:solidFill>
-                <a:latin typeface="AdobeClean-Light"/>
-                <a:cs typeface="AdobeClean-Light"/>
-              </a:rPr>
-              <a:t>case </a:t>
-            </a:r>
-            <a:r>
-              <a:rPr sz="1100" spc="-20" dirty="0">
-                <a:solidFill>
-                  <a:srgbClr val="020302"/>
-                </a:solidFill>
-                <a:latin typeface="AdobeClean-Light"/>
-                <a:cs typeface="AdobeClean-Light"/>
-              </a:rPr>
-              <a:t>submission</a:t>
-            </a:r>
-            <a:r>
-              <a:rPr lang="en-US" sz="1100" spc="-20" dirty="0">
-                <a:solidFill>
-                  <a:srgbClr val="020302"/>
-                </a:solidFill>
-                <a:latin typeface="AdobeClean-Light"/>
-                <a:cs typeface="AdobeClean-Light"/>
-              </a:rPr>
-              <a:t>.</a:t>
+              <a:t>承認済みユーザー（管理者）は、アドビサポートとのチャットセッションを開始して、回答やケース申請による支援を受けることができます。</a:t>
             </a:r>
           </a:p>
           <a:p>
@@ -10095,19 +9055,16 @@
               </a:tabLst>
             </a:pPr>
             <a:r>
-              <a:rPr lang="en-US" sz="1100" i="1" spc="-10" dirty="0">
+              <a:rPr lang="ja-JP" sz="1100" i="1" dirty="0">
                 <a:solidFill>
                   <a:srgbClr val="7A7A7A"/>
                 </a:solidFill>
-                <a:latin typeface="AdobeClean-LightIt"/>
+                <a:latin typeface="Adobe Clean Han Light" panose="020B0300000000000000" pitchFamily="34" charset="-128"/>
+                <a:ea typeface="Adobe Clean Han Light" panose="020B0300000000000000" pitchFamily="34" charset="-128"/>
                 <a:cs typeface="AdobeClean-LightIt"/>
               </a:rPr>
-              <a:t>Subject to local hours</a:t>
+              <a:t>現地時間に準じます</a:t>
             </a:r>
-            <a:endParaRPr sz="1100" i="1" dirty="0">
-              <a:latin typeface="AdobeClean-Light"/>
-              <a:cs typeface="AdobeClean-Light"/>
-            </a:endParaRPr>
           </a:p>
         </p:txBody>
       </p:sp>
@@ -10136,7 +9093,10 @@
           <a:bodyPr wrap="square" lIns="0" tIns="0" rIns="0" bIns="0" rtlCol="0"/>
           <a:lstStyle/>
           <a:p>
-            <a:endParaRPr dirty="0"/>
+            <a:endParaRPr dirty="0">
+              <a:latin typeface="Adobe Clean Han Regular" panose="020B0500000000000000" pitchFamily="34" charset="-128"/>
+              <a:ea typeface="Adobe Clean Han Regular" panose="020B0500000000000000" pitchFamily="34" charset="-128"/>
+            </a:endParaRPr>
           </a:p>
         </p:txBody>
       </p:sp>
@@ -10176,19 +9136,16 @@
               </a:spcBef>
             </a:pPr>
             <a:r>
-              <a:rPr lang="en-US" sz="1400" b="1" spc="-10" dirty="0">
+              <a:rPr lang="ja-JP" sz="1400" b="1">
                 <a:solidFill>
                   <a:srgbClr val="020302"/>
                 </a:solidFill>
-                <a:latin typeface="Adobe Clean"/>
+                <a:latin typeface="Adobe Clean Han Regular" panose="020B0500000000000000" pitchFamily="34" charset="-128"/>
+                <a:ea typeface="Adobe Clean Han Regular" panose="020B0500000000000000" pitchFamily="34" charset="-128"/>
                 <a:cs typeface="Adobe Clean"/>
               </a:rPr>
-              <a:t>Standard Support</a:t>
+              <a:t>標準サポート</a:t>
             </a:r>
-            <a:endParaRPr lang="en-US" sz="1400" dirty="0">
-              <a:latin typeface="Adobe Clean"/>
-              <a:cs typeface="Adobe Clean"/>
-            </a:endParaRPr>
           </a:p>
         </p:txBody>
       </p:sp>
@@ -10209,7 +9166,7 @@
         <p:spPr>
           <a:xfrm>
             <a:off x="308312" y="3141943"/>
-            <a:ext cx="1625002" cy="215444"/>
+            <a:ext cx="2587288" cy="215444"/>
           </a:xfrm>
           <a:prstGeom prst="rect">
             <a:avLst/>
@@ -10230,20 +9187,12 @@
               </a:spcAft>
             </a:pPr>
             <a:r>
-              <a:rPr lang="en-US" sz="1400" b="1" dirty="0">
-                <a:latin typeface="+mj-lt"/>
-                <a:ea typeface="Open Sans" pitchFamily="34" charset="0"/>
+              <a:rPr lang="ja-JP" sz="1400" b="1" dirty="0">
+                <a:latin typeface="Adobe Clean Han Regular" panose="020B0500000000000000" pitchFamily="34" charset="-128"/>
+                <a:ea typeface="Adobe Clean Han Regular" panose="020B0500000000000000" pitchFamily="34" charset="-128"/>
                 <a:cs typeface="Open Sans" pitchFamily="34" charset="0"/>
               </a:rPr>
-              <a:t>Community </a:t>
-            </a:r>
-            <a:r>
-              <a:rPr lang="en-US" sz="1400" b="1" dirty="0">
-                <a:latin typeface="Adobe Clean" panose="020B0503020404020204" pitchFamily="34" charset="0"/>
-                <a:ea typeface="Open Sans" pitchFamily="34" charset="0"/>
-                <a:cs typeface="Open Sans" pitchFamily="34" charset="0"/>
-              </a:rPr>
-              <a:t>Forums</a:t>
+              <a:t>コミュニティフォーラム</a:t>
             </a:r>
           </a:p>
         </p:txBody>
@@ -10262,8 +9211,8 @@
         </p:nvSpPr>
         <p:spPr>
           <a:xfrm>
-            <a:off x="317647" y="3349382"/>
-            <a:ext cx="3148178" cy="713016"/>
+            <a:off x="317647" y="3374923"/>
+            <a:ext cx="3148178" cy="882293"/>
           </a:xfrm>
           <a:prstGeom prst="rect">
             <a:avLst/>
@@ -10276,13 +9225,14 @@
           <a:lstStyle/>
           <a:p>
             <a:r>
-              <a:rPr lang="en-US" sz="1100" dirty="0">
+              <a:rPr lang="ja-JP" sz="1100" dirty="0">
                 <a:solidFill>
                   <a:srgbClr val="000000"/>
                 </a:solidFill>
-                <a:latin typeface="Adobe Clean Light" panose="020B0303020404020204" pitchFamily="34" charset="0"/>
+                <a:latin typeface="Adobe Clean Han Light" panose="020B0300000000000000" pitchFamily="34" charset="-128"/>
+                <a:ea typeface="Adobe Clean Han Light" panose="020B0300000000000000" pitchFamily="34" charset="-128"/>
               </a:rPr>
-              <a:t>Continuous online access to a growing database of technical solutions, product documentation, FAQs and more. Connect with other customers on Adobe Community to share best practices and lessons learned..</a:t>
+              <a:t>テクニカルソリューション、製品ドキュメント、FAQ などの増大するデータベースにオンラインで継続的にアクセスできます。また、アドビコミュニティで他のお客様と繋がり、ベストプラクティスや学習した内容を共有できます。</a:t>
             </a:r>
           </a:p>
         </p:txBody>
@@ -10304,7 +9254,7 @@
         <p:spPr>
           <a:xfrm>
             <a:off x="3883640" y="3141943"/>
-            <a:ext cx="1191032" cy="215444"/>
+            <a:ext cx="2027799" cy="215444"/>
           </a:xfrm>
           <a:prstGeom prst="rect">
             <a:avLst/>
@@ -10325,12 +9275,12 @@
               </a:spcAft>
             </a:pPr>
             <a:r>
-              <a:rPr lang="en-US" sz="1400" b="1" dirty="0">
-                <a:latin typeface="Adobe Clean" panose="020B0503020404020204" pitchFamily="34" charset="0"/>
-                <a:ea typeface="Open Sans" pitchFamily="34" charset="0"/>
+              <a:rPr lang="ja-JP" sz="1400" b="1">
+                <a:latin typeface="Adobe Clean Han Regular" panose="020B0500000000000000" pitchFamily="34" charset="-128"/>
+                <a:ea typeface="Adobe Clean Han Regular" panose="020B0500000000000000" pitchFamily="34" charset="-128"/>
                 <a:cs typeface="Open Sans" pitchFamily="34" charset="0"/>
               </a:rPr>
-              <a:t>Self-Help Portal</a:t>
+              <a:t>セルフサービスポータル</a:t>
             </a:r>
           </a:p>
         </p:txBody>
@@ -10349,8 +9299,8 @@
         </p:nvSpPr>
         <p:spPr>
           <a:xfrm>
-            <a:off x="3883640" y="3327259"/>
-            <a:ext cx="3403500" cy="543739"/>
+            <a:off x="3883640" y="3352800"/>
+            <a:ext cx="3403500" cy="882293"/>
           </a:xfrm>
           <a:prstGeom prst="rect">
             <a:avLst/>
@@ -10363,13 +9313,14 @@
           <a:lstStyle/>
           <a:p>
             <a:r>
-              <a:rPr lang="en-US" sz="1100" dirty="0">
+              <a:rPr lang="ja-JP" sz="1100">
                 <a:solidFill>
                   <a:srgbClr val="000000"/>
                 </a:solidFill>
-                <a:latin typeface="Adobe Clean Light" panose="020B0303020404020204" pitchFamily="34" charset="0"/>
+                <a:latin typeface="Adobe Clean Han Light" panose="020B0300000000000000" pitchFamily="34" charset="-128"/>
+                <a:ea typeface="Adobe Clean Han Light" panose="020B0300000000000000" pitchFamily="34" charset="-128"/>
               </a:rPr>
-              <a:t>On-demand access to the online self-help support portal to review case status and browse other resources like our knowledge base, news and alerts, featured tips, and more.</a:t>
+              <a:t>オンラインのセルフサービスサポートポータルにオンデマンドでアクセスして、ケースのステータスを確認したり、その他のリソース（ナレッジベース、ニュースとアラート、注目すべきヒントなど）を参照したりできます。</a:t>
             </a:r>
           </a:p>
         </p:txBody>
@@ -10391,7 +9342,7 @@
         <p:spPr>
           <a:xfrm>
             <a:off x="269309" y="5162889"/>
-            <a:ext cx="985847" cy="215444"/>
+            <a:ext cx="1474763" cy="215444"/>
           </a:xfrm>
           <a:prstGeom prst="rect">
             <a:avLst/>
@@ -10412,12 +9363,12 @@
               </a:spcAft>
             </a:pPr>
             <a:r>
-              <a:rPr lang="en-US" sz="1400" b="1" dirty="0">
-                <a:latin typeface="Adobe Clean" panose="020B0503020404020204" pitchFamily="34" charset="0"/>
-                <a:ea typeface="Open Sans" pitchFamily="34" charset="0"/>
+              <a:rPr lang="ja-JP" sz="1400" b="1">
+                <a:latin typeface="Adobe Clean Han Regular" panose="020B0500000000000000" pitchFamily="34" charset="-128"/>
+                <a:ea typeface="Adobe Clean Han Regular" panose="020B0500000000000000" pitchFamily="34" charset="-128"/>
                 <a:cs typeface="Open Sans" pitchFamily="34" charset="0"/>
               </a:rPr>
-              <a:t>Chat Support</a:t>
+              <a:t>チャットサポート</a:t>
             </a:r>
           </a:p>
         </p:txBody>
@@ -10460,12 +9411,12 @@
               </a:spcAft>
             </a:pPr>
             <a:r>
-              <a:rPr lang="en-US" sz="1400" b="1" dirty="0">
-                <a:latin typeface="Adobe Clean" panose="020B0503020404020204" pitchFamily="34" charset="0"/>
-                <a:ea typeface="Open Sans" pitchFamily="34" charset="0"/>
+              <a:rPr lang="ja-JP" sz="1400" b="1">
+                <a:latin typeface="Adobe Clean Han Regular" panose="020B0500000000000000" pitchFamily="34" charset="-128"/>
+                <a:ea typeface="Adobe Clean Han Regular" panose="020B0500000000000000" pitchFamily="34" charset="-128"/>
                 <a:cs typeface="Open Sans" pitchFamily="34" charset="0"/>
               </a:rPr>
-              <a:t>Phone Support</a:t>
+              <a:t>電話サポート</a:t>
             </a:r>
           </a:p>
         </p:txBody>
@@ -10485,7 +9436,7 @@
         <p:spPr>
           <a:xfrm>
             <a:off x="3874139" y="5352333"/>
-            <a:ext cx="3286720" cy="543739"/>
+            <a:ext cx="3286720" cy="713016"/>
           </a:xfrm>
           <a:prstGeom prst="rect">
             <a:avLst/>
@@ -10498,116 +9449,46 @@
           <a:lstStyle/>
           <a:p>
             <a:r>
-              <a:rPr lang="en-US" sz="1100" dirty="0">
+              <a:rPr lang="ja-JP" sz="1100">
                 <a:solidFill>
                   <a:srgbClr val="020302"/>
                 </a:solidFill>
-                <a:latin typeface="AdobeClean-Light"/>
+                <a:latin typeface="Adobe Clean Han Light" panose="020B0300000000000000" pitchFamily="34" charset="-128"/>
+                <a:ea typeface="Adobe Clean Han Light" panose="020B0300000000000000" pitchFamily="34" charset="-128"/>
               </a:rPr>
-              <a:t>Authorized Users (Admins) </a:t>
+              <a:t>承認済みユーザー（管理者）</a:t>
             </a:r>
             <a:r>
-              <a:rPr lang="en-US" sz="1100" dirty="0">
-                <a:latin typeface="Adobe Clean Light"/>
+              <a:rPr lang="ja-JP" sz="1100">
+                <a:latin typeface="Adobe Clean Han Light" panose="020B0300000000000000" pitchFamily="34" charset="-128"/>
+                <a:ea typeface="Adobe Clean Han Light" panose="020B0300000000000000" pitchFamily="34" charset="-128"/>
               </a:rPr>
-              <a:t>can call Adobe Support via phone </a:t>
+              <a:t>は、アドビサポートに電話して、</a:t>
             </a:r>
             <a:r>
-              <a:rPr lang="en-US" sz="1100" spc="-5" dirty="0">
+              <a:rPr lang="ja-JP" sz="1100">
                 <a:solidFill>
                   <a:srgbClr val="020302"/>
                 </a:solidFill>
-                <a:latin typeface="AdobeClean-Light"/>
+                <a:latin typeface="Adobe Clean Han Light" panose="020B0300000000000000" pitchFamily="34" charset="-128"/>
+                <a:ea typeface="Adobe Clean Han Light" panose="020B0300000000000000" pitchFamily="34" charset="-128"/>
                 <a:cs typeface="AdobeClean-Light"/>
               </a:rPr>
-              <a:t>to </a:t>
-            </a:r>
-            <a:r>
-              <a:rPr lang="en-US" sz="1100" spc="-10" dirty="0">
-                <a:solidFill>
-                  <a:srgbClr val="020302"/>
-                </a:solidFill>
-                <a:latin typeface="AdobeClean-Light"/>
-                <a:cs typeface="AdobeClean-Light"/>
-              </a:rPr>
-              <a:t>get </a:t>
-            </a:r>
-            <a:r>
-              <a:rPr lang="en-US" sz="1100" spc="-20" dirty="0">
-                <a:solidFill>
-                  <a:srgbClr val="020302"/>
-                </a:solidFill>
-                <a:latin typeface="AdobeClean-Light"/>
-                <a:cs typeface="AdobeClean-Light"/>
-              </a:rPr>
-              <a:t>answers</a:t>
-            </a:r>
-            <a:r>
-              <a:rPr lang="en-US" sz="1100" spc="-45" dirty="0">
-                <a:solidFill>
-                  <a:srgbClr val="020302"/>
-                </a:solidFill>
-                <a:latin typeface="AdobeClean-Light"/>
-                <a:cs typeface="AdobeClean-Light"/>
-              </a:rPr>
-              <a:t> and</a:t>
-            </a:r>
-            <a:r>
-              <a:rPr lang="en-US" sz="1100" dirty="0">
-                <a:solidFill>
-                  <a:srgbClr val="020302"/>
-                </a:solidFill>
-                <a:latin typeface="AdobeClean-Light"/>
-                <a:cs typeface="AdobeClean-Light"/>
-              </a:rPr>
-              <a:t> </a:t>
-            </a:r>
-            <a:r>
-              <a:rPr lang="en-US" sz="1100" spc="-15" dirty="0">
-                <a:solidFill>
-                  <a:srgbClr val="020302"/>
-                </a:solidFill>
-                <a:latin typeface="AdobeClean-Light"/>
-                <a:cs typeface="AdobeClean-Light"/>
-              </a:rPr>
-              <a:t>help </a:t>
-            </a:r>
-            <a:r>
-              <a:rPr lang="en-US" sz="1100" spc="-10" dirty="0">
-                <a:solidFill>
-                  <a:srgbClr val="020302"/>
-                </a:solidFill>
-                <a:latin typeface="AdobeClean-Light"/>
-                <a:cs typeface="AdobeClean-Light"/>
-              </a:rPr>
-              <a:t>with case </a:t>
-            </a:r>
-            <a:r>
-              <a:rPr lang="en-US" sz="1100" spc="-20" dirty="0">
-                <a:solidFill>
-                  <a:srgbClr val="020302"/>
-                </a:solidFill>
-                <a:latin typeface="AdobeClean-Light"/>
-                <a:cs typeface="AdobeClean-Light"/>
-              </a:rPr>
-              <a:t>submission.</a:t>
+              <a:t>回答やケース申請による支援を受けることができます。</a:t>
             </a:r>
           </a:p>
           <a:p>
             <a:r>
-              <a:rPr lang="en-US" sz="1100" i="1" spc="-10" dirty="0">
+              <a:rPr lang="ja-JP" sz="1100" i="1">
                 <a:solidFill>
                   <a:srgbClr val="7A7A7A"/>
                 </a:solidFill>
-                <a:latin typeface="Adobe Clean Light" panose="020B0303020404020204" pitchFamily="34" charset="0"/>
+                <a:latin typeface="Adobe Clean Han Light" panose="020B0300000000000000" pitchFamily="34" charset="-128"/>
+                <a:ea typeface="Adobe Clean Han Light" panose="020B0300000000000000" pitchFamily="34" charset="-128"/>
                 <a:cs typeface="AdobeClean-LightIt"/>
               </a:rPr>
-              <a:t>Subject to local hours</a:t>
+              <a:t>現地時間に準じます</a:t>
             </a:r>
-            <a:endParaRPr lang="en-US" sz="1100" i="1" dirty="0">
-              <a:latin typeface="Adobe Clean Light" panose="020B0303020404020204" pitchFamily="34" charset="0"/>
-              <a:cs typeface="AdobeClean-Light"/>
-            </a:endParaRPr>
           </a:p>
         </p:txBody>
       </p:sp>
@@ -10628,7 +9509,7 @@
         <p:spPr>
           <a:xfrm>
             <a:off x="303620" y="6896420"/>
-            <a:ext cx="1644681" cy="215444"/>
+            <a:ext cx="1355756" cy="215444"/>
           </a:xfrm>
           <a:prstGeom prst="rect">
             <a:avLst/>
@@ -10649,12 +9530,12 @@
               </a:spcAft>
             </a:pPr>
             <a:r>
-              <a:rPr lang="en-US" sz="1400" b="1" dirty="0">
-                <a:latin typeface="Adobe Clean" panose="020B0503020404020204" pitchFamily="34" charset="0"/>
-                <a:ea typeface="Open Sans" pitchFamily="34" charset="0"/>
+              <a:rPr lang="ja-JP" sz="1400" b="1">
+                <a:latin typeface="Adobe Clean Han Regular" panose="020B0500000000000000" pitchFamily="34" charset="-128"/>
+                <a:ea typeface="Adobe Clean Han Regular" panose="020B0500000000000000" pitchFamily="34" charset="-128"/>
                 <a:cs typeface="Open Sans" pitchFamily="34" charset="0"/>
               </a:rPr>
-              <a:t>Web Case Submission</a:t>
+              <a:t>Web ケース申請</a:t>
             </a:r>
           </a:p>
         </p:txBody>
@@ -10674,7 +9555,7 @@
         <p:spPr>
           <a:xfrm>
             <a:off x="228600" y="7098563"/>
-            <a:ext cx="3237228" cy="600164"/>
+            <a:ext cx="3237228" cy="769441"/>
           </a:xfrm>
           <a:prstGeom prst="rect">
             <a:avLst/>
@@ -10687,26 +9568,22 @@
           <a:lstStyle/>
           <a:p>
             <a:r>
-              <a:rPr lang="en-US" sz="1100" dirty="0">
+              <a:rPr lang="ja-JP" sz="1100">
                 <a:solidFill>
                   <a:srgbClr val="020302"/>
                 </a:solidFill>
-                <a:latin typeface="AdobeClean-Light"/>
+                <a:latin typeface="Adobe Clean Han Light" panose="020B0300000000000000" pitchFamily="34" charset="-128"/>
+                <a:ea typeface="Adobe Clean Han Light" panose="020B0300000000000000" pitchFamily="34" charset="-128"/>
               </a:rPr>
-              <a:t>Authorized Users (Admins) </a:t>
+              <a:t>承認済みユーザー（管理者）</a:t>
             </a:r>
             <a:r>
-              <a:rPr lang="en-US" sz="1100" dirty="0">
-                <a:latin typeface="Adobe Clean Light"/>
+              <a:rPr lang="ja-JP" sz="1100">
+                <a:latin typeface="Adobe Clean Han Light" panose="020B0300000000000000" pitchFamily="34" charset="-128"/>
+                <a:ea typeface="Adobe Clean Han Light" panose="020B0300000000000000" pitchFamily="34" charset="-128"/>
               </a:rPr>
-              <a:t>can submit unlimited web cases at any time for support issues for review by our technical support team.</a:t>
+              <a:t>は、サポートの問題に対して、いつでも無制限の web ケースを申請して、アドビのテクニカルサポートチームによるレビューを受けることができます。</a:t>
             </a:r>
-            <a:endParaRPr lang="en-US" sz="1100" dirty="0">
-              <a:solidFill>
-                <a:srgbClr val="000000"/>
-              </a:solidFill>
-              <a:latin typeface="Adobe Clean Light"/>
-            </a:endParaRPr>
           </a:p>
         </p:txBody>
       </p:sp>
@@ -10923,8 +9800,8 @@
         </p:nvSpPr>
         <p:spPr>
           <a:xfrm>
-            <a:off x="137890" y="9852238"/>
-            <a:ext cx="2270125" cy="132729"/>
+            <a:off x="137890" y="9852239"/>
+            <a:ext cx="2986310" cy="132729"/>
           </a:xfrm>
           <a:prstGeom prst="rect">
             <a:avLst/>
@@ -10945,24 +9822,11 @@
               </a:spcBef>
             </a:pPr>
             <a:r>
-              <a:rPr spc="-5" dirty="0"/>
-              <a:t>©202</a:t>
-            </a:r>
-            <a:r>
-              <a:rPr lang="en-US" spc="-5" dirty="0"/>
-              <a:t>2</a:t>
-            </a:r>
-            <a:r>
-              <a:rPr spc="-5" dirty="0"/>
-              <a:t> Adobe. All Rights Reserved. Adobe</a:t>
-            </a:r>
-            <a:r>
-              <a:rPr spc="60" dirty="0"/>
-              <a:t> </a:t>
-            </a:r>
-            <a:r>
-              <a:rPr spc="-5" dirty="0"/>
-              <a:t>Confidential.</a:t>
+              <a:rPr lang="ja-JP" dirty="0">
+                <a:latin typeface="Adobe Clean Han Regular" panose="020B0500000000000000" pitchFamily="34" charset="-128"/>
+                <a:ea typeface="Adobe Clean Han Regular" panose="020B0500000000000000" pitchFamily="34" charset="-128"/>
+              </a:rPr>
+              <a:t>©2022 Adobe.All Rights Reserved.Adobe Confidential.</a:t>
             </a:r>
           </a:p>
         </p:txBody>
@@ -11019,49 +9883,16 @@
               </a:lnSpc>
             </a:pPr>
             <a:r>
-              <a:rPr sz="500" spc="-5" dirty="0">
+              <a:rPr lang="ja-JP" sz="500">
                 <a:solidFill>
                   <a:srgbClr val="6C6C6C"/>
                 </a:solidFill>
-                <a:latin typeface="Adobe Clean"/>
+                <a:latin typeface="Adobe Clean Han Regular" panose="020B0500000000000000" pitchFamily="34" charset="-128"/>
+                <a:ea typeface="Adobe Clean Han Regular" panose="020B0500000000000000" pitchFamily="34" charset="-128"/>
                 <a:cs typeface="Adobe Clean"/>
               </a:rPr>
-              <a:t>©2020 Adobe. All Rights Reserved. </a:t>
+              <a:t>©2020 Adobe.All Rights Reserved.Adobe Confidential.</a:t>
             </a:r>
-            <a:r>
-              <a:rPr sz="500" dirty="0">
-                <a:solidFill>
-                  <a:srgbClr val="6C6C6C"/>
-                </a:solidFill>
-                <a:latin typeface="Adobe Clean"/>
-                <a:cs typeface="Adobe Clean"/>
-              </a:rPr>
-              <a:t>Adobe</a:t>
-            </a:r>
-            <a:r>
-              <a:rPr sz="500" spc="5" dirty="0">
-                <a:solidFill>
-                  <a:srgbClr val="6C6C6C"/>
-                </a:solidFill>
-                <a:latin typeface="Adobe Clean"/>
-                <a:cs typeface="Adobe Clean"/>
-              </a:rPr>
-              <a:t> </a:t>
-            </a:r>
-            <a:r>
-              <a:rPr sz="500" spc="-5" dirty="0">
-                <a:solidFill>
-                  <a:srgbClr val="6C6C6C"/>
-                </a:solidFill>
-                <a:latin typeface="Adobe Clean"/>
-                <a:cs typeface="Adobe Clean"/>
-              </a:rPr>
-              <a:t>Confidential.</a:t>
-            </a:r>
-            <a:endParaRPr sz="500" dirty="0">
-              <a:latin typeface="Adobe Clean"/>
-              <a:cs typeface="Adobe Clean"/>
-            </a:endParaRPr>
           </a:p>
           <a:p>
             <a:pPr>
@@ -11073,7 +9904,8 @@
               </a:spcBef>
             </a:pPr>
             <a:endParaRPr sz="800" dirty="0">
-              <a:latin typeface="Adobe Clean"/>
+              <a:latin typeface="Adobe Clean Han Regular" panose="020B0500000000000000" pitchFamily="34" charset="-128"/>
+              <a:ea typeface="Adobe Clean Han Regular" panose="020B0500000000000000" pitchFamily="34" charset="-128"/>
               <a:cs typeface="Adobe Clean"/>
             </a:endParaRPr>
           </a:p>
@@ -11087,39 +9919,16 @@
               </a:spcBef>
             </a:pPr>
             <a:r>
-              <a:rPr sz="800" spc="-5" dirty="0">
+              <a:rPr lang="ja-JP" sz="800">
                 <a:solidFill>
                   <a:srgbClr val="6D6D6D"/>
                 </a:solidFill>
-                <a:latin typeface="Adobe Clean"/>
+                <a:latin typeface="Adobe Clean Han Regular" panose="020B0500000000000000" pitchFamily="34" charset="-128"/>
+                <a:ea typeface="Adobe Clean Han Regular" panose="020B0500000000000000" pitchFamily="34" charset="-128"/>
                 <a:cs typeface="Adobe Clean"/>
               </a:rPr>
-              <a:t>©2020 Adobe. All Rights Reserved. Adobe</a:t>
+              <a:t>©2020 Adobe.All Rights Reserved.Adobe Confidential.</a:t>
             </a:r>
-            <a:r>
-              <a:rPr sz="800" spc="75" dirty="0">
-                <a:solidFill>
-                  <a:srgbClr val="6D6D6D"/>
-                </a:solidFill>
-                <a:latin typeface="Adobe Clean"/>
-                <a:cs typeface="Adobe Clean"/>
-              </a:rPr>
-              <a:t> </a:t>
-            </a:r>
-            <a:r>
-              <a:rPr sz="800" spc="-5" dirty="0">
-                <a:solidFill>
-                  <a:srgbClr val="6D6D6D"/>
-                </a:solidFill>
-                <a:latin typeface="Adobe Clean"/>
-                <a:cs typeface="Adobe Clean"/>
-              </a:rPr>
-              <a:t>Confidential.</a:t>
-            </a:r>
-            <a:endParaRPr sz="800" dirty="0">
-              <a:latin typeface="Adobe Clean"/>
-              <a:cs typeface="Adobe Clean"/>
-            </a:endParaRPr>
           </a:p>
         </p:txBody>
       </p:sp>
@@ -11169,7 +9978,10 @@
           <a:bodyPr wrap="square" lIns="0" tIns="0" rIns="0" bIns="0" rtlCol="0"/>
           <a:lstStyle/>
           <a:p>
-            <a:endParaRPr dirty="0"/>
+            <a:endParaRPr dirty="0">
+              <a:latin typeface="Adobe Clean Han Regular" panose="020B0500000000000000" pitchFamily="34" charset="-128"/>
+              <a:ea typeface="Adobe Clean Han Regular" panose="020B0500000000000000" pitchFamily="34" charset="-128"/>
+            </a:endParaRPr>
           </a:p>
         </p:txBody>
       </p:sp>
@@ -11203,19 +10015,16 @@
               </a:spcBef>
             </a:pPr>
             <a:r>
-              <a:rPr lang="en-US" sz="1400" b="1" spc="-15" dirty="0">
+              <a:rPr lang="ja-JP" sz="1400" b="1">
                 <a:solidFill>
                   <a:srgbClr val="020302"/>
                 </a:solidFill>
-                <a:latin typeface="Adobe Clean"/>
+                <a:latin typeface="Adobe Clean Han Regular" panose="020B0500000000000000" pitchFamily="34" charset="-128"/>
+                <a:ea typeface="Adobe Clean Han Regular" panose="020B0500000000000000" pitchFamily="34" charset="-128"/>
                 <a:cs typeface="Adobe Clean"/>
               </a:rPr>
-              <a:t>Resources</a:t>
+              <a:t>リソース</a:t>
             </a:r>
-            <a:endParaRPr sz="1400" dirty="0">
-              <a:latin typeface="Adobe Clean"/>
-              <a:cs typeface="Adobe Clean"/>
-            </a:endParaRPr>
           </a:p>
         </p:txBody>
       </p:sp>
@@ -11228,7 +10037,7 @@
         <p:spPr>
           <a:xfrm>
             <a:off x="6754821" y="9283729"/>
-            <a:ext cx="930275" cy="662305"/>
+            <a:ext cx="930275" cy="758541"/>
           </a:xfrm>
           <a:prstGeom prst="rect">
             <a:avLst/>
@@ -11249,19 +10058,16 @@
               </a:spcBef>
             </a:pPr>
             <a:r>
-              <a:rPr sz="800" spc="-15" dirty="0">
+              <a:rPr lang="ja-JP" sz="800">
                 <a:solidFill>
                   <a:srgbClr val="777879"/>
                 </a:solidFill>
-                <a:latin typeface="Adobe Clean"/>
+                <a:latin typeface="Adobe Clean Han Regular" panose="020B0500000000000000" pitchFamily="34" charset="-128"/>
+                <a:ea typeface="Adobe Clean Han Regular" panose="020B0500000000000000" pitchFamily="34" charset="-128"/>
                 <a:cs typeface="Adobe Clean"/>
               </a:rPr>
               <a:t>Adobe</a:t>
             </a:r>
-            <a:endParaRPr sz="800" dirty="0">
-              <a:latin typeface="Adobe Clean"/>
-              <a:cs typeface="Adobe Clean"/>
-            </a:endParaRPr>
           </a:p>
           <a:p>
             <a:pPr marL="12700">
@@ -11270,39 +10076,16 @@
               </a:lnSpc>
             </a:pPr>
             <a:r>
-              <a:rPr sz="800" spc="-15" dirty="0">
+              <a:rPr lang="ja-JP" sz="800">
                 <a:solidFill>
                   <a:srgbClr val="777879"/>
                 </a:solidFill>
-                <a:latin typeface="Adobe Clean"/>
+                <a:latin typeface="Adobe Clean Han Regular" panose="020B0500000000000000" pitchFamily="34" charset="-128"/>
+                <a:ea typeface="Adobe Clean Han Regular" panose="020B0500000000000000" pitchFamily="34" charset="-128"/>
                 <a:cs typeface="Adobe Clean"/>
               </a:rPr>
-              <a:t>345 Park</a:t>
+              <a:t>345 Park Avenue</a:t>
             </a:r>
-            <a:r>
-              <a:rPr sz="800" spc="-100" dirty="0">
-                <a:solidFill>
-                  <a:srgbClr val="777879"/>
-                </a:solidFill>
-                <a:latin typeface="Adobe Clean"/>
-                <a:cs typeface="Adobe Clean"/>
-              </a:rPr>
-              <a:t> </a:t>
-            </a:r>
-            <a:r>
-              <a:rPr sz="800" spc="-15" dirty="0">
-                <a:solidFill>
-                  <a:srgbClr val="777879"/>
-                </a:solidFill>
-                <a:latin typeface="Adobe Clean"/>
-                <a:cs typeface="Adobe Clean"/>
-              </a:rPr>
-              <a:t>Avenue</a:t>
-            </a:r>
-            <a:endParaRPr sz="800" dirty="0">
-              <a:latin typeface="Adobe Clean"/>
-              <a:cs typeface="Adobe Clean"/>
-            </a:endParaRPr>
           </a:p>
           <a:p>
             <a:pPr marL="12700">
@@ -11311,49 +10094,16 @@
               </a:lnSpc>
             </a:pPr>
             <a:r>
-              <a:rPr sz="800" spc="-10" dirty="0">
+              <a:rPr lang="ja-JP" sz="800">
                 <a:solidFill>
                   <a:srgbClr val="777879"/>
                 </a:solidFill>
-                <a:latin typeface="Adobe Clean"/>
+                <a:latin typeface="Adobe Clean Han Regular" panose="020B0500000000000000" pitchFamily="34" charset="-128"/>
+                <a:ea typeface="Adobe Clean Han Regular" panose="020B0500000000000000" pitchFamily="34" charset="-128"/>
                 <a:cs typeface="Adobe Clean"/>
               </a:rPr>
-              <a:t>San </a:t>
+              <a:t>San Jose, CA95110-2704</a:t>
             </a:r>
-            <a:r>
-              <a:rPr sz="800" spc="-15" dirty="0">
-                <a:solidFill>
-                  <a:srgbClr val="777879"/>
-                </a:solidFill>
-                <a:latin typeface="Adobe Clean"/>
-                <a:cs typeface="Adobe Clean"/>
-              </a:rPr>
-              <a:t>Jose,</a:t>
-            </a:r>
-            <a:r>
-              <a:rPr sz="800" spc="-140" dirty="0">
-                <a:solidFill>
-                  <a:srgbClr val="777879"/>
-                </a:solidFill>
-                <a:latin typeface="Adobe Clean"/>
-                <a:cs typeface="Adobe Clean"/>
-              </a:rPr>
-              <a:t> </a:t>
-            </a:r>
-            <a:r>
-              <a:rPr sz="800" spc="-20" dirty="0">
-                <a:solidFill>
-                  <a:srgbClr val="777879"/>
-                </a:solidFill>
-                <a:latin typeface="Adobe Clean"/>
-                <a:cs typeface="Adobe Clean"/>
-              </a:rPr>
-              <a:t>CA95110-2704</a:t>
-            </a:r>
-            <a:endParaRPr sz="800" dirty="0">
-              <a:latin typeface="Adobe Clean"/>
-              <a:cs typeface="Adobe Clean"/>
-            </a:endParaRPr>
           </a:p>
           <a:p>
             <a:pPr marL="12700">
@@ -11365,19 +10115,16 @@
               </a:spcBef>
             </a:pPr>
             <a:r>
-              <a:rPr sz="800" spc="-10" dirty="0">
+              <a:rPr lang="ja-JP" sz="800">
                 <a:solidFill>
                   <a:srgbClr val="777879"/>
                 </a:solidFill>
-                <a:latin typeface="Adobe Clean"/>
+                <a:latin typeface="Adobe Clean Han Regular" panose="020B0500000000000000" pitchFamily="34" charset="-128"/>
+                <a:ea typeface="Adobe Clean Han Regular" panose="020B0500000000000000" pitchFamily="34" charset="-128"/>
                 <a:cs typeface="Adobe Clean"/>
               </a:rPr>
               <a:t>USA</a:t>
             </a:r>
-            <a:endParaRPr sz="800" dirty="0">
-              <a:latin typeface="Adobe Clean"/>
-              <a:cs typeface="Adobe Clean"/>
-            </a:endParaRPr>
           </a:p>
           <a:p>
             <a:pPr marL="12700">
@@ -11389,7 +10136,7 @@
               </a:spcBef>
             </a:pPr>
             <a:r>
-              <a:rPr sz="800" u="sng" spc="-25" dirty="0">
+              <a:rPr lang="ja-JP" sz="800" u="sng">
                 <a:solidFill>
                   <a:srgbClr val="5F5F5F"/>
                 </a:solidFill>
@@ -11398,16 +10145,13 @@
                     <a:srgbClr val="0000FF"/>
                   </a:solidFill>
                 </a:uFill>
-                <a:latin typeface="Adobe Clean"/>
+                <a:latin typeface="Adobe Clean Han Regular" panose="020B0500000000000000" pitchFamily="34" charset="-128"/>
+                <a:ea typeface="Adobe Clean Han Regular" panose="020B0500000000000000" pitchFamily="34" charset="-128"/>
                 <a:cs typeface="Adobe Clean"/>
                 <a:hlinkClick r:id="rId3"/>
               </a:rPr>
               <a:t>www.adobe.com</a:t>
             </a:r>
-            <a:endParaRPr sz="800">
-              <a:latin typeface="Adobe Clean"/>
-              <a:cs typeface="Adobe Clean"/>
-            </a:endParaRPr>
           </a:p>
         </p:txBody>
       </p:sp>
@@ -11436,7 +10180,10 @@
           <a:bodyPr wrap="square" lIns="0" tIns="0" rIns="0" bIns="0" rtlCol="0"/>
           <a:lstStyle/>
           <a:p>
-            <a:endParaRPr dirty="0"/>
+            <a:endParaRPr dirty="0">
+              <a:latin typeface="Adobe Clean Han Regular" panose="020B0500000000000000" pitchFamily="34" charset="-128"/>
+              <a:ea typeface="Adobe Clean Han Regular" panose="020B0500000000000000" pitchFamily="34" charset="-128"/>
+            </a:endParaRPr>
           </a:p>
         </p:txBody>
       </p:sp>
@@ -11519,7 +10266,10 @@
           <a:bodyPr wrap="square" lIns="0" tIns="0" rIns="0" bIns="0" rtlCol="0"/>
           <a:lstStyle/>
           <a:p>
-            <a:endParaRPr dirty="0"/>
+            <a:endParaRPr dirty="0">
+              <a:latin typeface="Adobe Clean Han Regular" panose="020B0500000000000000" pitchFamily="34" charset="-128"/>
+              <a:ea typeface="Adobe Clean Han Regular" panose="020B0500000000000000" pitchFamily="34" charset="-128"/>
+            </a:endParaRPr>
           </a:p>
         </p:txBody>
       </p:sp>
@@ -11548,7 +10298,10 @@
           <a:bodyPr wrap="square" lIns="0" tIns="0" rIns="0" bIns="0" rtlCol="0"/>
           <a:lstStyle/>
           <a:p>
-            <a:endParaRPr dirty="0"/>
+            <a:endParaRPr dirty="0">
+              <a:latin typeface="Adobe Clean Han Regular" panose="020B0500000000000000" pitchFamily="34" charset="-128"/>
+              <a:ea typeface="Adobe Clean Han Regular" panose="020B0500000000000000" pitchFamily="34" charset="-128"/>
+            </a:endParaRPr>
           </a:p>
         </p:txBody>
       </p:sp>
@@ -11560,8 +10313,8 @@
         </p:nvSpPr>
         <p:spPr>
           <a:xfrm>
-            <a:off x="75947" y="9437110"/>
-            <a:ext cx="5466715" cy="570865"/>
+            <a:off x="75947" y="9264696"/>
+            <a:ext cx="5029453" cy="717504"/>
           </a:xfrm>
           <a:prstGeom prst="rect">
             <a:avLst/>
@@ -11582,439 +10335,16 @@
               </a:spcBef>
             </a:pPr>
             <a:r>
-              <a:rPr sz="1100" i="1" spc="-10" dirty="0">
+              <a:rPr lang="ja-JP" sz="1100" i="1" dirty="0">
                 <a:solidFill>
                   <a:srgbClr val="777879"/>
                 </a:solidFill>
-                <a:latin typeface="AdobeClean-LightIt"/>
+                <a:latin typeface="Adobe Clean Han Regular" panose="020B0500000000000000" pitchFamily="34" charset="-128"/>
+                <a:ea typeface="Adobe Clean Han Regular" panose="020B0500000000000000" pitchFamily="34" charset="-128"/>
                 <a:cs typeface="AdobeClean-LightIt"/>
               </a:rPr>
-              <a:t>To</a:t>
+              <a:t>アドビサポートのサービスやお客様に最適なレベルについて詳しくは、専任アカウントマネージャー（NAM）またはカスタマーサクセスマネージャー（CSM）にお問い合わせください。</a:t>
             </a:r>
-            <a:r>
-              <a:rPr sz="1100" i="1" spc="-50" dirty="0">
-                <a:solidFill>
-                  <a:srgbClr val="777879"/>
-                </a:solidFill>
-                <a:latin typeface="AdobeClean-LightIt"/>
-                <a:cs typeface="AdobeClean-LightIt"/>
-              </a:rPr>
-              <a:t> </a:t>
-            </a:r>
-            <a:r>
-              <a:rPr sz="1100" i="1" spc="-15" dirty="0">
-                <a:solidFill>
-                  <a:srgbClr val="777879"/>
-                </a:solidFill>
-                <a:latin typeface="AdobeClean-LightIt"/>
-                <a:cs typeface="AdobeClean-LightIt"/>
-              </a:rPr>
-              <a:t>learn</a:t>
-            </a:r>
-            <a:r>
-              <a:rPr sz="1100" i="1" spc="-40" dirty="0">
-                <a:solidFill>
-                  <a:srgbClr val="777879"/>
-                </a:solidFill>
-                <a:latin typeface="AdobeClean-LightIt"/>
-                <a:cs typeface="AdobeClean-LightIt"/>
-              </a:rPr>
-              <a:t> </a:t>
-            </a:r>
-            <a:r>
-              <a:rPr sz="1100" i="1" spc="-15" dirty="0">
-                <a:solidFill>
-                  <a:srgbClr val="777879"/>
-                </a:solidFill>
-                <a:latin typeface="AdobeClean-LightIt"/>
-                <a:cs typeface="AdobeClean-LightIt"/>
-              </a:rPr>
-              <a:t>more</a:t>
-            </a:r>
-            <a:r>
-              <a:rPr sz="1100" i="1" spc="-45" dirty="0">
-                <a:solidFill>
-                  <a:srgbClr val="777879"/>
-                </a:solidFill>
-                <a:latin typeface="AdobeClean-LightIt"/>
-                <a:cs typeface="AdobeClean-LightIt"/>
-              </a:rPr>
-              <a:t> </a:t>
-            </a:r>
-            <a:r>
-              <a:rPr sz="1100" i="1" spc="-15" dirty="0">
-                <a:solidFill>
-                  <a:srgbClr val="777879"/>
-                </a:solidFill>
-                <a:latin typeface="AdobeClean-LightIt"/>
-                <a:cs typeface="AdobeClean-LightIt"/>
-              </a:rPr>
-              <a:t>about</a:t>
-            </a:r>
-            <a:r>
-              <a:rPr sz="1100" i="1" spc="-45" dirty="0">
-                <a:solidFill>
-                  <a:srgbClr val="777879"/>
-                </a:solidFill>
-                <a:latin typeface="AdobeClean-LightIt"/>
-                <a:cs typeface="AdobeClean-LightIt"/>
-              </a:rPr>
-              <a:t> </a:t>
-            </a:r>
-            <a:r>
-              <a:rPr sz="1100" i="1" spc="-15" dirty="0">
-                <a:solidFill>
-                  <a:srgbClr val="777879"/>
-                </a:solidFill>
-                <a:latin typeface="AdobeClean-LightIt"/>
-                <a:cs typeface="AdobeClean-LightIt"/>
-              </a:rPr>
-              <a:t>Adobe</a:t>
-            </a:r>
-            <a:r>
-              <a:rPr sz="1100" i="1" spc="-60" dirty="0">
-                <a:solidFill>
-                  <a:srgbClr val="777879"/>
-                </a:solidFill>
-                <a:latin typeface="AdobeClean-LightIt"/>
-                <a:cs typeface="AdobeClean-LightIt"/>
-              </a:rPr>
-              <a:t> </a:t>
-            </a:r>
-            <a:r>
-              <a:rPr sz="1100" i="1" spc="-15" dirty="0">
-                <a:solidFill>
-                  <a:srgbClr val="777879"/>
-                </a:solidFill>
-                <a:latin typeface="AdobeClean-LightIt"/>
-                <a:cs typeface="AdobeClean-LightIt"/>
-              </a:rPr>
-              <a:t>Support</a:t>
-            </a:r>
-            <a:r>
-              <a:rPr lang="en-US" sz="1100" i="1" spc="-15" dirty="0">
-                <a:solidFill>
-                  <a:srgbClr val="777879"/>
-                </a:solidFill>
-                <a:latin typeface="AdobeClean-LightIt"/>
-                <a:cs typeface="AdobeClean-LightIt"/>
-              </a:rPr>
-              <a:t> Offerings</a:t>
-            </a:r>
-            <a:r>
-              <a:rPr sz="1100" i="1" spc="-75" dirty="0">
-                <a:solidFill>
-                  <a:srgbClr val="777879"/>
-                </a:solidFill>
-                <a:latin typeface="AdobeClean-LightIt"/>
-                <a:cs typeface="AdobeClean-LightIt"/>
-              </a:rPr>
-              <a:t> </a:t>
-            </a:r>
-            <a:r>
-              <a:rPr sz="1100" i="1" spc="-15" dirty="0">
-                <a:solidFill>
-                  <a:srgbClr val="777879"/>
-                </a:solidFill>
-                <a:latin typeface="AdobeClean-LightIt"/>
-                <a:cs typeface="AdobeClean-LightIt"/>
-              </a:rPr>
-              <a:t>and</a:t>
-            </a:r>
-            <a:r>
-              <a:rPr sz="1100" i="1" spc="-50" dirty="0">
-                <a:solidFill>
-                  <a:srgbClr val="777879"/>
-                </a:solidFill>
-                <a:latin typeface="AdobeClean-LightIt"/>
-                <a:cs typeface="AdobeClean-LightIt"/>
-              </a:rPr>
-              <a:t> </a:t>
-            </a:r>
-            <a:r>
-              <a:rPr sz="1100" i="1" spc="-15" dirty="0">
-                <a:solidFill>
-                  <a:srgbClr val="777879"/>
-                </a:solidFill>
-                <a:latin typeface="AdobeClean-LightIt"/>
-                <a:cs typeface="AdobeClean-LightIt"/>
-              </a:rPr>
-              <a:t>the</a:t>
-            </a:r>
-            <a:r>
-              <a:rPr sz="1100" i="1" spc="-55" dirty="0">
-                <a:solidFill>
-                  <a:srgbClr val="777879"/>
-                </a:solidFill>
-                <a:latin typeface="AdobeClean-LightIt"/>
-                <a:cs typeface="AdobeClean-LightIt"/>
-              </a:rPr>
-              <a:t> </a:t>
-            </a:r>
-            <a:r>
-              <a:rPr sz="1100" i="1" spc="-15" dirty="0">
-                <a:solidFill>
-                  <a:srgbClr val="777879"/>
-                </a:solidFill>
-                <a:latin typeface="AdobeClean-LightIt"/>
-                <a:cs typeface="AdobeClean-LightIt"/>
-              </a:rPr>
-              <a:t>right</a:t>
-            </a:r>
-            <a:r>
-              <a:rPr sz="1100" i="1" spc="-95" dirty="0">
-                <a:solidFill>
-                  <a:srgbClr val="777879"/>
-                </a:solidFill>
-                <a:latin typeface="AdobeClean-LightIt"/>
-                <a:cs typeface="AdobeClean-LightIt"/>
-              </a:rPr>
-              <a:t> </a:t>
-            </a:r>
-            <a:r>
-              <a:rPr sz="1100" i="1" spc="-15" dirty="0">
-                <a:solidFill>
-                  <a:srgbClr val="777879"/>
-                </a:solidFill>
-                <a:latin typeface="AdobeClean-LightIt"/>
-                <a:cs typeface="AdobeClean-LightIt"/>
-              </a:rPr>
-              <a:t>level</a:t>
-            </a:r>
-            <a:r>
-              <a:rPr sz="1100" i="1" spc="-55" dirty="0">
-                <a:solidFill>
-                  <a:srgbClr val="777879"/>
-                </a:solidFill>
-                <a:latin typeface="AdobeClean-LightIt"/>
-                <a:cs typeface="AdobeClean-LightIt"/>
-              </a:rPr>
-              <a:t> </a:t>
-            </a:r>
-            <a:r>
-              <a:rPr sz="1100" i="1" spc="-15" dirty="0">
-                <a:solidFill>
-                  <a:srgbClr val="777879"/>
-                </a:solidFill>
-                <a:latin typeface="AdobeClean-LightIt"/>
-                <a:cs typeface="AdobeClean-LightIt"/>
-              </a:rPr>
-              <a:t>for</a:t>
-            </a:r>
-            <a:r>
-              <a:rPr sz="1100" i="1" spc="-85" dirty="0">
-                <a:solidFill>
-                  <a:srgbClr val="777879"/>
-                </a:solidFill>
-                <a:latin typeface="AdobeClean-LightIt"/>
-                <a:cs typeface="AdobeClean-LightIt"/>
-              </a:rPr>
-              <a:t> </a:t>
-            </a:r>
-            <a:r>
-              <a:rPr sz="1100" i="1" spc="-15" dirty="0">
-                <a:solidFill>
-                  <a:srgbClr val="777879"/>
-                </a:solidFill>
-                <a:latin typeface="AdobeClean-LightIt"/>
-                <a:cs typeface="AdobeClean-LightIt"/>
-              </a:rPr>
-              <a:t>you,</a:t>
-            </a:r>
-            <a:r>
-              <a:rPr sz="1100" i="1" spc="-65" dirty="0">
-                <a:solidFill>
-                  <a:srgbClr val="777879"/>
-                </a:solidFill>
-                <a:latin typeface="AdobeClean-LightIt"/>
-                <a:cs typeface="AdobeClean-LightIt"/>
-              </a:rPr>
-              <a:t> </a:t>
-            </a:r>
-            <a:r>
-              <a:rPr sz="1100" i="1" spc="-15" dirty="0">
-                <a:solidFill>
-                  <a:srgbClr val="777879"/>
-                </a:solidFill>
-                <a:latin typeface="AdobeClean-LightIt"/>
-                <a:cs typeface="AdobeClean-LightIt"/>
-              </a:rPr>
-              <a:t>contact</a:t>
-            </a:r>
-            <a:r>
-              <a:rPr sz="1100" i="1" spc="-85" dirty="0">
-                <a:solidFill>
-                  <a:srgbClr val="777879"/>
-                </a:solidFill>
-                <a:latin typeface="AdobeClean-LightIt"/>
-                <a:cs typeface="AdobeClean-LightIt"/>
-              </a:rPr>
-              <a:t> </a:t>
-            </a:r>
-            <a:r>
-              <a:rPr sz="1100" i="1" spc="-15" dirty="0">
-                <a:solidFill>
-                  <a:srgbClr val="777879"/>
-                </a:solidFill>
-                <a:latin typeface="AdobeClean-LightIt"/>
-                <a:cs typeface="AdobeClean-LightIt"/>
-              </a:rPr>
-              <a:t>your</a:t>
-            </a:r>
-            <a:r>
-              <a:rPr sz="1100" i="1" spc="-70" dirty="0">
-                <a:solidFill>
-                  <a:srgbClr val="777879"/>
-                </a:solidFill>
-                <a:latin typeface="AdobeClean-LightIt"/>
-                <a:cs typeface="AdobeClean-LightIt"/>
-              </a:rPr>
-              <a:t> </a:t>
-            </a:r>
-            <a:r>
-              <a:rPr sz="1100" i="1" spc="-15" dirty="0">
-                <a:solidFill>
-                  <a:srgbClr val="777879"/>
-                </a:solidFill>
-                <a:latin typeface="AdobeClean-LightIt"/>
-                <a:cs typeface="AdobeClean-LightIt"/>
-              </a:rPr>
-              <a:t>Named</a:t>
-            </a:r>
-            <a:r>
-              <a:rPr sz="1100" i="1" spc="-55" dirty="0">
-                <a:solidFill>
-                  <a:srgbClr val="777879"/>
-                </a:solidFill>
-                <a:latin typeface="AdobeClean-LightIt"/>
-                <a:cs typeface="AdobeClean-LightIt"/>
-              </a:rPr>
-              <a:t> </a:t>
-            </a:r>
-            <a:r>
-              <a:rPr sz="1100" i="1" spc="-25" dirty="0">
-                <a:solidFill>
-                  <a:srgbClr val="777879"/>
-                </a:solidFill>
-                <a:latin typeface="AdobeClean-LightIt"/>
-                <a:cs typeface="AdobeClean-LightIt"/>
-              </a:rPr>
-              <a:t>Account</a:t>
-            </a:r>
-            <a:r>
-              <a:rPr sz="1100" i="1" spc="-120" dirty="0">
-                <a:solidFill>
-                  <a:srgbClr val="777879"/>
-                </a:solidFill>
-                <a:latin typeface="AdobeClean-LightIt"/>
-                <a:cs typeface="AdobeClean-LightIt"/>
-              </a:rPr>
-              <a:t> </a:t>
-            </a:r>
-            <a:r>
-              <a:rPr sz="1100" i="1" spc="-20" dirty="0">
-                <a:solidFill>
-                  <a:srgbClr val="777879"/>
-                </a:solidFill>
-                <a:latin typeface="AdobeClean-LightIt"/>
-                <a:cs typeface="AdobeClean-LightIt"/>
-              </a:rPr>
-              <a:t>Manager </a:t>
-            </a:r>
-            <a:r>
-              <a:rPr sz="1100" i="1" spc="-15" dirty="0">
-                <a:solidFill>
-                  <a:srgbClr val="777879"/>
-                </a:solidFill>
-                <a:latin typeface="AdobeClean-LightIt"/>
-                <a:cs typeface="AdobeClean-LightIt"/>
-              </a:rPr>
-              <a:t>(NAM) </a:t>
-            </a:r>
-            <a:r>
-              <a:rPr sz="1100" i="1" spc="-10" dirty="0">
-                <a:solidFill>
-                  <a:srgbClr val="777879"/>
-                </a:solidFill>
-                <a:latin typeface="AdobeClean-LightIt"/>
-                <a:cs typeface="AdobeClean-LightIt"/>
-              </a:rPr>
-              <a:t>or </a:t>
-            </a:r>
-            <a:r>
-              <a:rPr sz="1100" i="1" spc="-15" dirty="0">
-                <a:solidFill>
-                  <a:srgbClr val="777879"/>
-                </a:solidFill>
-                <a:latin typeface="AdobeClean-LightIt"/>
-                <a:cs typeface="AdobeClean-LightIt"/>
-              </a:rPr>
-              <a:t>Customer </a:t>
-            </a:r>
-            <a:r>
-              <a:rPr sz="1100" i="1" spc="-20" dirty="0">
-                <a:solidFill>
-                  <a:srgbClr val="777879"/>
-                </a:solidFill>
-                <a:latin typeface="AdobeClean-LightIt"/>
-                <a:cs typeface="AdobeClean-LightIt"/>
-              </a:rPr>
-              <a:t>Success</a:t>
-            </a:r>
-            <a:r>
-              <a:rPr sz="1100" i="1" spc="-180" dirty="0">
-                <a:solidFill>
-                  <a:srgbClr val="777879"/>
-                </a:solidFill>
-                <a:latin typeface="AdobeClean-LightIt"/>
-                <a:cs typeface="AdobeClean-LightIt"/>
-              </a:rPr>
-              <a:t> </a:t>
-            </a:r>
-            <a:r>
-              <a:rPr sz="1100" i="1" spc="-15" dirty="0">
-                <a:solidFill>
-                  <a:srgbClr val="777879"/>
-                </a:solidFill>
-                <a:latin typeface="AdobeClean-LightIt"/>
-                <a:cs typeface="AdobeClean-LightIt"/>
-              </a:rPr>
-              <a:t>Manager</a:t>
-            </a:r>
-            <a:r>
-              <a:rPr lang="en-US" sz="1100" i="1" spc="-15" dirty="0">
-                <a:solidFill>
-                  <a:srgbClr val="777879"/>
-                </a:solidFill>
-                <a:latin typeface="AdobeClean-LightIt"/>
-                <a:cs typeface="AdobeClean-LightIt"/>
-              </a:rPr>
-              <a:t> </a:t>
-            </a:r>
-            <a:r>
-              <a:rPr sz="1100" i="1" spc="-15" dirty="0">
-                <a:solidFill>
-                  <a:srgbClr val="777879"/>
-                </a:solidFill>
-                <a:latin typeface="AdobeClean-LightIt"/>
-                <a:cs typeface="AdobeClean-LightIt"/>
-              </a:rPr>
-              <a:t>(CSM)</a:t>
-            </a:r>
-            <a:r>
-              <a:rPr lang="en-US" sz="1100" i="1" spc="-15" dirty="0">
-                <a:solidFill>
-                  <a:srgbClr val="777879"/>
-                </a:solidFill>
-                <a:latin typeface="AdobeClean-LightIt"/>
-                <a:cs typeface="AdobeClean-LightIt"/>
-              </a:rPr>
-              <a:t>.</a:t>
-            </a:r>
-            <a:endParaRPr sz="1100" dirty="0">
-              <a:latin typeface="AdobeClean-LightIt"/>
-              <a:cs typeface="AdobeClean-LightIt"/>
-            </a:endParaRPr>
           </a:p>
           <a:p>
             <a:pPr marL="34290">
@@ -12026,59 +10356,16 @@
               </a:spcBef>
             </a:pPr>
             <a:r>
-              <a:rPr sz="800" spc="-5" dirty="0">
+              <a:rPr lang="ja-JP" sz="800" dirty="0">
                 <a:solidFill>
                   <a:srgbClr val="6D6D6D"/>
                 </a:solidFill>
-                <a:latin typeface="Adobe Clean"/>
+                <a:latin typeface="Adobe Clean Han Regular" panose="020B0500000000000000" pitchFamily="34" charset="-128"/>
+                <a:ea typeface="Adobe Clean Han Regular" panose="020B0500000000000000" pitchFamily="34" charset="-128"/>
                 <a:cs typeface="Adobe Clean"/>
               </a:rPr>
-              <a:t>©202</a:t>
+              <a:t>©2022 Adobe.All Rights Reserved.Adobe Confidential.</a:t>
             </a:r>
-            <a:r>
-              <a:rPr lang="en-US" sz="800" spc="-5" dirty="0">
-                <a:solidFill>
-                  <a:srgbClr val="6D6D6D"/>
-                </a:solidFill>
-                <a:latin typeface="Adobe Clean"/>
-                <a:cs typeface="Adobe Clean"/>
-              </a:rPr>
-              <a:t>2 </a:t>
-            </a:r>
-            <a:r>
-              <a:rPr sz="800" spc="-5" dirty="0">
-                <a:solidFill>
-                  <a:srgbClr val="6D6D6D"/>
-                </a:solidFill>
-                <a:latin typeface="Adobe Clean"/>
-                <a:cs typeface="Adobe Clean"/>
-              </a:rPr>
-              <a:t>Adobe. All Rights Reserved. Adobe</a:t>
-            </a:r>
-            <a:r>
-              <a:rPr sz="800" spc="75" dirty="0">
-                <a:solidFill>
-                  <a:srgbClr val="6D6D6D"/>
-                </a:solidFill>
-                <a:latin typeface="Adobe Clean"/>
-                <a:cs typeface="Adobe Clean"/>
-              </a:rPr>
-              <a:t> </a:t>
-            </a:r>
-            <a:r>
-              <a:rPr sz="800" spc="-5" dirty="0">
-                <a:solidFill>
-                  <a:srgbClr val="6D6D6D"/>
-                </a:solidFill>
-                <a:latin typeface="Adobe Clean"/>
-                <a:cs typeface="Adobe Clean"/>
-              </a:rPr>
-              <a:t>Confidential.</a:t>
-            </a:r>
-            <a:endParaRPr sz="800" dirty="0">
-              <a:latin typeface="Adobe Clean"/>
-              <a:cs typeface="Adobe Clean"/>
-            </a:endParaRPr>
           </a:p>
         </p:txBody>
       </p:sp>
@@ -12115,14 +10402,15 @@
               </a:spcBef>
             </a:pPr>
             <a:r>
-              <a:rPr lang="en-US" sz="1400" b="1" spc="-15" dirty="0">
+              <a:rPr lang="ja-JP" sz="1400" b="1" dirty="0">
                 <a:solidFill>
                   <a:srgbClr val="020302"/>
                 </a:solidFill>
-                <a:latin typeface="Adobe Clean"/>
+                <a:latin typeface="Adobe Clean Han Regular" panose="020B0500000000000000" pitchFamily="34" charset="-128"/>
+                <a:ea typeface="Adobe Clean Han Regular" panose="020B0500000000000000" pitchFamily="34" charset="-128"/>
                 <a:cs typeface="Adobe Clean"/>
               </a:rPr>
-              <a:t>Core Regional Hours Of Operation And Language Support</a:t>
+              <a:t>主要地域の営業時間と言語サポート</a:t>
             </a:r>
           </a:p>
           <a:p>
@@ -12132,13 +10420,14 @@
               </a:spcBef>
             </a:pPr>
             <a:r>
-              <a:rPr lang="en-US" sz="1000" spc="-15" dirty="0">
+              <a:rPr lang="ja-JP" sz="1000" dirty="0">
                 <a:solidFill>
                   <a:srgbClr val="1F1F1F"/>
                 </a:solidFill>
-                <a:latin typeface="AdobeClean-Light"/>
+                <a:latin typeface="Adobe Clean Han Light" panose="020B0300000000000000" pitchFamily="34" charset="-128"/>
+                <a:ea typeface="Adobe Clean Han Light" panose="020B0300000000000000" pitchFamily="34" charset="-128"/>
               </a:rPr>
-              <a:t>Adobe’s local business hours align to the customer’s billing region.</a:t>
+              <a:t>アドビの現地営業時間は、お客様の請求先の地域に準じます。</a:t>
             </a:r>
           </a:p>
         </p:txBody>
@@ -12158,7 +10447,7 @@
           <p:nvPr>
             <p:extLst>
               <p:ext uri="{D42A27DB-BD31-4B8C-83A1-F6EECF244321}">
-                <p14:modId xmlns:p14="http://schemas.microsoft.com/office/powerpoint/2010/main" val="3057365317"/>
+                <p14:modId xmlns:p14="http://schemas.microsoft.com/office/powerpoint/2010/main" val="2431686798"/>
               </p:ext>
             </p:extLst>
           </p:nvPr>
@@ -12211,20 +10500,22 @@
                     <a:p>
                       <a:pPr algn="ctr"/>
                       <a:r>
-                        <a:rPr lang="en-US" sz="1100" dirty="0">
+                        <a:rPr lang="ja-JP" sz="1100" dirty="0">
                           <a:solidFill>
                             <a:schemeClr val="tx1"/>
                           </a:solidFill>
-                          <a:latin typeface="Adobe Clean" panose="020B0503020404020204" pitchFamily="34" charset="0"/>
+                          <a:latin typeface="Adobe Clean Han Regular" panose="020B0500000000000000" pitchFamily="34" charset="-128"/>
+                          <a:ea typeface="Adobe Clean Han Regular" panose="020B0500000000000000" pitchFamily="34" charset="-128"/>
                         </a:rPr>
-                        <a:t>Americas </a:t>
+                        <a:t>アメリカ</a:t>
                       </a:r>
                       <a:r>
-                        <a:rPr lang="en-US" sz="1100" baseline="30000" dirty="0">
+                        <a:rPr lang="ja-JP" sz="1100" baseline="30000" dirty="0">
                           <a:solidFill>
                             <a:schemeClr val="tx1"/>
                           </a:solidFill>
-                          <a:latin typeface="Adobe Clean" panose="020B0503020404020204" pitchFamily="34" charset="0"/>
+                          <a:latin typeface="Adobe Clean Han Regular" panose="020B0500000000000000" pitchFamily="34" charset="-128"/>
+                          <a:ea typeface="Adobe Clean Han Regular" panose="020B0500000000000000" pitchFamily="34" charset="-128"/>
                         </a:rPr>
                         <a:t>1</a:t>
                       </a:r>
@@ -12285,13 +10576,33 @@
                     <a:p>
                       <a:pPr algn="ctr"/>
                       <a:r>
-                        <a:rPr lang="en-US" sz="1100" dirty="0">
+                        <a:rPr lang="ja-JP" sz="1100" dirty="0">
                           <a:solidFill>
                             <a:schemeClr val="tx1"/>
                           </a:solidFill>
-                          <a:latin typeface="Adobe Clean" panose="020B0503020404020204" pitchFamily="34" charset="0"/>
+                          <a:latin typeface="Adobe Clean Han Regular" panose="020B0500000000000000" pitchFamily="34" charset="-128"/>
+                          <a:ea typeface="Adobe Clean Han Regular" panose="020B0500000000000000" pitchFamily="34" charset="-128"/>
                         </a:rPr>
-                        <a:t>Europe, Middle East &amp; Africa</a:t>
+                        <a:t>ヨーロッパ、中東、</a:t>
+                      </a:r>
+                      <a:br>
+                        <a:rPr lang="en-US" altLang="ja-JP" sz="1100" dirty="0">
+                          <a:solidFill>
+                            <a:schemeClr val="tx1"/>
+                          </a:solidFill>
+                          <a:latin typeface="Adobe Clean Han Regular" panose="020B0500000000000000" pitchFamily="34" charset="-128"/>
+                          <a:ea typeface="Adobe Clean Han Regular" panose="020B0500000000000000" pitchFamily="34" charset="-128"/>
+                        </a:rPr>
+                      </a:br>
+                      <a:r>
+                        <a:rPr lang="ja-JP" sz="1100" dirty="0">
+                          <a:solidFill>
+                            <a:schemeClr val="tx1"/>
+                          </a:solidFill>
+                          <a:latin typeface="Adobe Clean Han Regular" panose="020B0500000000000000" pitchFamily="34" charset="-128"/>
+                          <a:ea typeface="Adobe Clean Han Regular" panose="020B0500000000000000" pitchFamily="34" charset="-128"/>
+                        </a:rPr>
+                        <a:t>アフリカ</a:t>
                       </a:r>
                     </a:p>
                   </a:txBody>
@@ -12350,13 +10661,14 @@
                     <a:p>
                       <a:pPr algn="ctr"/>
                       <a:r>
-                        <a:rPr lang="en-US" sz="1100" dirty="0">
+                        <a:rPr lang="ja-JP" sz="1100">
                           <a:solidFill>
                             <a:schemeClr val="tx1"/>
                           </a:solidFill>
-                          <a:latin typeface="Adobe Clean" panose="020B0503020404020204" pitchFamily="34" charset="0"/>
+                          <a:latin typeface="Adobe Clean Han Regular" panose="020B0500000000000000" pitchFamily="34" charset="-128"/>
+                          <a:ea typeface="Adobe Clean Han Regular" panose="020B0500000000000000" pitchFamily="34" charset="-128"/>
                         </a:rPr>
-                        <a:t>Asia Pacific</a:t>
+                        <a:t>アジア太平洋</a:t>
                       </a:r>
                     </a:p>
                   </a:txBody>
@@ -12415,13 +10727,14 @@
                     <a:p>
                       <a:pPr algn="ctr"/>
                       <a:r>
-                        <a:rPr lang="en-US" sz="1100" dirty="0">
+                        <a:rPr lang="ja-JP" sz="1100">
                           <a:solidFill>
                             <a:schemeClr val="tx1"/>
                           </a:solidFill>
-                          <a:latin typeface="Adobe Clean" panose="020B0503020404020204" pitchFamily="34" charset="0"/>
+                          <a:latin typeface="Adobe Clean Han Regular" panose="020B0500000000000000" pitchFamily="34" charset="-128"/>
+                          <a:ea typeface="Adobe Clean Han Regular" panose="020B0500000000000000" pitchFamily="34" charset="-128"/>
                         </a:rPr>
-                        <a:t>Japan </a:t>
+                        <a:t>日本 </a:t>
                       </a:r>
                     </a:p>
                   </a:txBody>
@@ -12487,13 +10800,14 @@
                     <a:p>
                       <a:pPr algn="ctr"/>
                       <a:r>
-                        <a:rPr lang="en-US" sz="1100" dirty="0">
+                        <a:rPr lang="ja-JP" sz="1100">
                           <a:solidFill>
                             <a:schemeClr val="tx1"/>
                           </a:solidFill>
-                          <a:latin typeface="Adobe Clean" panose="020B0503020404020204" pitchFamily="34" charset="0"/>
+                          <a:latin typeface="Adobe Clean Han Regular" panose="020B0500000000000000" pitchFamily="34" charset="-128"/>
+                          <a:ea typeface="Adobe Clean Han Regular" panose="020B0500000000000000" pitchFamily="34" charset="-128"/>
                         </a:rPr>
-                        <a:t>24x7</a:t>
+                        <a:t>24 時間年中無休</a:t>
                       </a:r>
                     </a:p>
                   </a:txBody>
@@ -12552,13 +10866,14 @@
                     <a:p>
                       <a:pPr algn="ctr"/>
                       <a:r>
-                        <a:rPr lang="en-US" sz="1100" dirty="0">
+                        <a:rPr lang="ja-JP" sz="1100" dirty="0">
                           <a:solidFill>
                             <a:schemeClr val="tx1"/>
                           </a:solidFill>
-                          <a:latin typeface="Adobe Clean" panose="020B0503020404020204" pitchFamily="34" charset="0"/>
+                          <a:latin typeface="Adobe Clean Han Regular" panose="020B0500000000000000" pitchFamily="34" charset="-128"/>
+                          <a:ea typeface="Adobe Clean Han Regular" panose="020B0500000000000000" pitchFamily="34" charset="-128"/>
                         </a:rPr>
-                        <a:t>9 am – 5 pm</a:t>
+                        <a:t>午前 9:00 ～午後 5:00</a:t>
                       </a:r>
                     </a:p>
                   </a:txBody>
@@ -12617,13 +10932,14 @@
                     <a:p>
                       <a:pPr algn="ctr"/>
                       <a:r>
-                        <a:rPr lang="en-US" sz="1100" dirty="0">
+                        <a:rPr lang="ja-JP" sz="1100">
                           <a:solidFill>
                             <a:schemeClr val="tx1"/>
                           </a:solidFill>
-                          <a:latin typeface="Adobe Clean" panose="020B0503020404020204" pitchFamily="34" charset="0"/>
+                          <a:latin typeface="Adobe Clean Han Regular" panose="020B0500000000000000" pitchFamily="34" charset="-128"/>
+                          <a:ea typeface="Adobe Clean Han Regular" panose="020B0500000000000000" pitchFamily="34" charset="-128"/>
                         </a:rPr>
-                        <a:t>9 am – 5 pm</a:t>
+                        <a:t>午前 9:00 ～午後 5:00</a:t>
                       </a:r>
                     </a:p>
                   </a:txBody>
@@ -12682,13 +10998,14 @@
                     <a:p>
                       <a:pPr algn="ctr"/>
                       <a:r>
-                        <a:rPr lang="en-US" sz="1100" dirty="0">
+                        <a:rPr lang="ja-JP" sz="1100">
                           <a:solidFill>
                             <a:schemeClr val="tx1"/>
                           </a:solidFill>
-                          <a:latin typeface="Adobe Clean" panose="020B0503020404020204" pitchFamily="34" charset="0"/>
+                          <a:latin typeface="Adobe Clean Han Regular" panose="020B0500000000000000" pitchFamily="34" charset="-128"/>
+                          <a:ea typeface="Adobe Clean Han Regular" panose="020B0500000000000000" pitchFamily="34" charset="-128"/>
                         </a:rPr>
-                        <a:t>9 am – 5:30 pm</a:t>
+                        <a:t>午前 9:00 ～午後 5:30</a:t>
                       </a:r>
                     </a:p>
                   </a:txBody>
@@ -12752,7 +11069,7 @@
                     <a:bodyPr/>
                     <a:lstStyle/>
                     <a:p>
-                      <a:pPr marL="0" marR="0" lvl="0" indent="0" algn="ctr" defTabSz="914400" eaLnBrk="1" fontAlgn="auto" latinLnBrk="0" hangingPunct="1">
+                      <a:pPr marL="0" marR="0" lvl="0" indent="0" algn="l" defTabSz="914400" rtl="0" eaLnBrk="1" fontAlgn="auto" latinLnBrk="0" hangingPunct="1">
                         <a:lnSpc>
                           <a:spcPct val="100000"/>
                         </a:lnSpc>
@@ -12773,7 +11090,8 @@
                         <a:solidFill>
                           <a:schemeClr val="tx1"/>
                         </a:solidFill>
-                        <a:latin typeface="Adobe Clean" panose="020B0503020404020204" pitchFamily="34" charset="0"/>
+                        <a:latin typeface="Adobe Clean Han Regular" panose="020B0500000000000000" pitchFamily="34" charset="-128"/>
+                        <a:ea typeface="Adobe Clean Han Regular" panose="020B0500000000000000" pitchFamily="34" charset="-128"/>
                       </a:endParaRPr>
                     </a:p>
                     <a:p>
@@ -12795,45 +11113,34 @@
                         <a:defRPr/>
                       </a:pPr>
                       <a:r>
-                        <a:rPr lang="en-US" sz="1100" baseline="30000" dirty="0">
+                        <a:rPr lang="ja-JP" sz="1100" baseline="30000" dirty="0">
                           <a:solidFill>
                             <a:schemeClr val="tx1"/>
                           </a:solidFill>
-                          <a:latin typeface="Adobe Clean" panose="020B0503020404020204" pitchFamily="34" charset="0"/>
+                          <a:latin typeface="Adobe Clean Han Regular" panose="020B0500000000000000" pitchFamily="34" charset="-128"/>
+                          <a:ea typeface="Adobe Clean Han Regular" panose="020B0500000000000000" pitchFamily="34" charset="-128"/>
                         </a:rPr>
                         <a:t>1</a:t>
                       </a:r>
                       <a:r>
-                        <a:rPr lang="en-US" sz="1100" dirty="0">
+                        <a:rPr lang="ja-JP" sz="1100" dirty="0">
                           <a:solidFill>
                             <a:schemeClr val="tx1"/>
                           </a:solidFill>
-                          <a:latin typeface="Adobe Clean" panose="020B0503020404020204" pitchFamily="34" charset="0"/>
+                          <a:latin typeface="Adobe Clean Han Regular" panose="020B0500000000000000" pitchFamily="34" charset="-128"/>
+                          <a:ea typeface="Adobe Clean Han Regular" panose="020B0500000000000000" pitchFamily="34" charset="-128"/>
                         </a:rPr>
-                        <a:t>Americas Language support available in English only.</a:t>
+                        <a:t>アメリカでのサポートで対応している言語は、英語のみです。</a:t>
                       </a:r>
-                      <a:endParaRPr kumimoji="0" lang="en-US" sz="1100" b="1" i="0" u="none" strike="noStrike" kern="0" cap="none" spc="0" normalizeH="0" baseline="30000" noProof="0" dirty="0">
-                        <a:ln>
-                          <a:noFill/>
-                        </a:ln>
-                        <a:solidFill>
-                          <a:prstClr val="black"/>
-                        </a:solidFill>
-                        <a:effectLst/>
-                        <a:uLnTx/>
-                        <a:uFillTx/>
-                        <a:latin typeface="Adobe Clean" panose="020B0503020404020204" pitchFamily="34" charset="0"/>
-                        <a:ea typeface="+mn-ea"/>
-                        <a:cs typeface="+mn-cs"/>
-                      </a:endParaRPr>
-                    </a:p>
-                    <a:p>
-                      <a:pPr algn="ctr"/>
+                    </a:p>
+                    <a:p>
+                      <a:pPr algn="l" rtl="0"/>
                       <a:endParaRPr lang="en-US" sz="1100" b="1" i="0" dirty="0">
                         <a:solidFill>
                           <a:schemeClr val="tx1"/>
                         </a:solidFill>
-                        <a:latin typeface="Adobe Clean" panose="020B0503020404020204" pitchFamily="34" charset="0"/>
+                        <a:latin typeface="Adobe Clean Han Regular" panose="020B0500000000000000" pitchFamily="34" charset="-128"/>
+                        <a:ea typeface="Adobe Clean Han Regular" panose="020B0500000000000000" pitchFamily="34" charset="-128"/>
                       </a:endParaRPr>
                     </a:p>
                   </a:txBody>
@@ -13130,7 +11437,10 @@
           <a:bodyPr wrap="square" lIns="0" tIns="0" rIns="0" bIns="0" rtlCol="0"/>
           <a:lstStyle/>
           <a:p>
-            <a:endParaRPr dirty="0"/>
+            <a:endParaRPr dirty="0">
+              <a:latin typeface="Adobe Clean Han Regular" panose="020B0500000000000000" pitchFamily="34" charset="-128"/>
+              <a:ea typeface="Adobe Clean Han Regular" panose="020B0500000000000000" pitchFamily="34" charset="-128"/>
+            </a:endParaRPr>
           </a:p>
         </p:txBody>
       </p:sp>
@@ -13176,8 +11486,57 @@
         </p:nvSpPr>
         <p:spPr>
           <a:xfrm>
-            <a:off x="2840871" y="8528519"/>
-            <a:ext cx="810895" cy="385445"/>
+            <a:off x="2590800" y="8528519"/>
+            <a:ext cx="1272611" cy="203261"/>
+          </a:xfrm>
+          <a:prstGeom prst="rect">
+            <a:avLst/>
+          </a:prstGeom>
+        </p:spPr>
+        <p:txBody>
+          <a:bodyPr vert="horz" wrap="square" lIns="0" tIns="23495" rIns="0" bIns="0" rtlCol="0">
+            <a:spAutoFit/>
+          </a:bodyPr>
+          <a:lstStyle/>
+          <a:p>
+            <a:pPr marL="139065" marR="5080" indent="-139065" algn="ctr">
+              <a:lnSpc>
+                <a:spcPts val="1390"/>
+              </a:lnSpc>
+              <a:spcBef>
+                <a:spcPts val="185"/>
+              </a:spcBef>
+            </a:pPr>
+            <a:r>
+              <a:rPr lang="ja-JP" sz="1200" b="1" dirty="0">
+                <a:solidFill>
+                  <a:srgbClr val="FFFFFF"/>
+                </a:solidFill>
+                <a:latin typeface="Adobe Clean Han Regular" panose="020B0500000000000000" pitchFamily="34" charset="-128"/>
+                <a:ea typeface="Adobe Clean Han Regular" panose="020B0500000000000000" pitchFamily="34" charset="-128"/>
+                <a:cs typeface="Adobe Clean"/>
+              </a:rPr>
+              <a:t>卓越した専門知識</a:t>
+            </a:r>
+          </a:p>
+        </p:txBody>
+      </p:sp>
+      <p:sp>
+        <p:nvSpPr>
+          <p:cNvPr id="85" name="object 64">
+            <a:extLst>
+              <a:ext uri="{FF2B5EF4-FFF2-40B4-BE49-F238E27FC236}">
+                <a16:creationId xmlns:a16="http://schemas.microsoft.com/office/drawing/2014/main" id="{3921F04C-B61B-A948-947F-C33BBFF39A32}"/>
+              </a:ext>
+            </a:extLst>
+          </p:cNvPr>
+          <p:cNvSpPr txBox="1"/>
+          <p:nvPr/>
+        </p:nvSpPr>
+        <p:spPr>
+          <a:xfrm>
+            <a:off x="4495800" y="8541244"/>
+            <a:ext cx="1253883" cy="203261"/>
           </a:xfrm>
           <a:prstGeom prst="rect">
             <a:avLst/>
@@ -13198,181 +11557,16 @@
               </a:spcBef>
             </a:pPr>
             <a:r>
-              <a:rPr sz="1200" b="1" spc="-15" dirty="0">
+              <a:rPr lang="ja-JP" sz="1200" b="1" dirty="0">
                 <a:solidFill>
                   <a:srgbClr val="FFFFFF"/>
                 </a:solidFill>
-                <a:latin typeface="Adobe Clean"/>
+                <a:latin typeface="Adobe Clean Han Regular" panose="020B0500000000000000" pitchFamily="34" charset="-128"/>
+                <a:ea typeface="Adobe Clean Han Regular" panose="020B0500000000000000" pitchFamily="34" charset="-128"/>
                 <a:cs typeface="Adobe Clean"/>
               </a:rPr>
-              <a:t>U</a:t>
+              <a:t>迅速なサポート</a:t>
             </a:r>
-            <a:r>
-              <a:rPr sz="1200" b="1" spc="-20" dirty="0">
-                <a:solidFill>
-                  <a:srgbClr val="FFFFFF"/>
-                </a:solidFill>
-                <a:latin typeface="Adobe Clean"/>
-                <a:cs typeface="Adobe Clean"/>
-              </a:rPr>
-              <a:t>n</a:t>
-            </a:r>
-            <a:r>
-              <a:rPr sz="1200" b="1" spc="-25" dirty="0">
-                <a:solidFill>
-                  <a:srgbClr val="FFFFFF"/>
-                </a:solidFill>
-                <a:latin typeface="Adobe Clean"/>
-                <a:cs typeface="Adobe Clean"/>
-              </a:rPr>
-              <a:t>p</a:t>
-            </a:r>
-            <a:r>
-              <a:rPr sz="1200" b="1" spc="-15" dirty="0">
-                <a:solidFill>
-                  <a:srgbClr val="FFFFFF"/>
-                </a:solidFill>
-                <a:latin typeface="Adobe Clean"/>
-                <a:cs typeface="Adobe Clean"/>
-              </a:rPr>
-              <a:t>a</a:t>
-            </a:r>
-            <a:r>
-              <a:rPr sz="1200" b="1" spc="-25" dirty="0">
-                <a:solidFill>
-                  <a:srgbClr val="FFFFFF"/>
-                </a:solidFill>
-                <a:latin typeface="Adobe Clean"/>
-                <a:cs typeface="Adobe Clean"/>
-              </a:rPr>
-              <a:t>r</a:t>
-            </a:r>
-            <a:r>
-              <a:rPr sz="1200" b="1" spc="-15" dirty="0">
-                <a:solidFill>
-                  <a:srgbClr val="FFFFFF"/>
-                </a:solidFill>
-                <a:latin typeface="Adobe Clean"/>
-                <a:cs typeface="Adobe Clean"/>
-              </a:rPr>
-              <a:t>a</a:t>
-            </a:r>
-            <a:r>
-              <a:rPr sz="1200" b="1" spc="-30" dirty="0">
-                <a:solidFill>
-                  <a:srgbClr val="FFFFFF"/>
-                </a:solidFill>
-                <a:latin typeface="Adobe Clean"/>
-                <a:cs typeface="Adobe Clean"/>
-              </a:rPr>
-              <a:t>ll</a:t>
-            </a:r>
-            <a:r>
-              <a:rPr sz="1200" b="1" spc="-25" dirty="0">
-                <a:solidFill>
-                  <a:srgbClr val="FFFFFF"/>
-                </a:solidFill>
-                <a:latin typeface="Adobe Clean"/>
-                <a:cs typeface="Adobe Clean"/>
-              </a:rPr>
-              <a:t>e</a:t>
-            </a:r>
-            <a:r>
-              <a:rPr sz="1200" b="1" spc="-30" dirty="0">
-                <a:solidFill>
-                  <a:srgbClr val="FFFFFF"/>
-                </a:solidFill>
-                <a:latin typeface="Adobe Clean"/>
-                <a:cs typeface="Adobe Clean"/>
-              </a:rPr>
-              <a:t>l</a:t>
-            </a:r>
-            <a:r>
-              <a:rPr sz="1200" b="1" spc="-25" dirty="0">
-                <a:solidFill>
-                  <a:srgbClr val="FFFFFF"/>
-                </a:solidFill>
-                <a:latin typeface="Adobe Clean"/>
-                <a:cs typeface="Adobe Clean"/>
-              </a:rPr>
-              <a:t>e</a:t>
-            </a:r>
-            <a:r>
-              <a:rPr sz="1200" b="1" dirty="0">
-                <a:solidFill>
-                  <a:srgbClr val="FFFFFF"/>
-                </a:solidFill>
-                <a:latin typeface="Adobe Clean"/>
-                <a:cs typeface="Adobe Clean"/>
-              </a:rPr>
-              <a:t>d  </a:t>
-            </a:r>
-            <a:r>
-              <a:rPr sz="1200" b="1" spc="-25" dirty="0">
-                <a:solidFill>
-                  <a:srgbClr val="FFFFFF"/>
-                </a:solidFill>
-                <a:latin typeface="Adobe Clean"/>
-                <a:cs typeface="Adobe Clean"/>
-              </a:rPr>
-              <a:t>Expertise</a:t>
-            </a:r>
-            <a:endParaRPr sz="1200" dirty="0">
-              <a:latin typeface="Adobe Clean"/>
-              <a:cs typeface="Adobe Clean"/>
-            </a:endParaRPr>
-          </a:p>
-        </p:txBody>
-      </p:sp>
-      <p:sp>
-        <p:nvSpPr>
-          <p:cNvPr id="85" name="object 64">
-            <a:extLst>
-              <a:ext uri="{FF2B5EF4-FFF2-40B4-BE49-F238E27FC236}">
-                <a16:creationId xmlns:a16="http://schemas.microsoft.com/office/drawing/2014/main" id="{3921F04C-B61B-A948-947F-C33BBFF39A32}"/>
-              </a:ext>
-            </a:extLst>
-          </p:cNvPr>
-          <p:cNvSpPr txBox="1"/>
-          <p:nvPr/>
-        </p:nvSpPr>
-        <p:spPr>
-          <a:xfrm>
-            <a:off x="4732495" y="8541244"/>
-            <a:ext cx="810895" cy="382797"/>
-          </a:xfrm>
-          <a:prstGeom prst="rect">
-            <a:avLst/>
-          </a:prstGeom>
-        </p:spPr>
-        <p:txBody>
-          <a:bodyPr vert="horz" wrap="square" lIns="0" tIns="23495" rIns="0" bIns="0" rtlCol="0">
-            <a:spAutoFit/>
-          </a:bodyPr>
-          <a:lstStyle/>
-          <a:p>
-            <a:pPr marL="139065" marR="5080" indent="-139065">
-              <a:lnSpc>
-                <a:spcPts val="1390"/>
-              </a:lnSpc>
-              <a:spcBef>
-                <a:spcPts val="185"/>
-              </a:spcBef>
-            </a:pPr>
-            <a:r>
-              <a:rPr lang="en-US" sz="1200" b="1" spc="-15" dirty="0">
-                <a:solidFill>
-                  <a:srgbClr val="FFFFFF"/>
-                </a:solidFill>
-                <a:latin typeface="Adobe Clean"/>
-                <a:cs typeface="Adobe Clean"/>
-              </a:rPr>
-              <a:t>Accelerated Support</a:t>
-            </a:r>
-            <a:endParaRPr sz="1200" dirty="0">
-              <a:latin typeface="Adobe Clean"/>
-              <a:cs typeface="Adobe Clean"/>
-            </a:endParaRPr>
           </a:p>
         </p:txBody>
       </p:sp>
@@ -13390,8 +11584,8 @@
         </p:nvSpPr>
         <p:spPr>
           <a:xfrm>
-            <a:off x="6624119" y="8543943"/>
-            <a:ext cx="510540" cy="385445"/>
+            <a:off x="6400800" y="8543943"/>
+            <a:ext cx="971190" cy="382797"/>
           </a:xfrm>
           <a:prstGeom prst="rect">
             <a:avLst/>
@@ -13403,7 +11597,7 @@
           </a:bodyPr>
           <a:lstStyle/>
           <a:p>
-            <a:pPr marL="50800" marR="5080" indent="-51435">
+            <a:pPr marL="50800" marR="5080" indent="-51435" algn="ctr">
               <a:lnSpc>
                 <a:spcPts val="1390"/>
               </a:lnSpc>
@@ -13412,109 +11606,37 @@
               </a:spcBef>
             </a:pPr>
             <a:r>
-              <a:rPr sz="1200" b="1" spc="-50" dirty="0">
+              <a:rPr lang="ja-JP" sz="1200" b="1" dirty="0">
                 <a:solidFill>
                   <a:srgbClr val="FFFFFF"/>
                 </a:solidFill>
-                <a:latin typeface="Adobe Clean"/>
+                <a:latin typeface="Adobe Clean Han Regular" panose="020B0500000000000000" pitchFamily="34" charset="-128"/>
+                <a:ea typeface="Adobe Clean Han Regular" panose="020B0500000000000000" pitchFamily="34" charset="-128"/>
                 <a:cs typeface="Adobe Clean"/>
               </a:rPr>
-              <a:t>S</a:t>
+              <a:t>戦略的</a:t>
             </a:r>
-            <a:r>
-              <a:rPr sz="1200" b="1" spc="-20" dirty="0">
+            <a:br>
+              <a:rPr lang="ja-JP" sz="1200" b="1" dirty="0">
                 <a:solidFill>
                   <a:srgbClr val="FFFFFF"/>
                 </a:solidFill>
-                <a:latin typeface="Adobe Clean"/>
+                <a:latin typeface="Adobe Clean Han Regular" panose="020B0500000000000000" pitchFamily="34" charset="-128"/>
+                <a:ea typeface="Adobe Clean Han Regular" panose="020B0500000000000000" pitchFamily="34" charset="-128"/>
                 <a:cs typeface="Adobe Clean"/>
               </a:rPr>
-              <a:t>t</a:t>
-            </a:r>
+            </a:br>
             <a:r>
-              <a:rPr sz="1200" b="1" spc="-75" dirty="0">
+              <a:rPr lang="ja-JP" sz="1200" b="1" dirty="0">
                 <a:solidFill>
                   <a:srgbClr val="FFFFFF"/>
                 </a:solidFill>
-                <a:latin typeface="Adobe Clean"/>
+                <a:latin typeface="Adobe Clean Han Regular" panose="020B0500000000000000" pitchFamily="34" charset="-128"/>
+                <a:ea typeface="Adobe Clean Han Regular" panose="020B0500000000000000" pitchFamily="34" charset="-128"/>
                 <a:cs typeface="Adobe Clean"/>
               </a:rPr>
-              <a:t>r</a:t>
+              <a:t>アドバイス</a:t>
             </a:r>
-            <a:r>
-              <a:rPr sz="1200" b="1" spc="-90" dirty="0">
-                <a:solidFill>
-                  <a:srgbClr val="FFFFFF"/>
-                </a:solidFill>
-                <a:latin typeface="Adobe Clean"/>
-                <a:cs typeface="Adobe Clean"/>
-              </a:rPr>
-              <a:t>a</a:t>
-            </a:r>
-            <a:r>
-              <a:rPr sz="1200" b="1" spc="-55" dirty="0">
-                <a:solidFill>
-                  <a:srgbClr val="FFFFFF"/>
-                </a:solidFill>
-                <a:latin typeface="Adobe Clean"/>
-                <a:cs typeface="Adobe Clean"/>
-              </a:rPr>
-              <a:t>t</a:t>
-            </a:r>
-            <a:r>
-              <a:rPr sz="1200" b="1" spc="-100" dirty="0">
-                <a:solidFill>
-                  <a:srgbClr val="FFFFFF"/>
-                </a:solidFill>
-                <a:latin typeface="Adobe Clean"/>
-                <a:cs typeface="Adobe Clean"/>
-              </a:rPr>
-              <a:t>e</a:t>
-            </a:r>
-            <a:r>
-              <a:rPr sz="1200" b="1" spc="-80" dirty="0">
-                <a:solidFill>
-                  <a:srgbClr val="FFFFFF"/>
-                </a:solidFill>
-                <a:latin typeface="Adobe Clean"/>
-                <a:cs typeface="Adobe Clean"/>
-              </a:rPr>
-              <a:t>g</a:t>
-            </a:r>
-            <a:r>
-              <a:rPr sz="1200" b="1" spc="-35" dirty="0">
-                <a:solidFill>
-                  <a:srgbClr val="FFFFFF"/>
-                </a:solidFill>
-                <a:latin typeface="Adobe Clean"/>
-                <a:cs typeface="Adobe Clean"/>
-              </a:rPr>
-              <a:t>i</a:t>
-            </a:r>
-            <a:r>
-              <a:rPr sz="1200" b="1" dirty="0">
-                <a:solidFill>
-                  <a:srgbClr val="FFFFFF"/>
-                </a:solidFill>
-                <a:latin typeface="Adobe Clean"/>
-                <a:cs typeface="Adobe Clean"/>
-              </a:rPr>
-              <a:t>c  </a:t>
-            </a:r>
-            <a:r>
-              <a:rPr sz="1200" b="1" spc="-45" dirty="0">
-                <a:solidFill>
-                  <a:srgbClr val="FFFFFF"/>
-                </a:solidFill>
-                <a:latin typeface="Adobe Clean"/>
-                <a:cs typeface="Adobe Clean"/>
-              </a:rPr>
-              <a:t>Advice</a:t>
-            </a:r>
-            <a:endParaRPr sz="1200" dirty="0">
-              <a:latin typeface="Adobe Clean"/>
-              <a:cs typeface="Adobe Clean"/>
-            </a:endParaRPr>
           </a:p>
         </p:txBody>
       </p:sp>
@@ -13650,14 +11772,14 @@
           <p:nvPr>
             <p:extLst>
               <p:ext uri="{D42A27DB-BD31-4B8C-83A1-F6EECF244321}">
-                <p14:modId xmlns:p14="http://schemas.microsoft.com/office/powerpoint/2010/main" val="2132680960"/>
+                <p14:modId xmlns:p14="http://schemas.microsoft.com/office/powerpoint/2010/main" val="2598428346"/>
               </p:ext>
             </p:extLst>
           </p:nvPr>
         </p:nvGraphicFramePr>
         <p:xfrm>
           <a:off x="202054" y="1222225"/>
-          <a:ext cx="7368291" cy="2473960"/>
+          <a:ext cx="7368291" cy="2626360"/>
         </p:xfrm>
         <a:graphic>
           <a:graphicData uri="http://schemas.openxmlformats.org/drawingml/2006/table">
@@ -13666,14 +11788,14 @@
                 <a:tableStyleId>{5C22544A-7EE6-4342-B048-85BDC9FD1C3A}</a:tableStyleId>
               </a:tblPr>
               <a:tblGrid>
-                <a:gridCol w="3691964">
+                <a:gridCol w="3531746">
                   <a:extLst>
                     <a:ext uri="{9D8B030D-6E8A-4147-A177-3AD203B41FA5}">
                       <a16:colId xmlns:a16="http://schemas.microsoft.com/office/drawing/2014/main" val="2170848118"/>
                     </a:ext>
                   </a:extLst>
                 </a:gridCol>
-                <a:gridCol w="3676327">
+                <a:gridCol w="3836545">
                   <a:extLst>
                     <a:ext uri="{9D8B030D-6E8A-4147-A177-3AD203B41FA5}">
                       <a16:colId xmlns:a16="http://schemas.microsoft.com/office/drawing/2014/main" val="3885359254"/>
@@ -13691,12 +11813,12 @@
                         <a:tabLst/>
                       </a:pPr>
                       <a:r>
-                        <a:rPr lang="en-US" sz="1200" b="0" strike="noStrike" dirty="0">
+                        <a:rPr lang="ja-JP" sz="1200" b="0" strike="noStrike" dirty="0">
                           <a:solidFill>
                             <a:srgbClr val="5F5F5F"/>
                           </a:solidFill>
-                          <a:latin typeface="Adobe Clean" panose="020B0503020404020204" pitchFamily="34" charset="0"/>
-                          <a:ea typeface="+mn-ea"/>
+                          <a:latin typeface="Adobe Clean Han Regular" panose="020B0500000000000000" pitchFamily="34" charset="-128"/>
+                          <a:ea typeface="Adobe Clean Han Regular" panose="020B0500000000000000" pitchFamily="34" charset="-128"/>
                           <a:cs typeface="+mn-cs"/>
                           <a:hlinkClick r:id="rId13">
                             <a:extLst>
@@ -13708,14 +11830,6 @@
                         </a:rPr>
                         <a:t>Experience League</a:t>
                       </a:r>
-                      <a:endParaRPr lang="en-US" sz="1200" b="0" strike="noStrike" dirty="0">
-                        <a:solidFill>
-                          <a:srgbClr val="5F5F5F"/>
-                        </a:solidFill>
-                        <a:latin typeface="Adobe Clean" panose="020B0503020404020204" pitchFamily="34" charset="0"/>
-                        <a:ea typeface="+mn-ea"/>
-                        <a:cs typeface="+mn-cs"/>
-                      </a:endParaRPr>
                     </a:p>
                   </a:txBody>
                   <a:tcPr marL="47625" marR="47625" marT="0" marB="0" anchor="ctr">
@@ -13789,15 +11903,15 @@
                         <a:defRPr/>
                       </a:pPr>
                       <a:r>
-                        <a:rPr lang="en-US" sz="1000" b="0" strike="noStrike" kern="1200" dirty="0">
+                        <a:rPr lang="ja-JP" sz="1000" b="0" strike="noStrike" dirty="0">
                           <a:solidFill>
                             <a:schemeClr val="tx1"/>
                           </a:solidFill>
-                          <a:latin typeface="Adobe Clean Light" panose="020B0303020404020204" pitchFamily="34" charset="0"/>
-                          <a:ea typeface="+mn-ea"/>
+                          <a:latin typeface="Adobe Clean Han Light" panose="020B0300000000000000" pitchFamily="34" charset="-128"/>
+                          <a:ea typeface="Adobe Clean Han Light" panose="020B0300000000000000" pitchFamily="34" charset="-128"/>
                           <a:cs typeface="+mn-cs"/>
                         </a:rPr>
-                        <a:t>Experience League is a place where Adobe customers can find self-help tutorials, product documentation, instructor-led training, community and support for select Adobe Creative Cloud and Document products.</a:t>
+                        <a:t>Experience League は、アドビのお客様が、選択された Adobe Creative Cloud および Document 製品に対するセルフサービスのチュートリアル、製品ドキュメント、講師によるトレーニング、コミュニティおよびサポートを見つけることができる場所です。</a:t>
                       </a:r>
                     </a:p>
                   </a:txBody>
@@ -13879,13 +11993,12 @@
                         <a:defRPr/>
                       </a:pPr>
                       <a:r>
-                        <a:rPr lang="en-US" sz="1200" strike="noStrike" dirty="0">
+                        <a:rPr lang="ja-JP" sz="1200" strike="noStrike">
                           <a:solidFill>
                             <a:srgbClr val="5F5F5F"/>
                           </a:solidFill>
-                          <a:effectLst/>
-                          <a:latin typeface="Adobe Clean" panose="020B0503020404020204" pitchFamily="34" charset="0"/>
-                          <a:ea typeface="+mn-ea"/>
+                          <a:latin typeface="Adobe Clean Han Regular" panose="020B0500000000000000" pitchFamily="34" charset="-128"/>
+                          <a:ea typeface="Adobe Clean Han Regular" panose="020B0500000000000000" pitchFamily="34" charset="-128"/>
                           <a:cs typeface="+mn-cs"/>
                           <a:hlinkClick r:id="rId14">
                             <a:extLst>
@@ -13895,17 +12008,8 @@
                             </a:extLst>
                           </a:hlinkClick>
                         </a:rPr>
-                        <a:t>Adobe Support Community </a:t>
+                        <a:t>アドビサポートコミュニティ </a:t>
                       </a:r>
-                      <a:endParaRPr lang="en-US" sz="1200" strike="noStrike" dirty="0">
-                        <a:solidFill>
-                          <a:srgbClr val="5F5F5F"/>
-                        </a:solidFill>
-                        <a:effectLst/>
-                        <a:latin typeface="Adobe Clean" panose="020B0503020404020204" pitchFamily="34" charset="0"/>
-                        <a:ea typeface="+mn-ea"/>
-                        <a:cs typeface="+mn-cs"/>
-                      </a:endParaRPr>
                     </a:p>
                   </a:txBody>
                   <a:tcPr anchor="ctr">
@@ -13979,27 +12083,16 @@
                         <a:defRPr/>
                       </a:pPr>
                       <a:r>
-                        <a:rPr lang="en-US" sz="1000" strike="noStrike" kern="1200" dirty="0">
+                        <a:rPr lang="ja-JP" sz="1000" strike="noStrike" dirty="0">
                           <a:solidFill>
                             <a:schemeClr val="tx1"/>
                           </a:solidFill>
-                          <a:latin typeface="Adobe Clean Light" panose="020B0303020404020204" pitchFamily="34" charset="0"/>
-                          <a:ea typeface="+mn-ea"/>
+                          <a:latin typeface="Adobe Clean Han Light" panose="020B0300000000000000" pitchFamily="34" charset="-128"/>
+                          <a:ea typeface="Adobe Clean Han Light" panose="020B0300000000000000" pitchFamily="34" charset="-128"/>
                           <a:cs typeface="+mn-cs"/>
                         </a:rPr>
-                        <a:t>The Adobe Support Community is the place to ask questions, find answers, learn from experts and share your knowledge.</a:t>
+                        <a:t>アドビサポートコミュニティは、質問をしたり、回答を見つけたり、エキスパートから学んだり、お客様の知識を共有したりする場所です。</a:t>
                       </a:r>
-                      <a:endParaRPr lang="en-US" sz="1000" strike="noStrike" kern="1200" dirty="0">
-                        <a:solidFill>
-                          <a:schemeClr val="tx1"/>
-                        </a:solidFill>
-                        <a:highlight>
-                          <a:srgbClr val="FFFF00"/>
-                        </a:highlight>
-                        <a:latin typeface="Adobe Clean Light" panose="020B0303020404020204" pitchFamily="34" charset="0"/>
-                        <a:ea typeface="+mn-ea"/>
-                        <a:cs typeface="+mn-cs"/>
-                      </a:endParaRPr>
                     </a:p>
                   </a:txBody>
                   <a:tcPr anchor="ctr">
@@ -14080,13 +12173,12 @@
                         <a:defRPr/>
                       </a:pPr>
                       <a:r>
-                        <a:rPr lang="en-US" sz="1200" dirty="0">
+                        <a:rPr lang="ja-JP" sz="1200">
                           <a:solidFill>
                             <a:srgbClr val="5F5F5F"/>
                           </a:solidFill>
-                          <a:effectLst/>
-                          <a:latin typeface="Adobe Clean" panose="020B0503020404020204" pitchFamily="34" charset="0"/>
-                          <a:ea typeface="+mn-ea"/>
+                          <a:latin typeface="Adobe Clean Han Regular" panose="020B0500000000000000" pitchFamily="34" charset="-128"/>
+                          <a:ea typeface="Adobe Clean Han Regular" panose="020B0500000000000000" pitchFamily="34" charset="-128"/>
                           <a:cs typeface="+mn-cs"/>
                           <a:hlinkClick r:id="rId15">
                             <a:extLst>
@@ -14096,17 +12188,8 @@
                             </a:extLst>
                           </a:hlinkClick>
                         </a:rPr>
-                        <a:t>Production Issues &amp; System Outages</a:t>
+                        <a:t>本番環境の問題とシステム障害</a:t>
                       </a:r>
-                      <a:endParaRPr lang="en-US" sz="1200" dirty="0">
-                        <a:solidFill>
-                          <a:srgbClr val="5F5F5F"/>
-                        </a:solidFill>
-                        <a:effectLst/>
-                        <a:latin typeface="Adobe Clean" panose="020B0503020404020204" pitchFamily="34" charset="0"/>
-                        <a:ea typeface="+mn-ea"/>
-                        <a:cs typeface="+mn-cs"/>
-                      </a:endParaRPr>
                     </a:p>
                   </a:txBody>
                   <a:tcPr anchor="ctr">
@@ -14180,15 +12263,15 @@
                         <a:defRPr/>
                       </a:pPr>
                       <a:r>
-                        <a:rPr lang="en-US" sz="1000" kern="1200" dirty="0">
+                        <a:rPr lang="ja-JP" sz="1000" dirty="0">
                           <a:solidFill>
                             <a:schemeClr val="tx1"/>
                           </a:solidFill>
-                          <a:latin typeface="Adobe Clean Light" panose="020B0303020404020204" pitchFamily="34" charset="0"/>
-                          <a:ea typeface="+mn-ea"/>
+                          <a:latin typeface="Adobe Clean Han Light" panose="020B0300000000000000" pitchFamily="34" charset="-128"/>
+                          <a:ea typeface="Adobe Clean Han Light" panose="020B0300000000000000" pitchFamily="34" charset="-128"/>
                           <a:cs typeface="+mn-cs"/>
                         </a:rPr>
-                        <a:t>Status.adobe.com conveys the health information of all Adobe products and services that are deployed in multi-tenant environments. Customers can choose their subscription preferences to get email notifications whenever Adobe creates, updates or resolves a product event. This can include scheduled maintenance or service issues of varying levels of severity. </a:t>
+                        <a:t>status.adobe.com では、マルチテナント環境にデプロイされたすべてのアドビ製品およびサービスのシステムステータス情報が表示されます。お客様は、アドビが製品イベントを作成、更新、解決した際に電子メール通知を受け取るようサブスクリプション設定を選択できます。イベントには、定期的なメンテナンスや、様々な重大度レベルの問題が含まれています。 </a:t>
                       </a:r>
                     </a:p>
                   </a:txBody>
@@ -14270,13 +12353,12 @@
                         <a:defRPr/>
                       </a:pPr>
                       <a:r>
-                        <a:rPr lang="en-US" sz="1200" dirty="0">
+                        <a:rPr lang="ja-JP" sz="1200">
                           <a:solidFill>
                             <a:srgbClr val="5F5F5F"/>
                           </a:solidFill>
-                          <a:effectLst/>
-                          <a:latin typeface="Adobe Clean" panose="020B0503020404020204" pitchFamily="34" charset="0"/>
-                          <a:ea typeface="+mn-ea"/>
+                          <a:latin typeface="Adobe Clean Han Regular" panose="020B0500000000000000" pitchFamily="34" charset="-128"/>
+                          <a:ea typeface="Adobe Clean Han Regular" panose="020B0500000000000000" pitchFamily="34" charset="-128"/>
                           <a:cs typeface="+mn-cs"/>
                           <a:hlinkClick r:id="rId16">
                             <a:extLst>
@@ -14286,17 +12368,8 @@
                             </a:extLst>
                           </a:hlinkClick>
                         </a:rPr>
-                        <a:t>Terms and Conditions</a:t>
+                        <a:t>利用条件</a:t>
                       </a:r>
-                      <a:endParaRPr lang="en-US" sz="1200" dirty="0">
-                        <a:solidFill>
-                          <a:srgbClr val="5F5F5F"/>
-                        </a:solidFill>
-                        <a:effectLst/>
-                        <a:latin typeface="Adobe Clean" panose="020B0503020404020204" pitchFamily="34" charset="0"/>
-                        <a:ea typeface="+mn-ea"/>
-                        <a:cs typeface="+mn-cs"/>
-                      </a:endParaRPr>
                     </a:p>
                   </a:txBody>
                   <a:tcPr anchor="ctr">
@@ -14353,15 +12426,15 @@
                     <a:lstStyle/>
                     <a:p>
                       <a:r>
-                        <a:rPr lang="en-US" sz="1000" kern="1200" dirty="0">
+                        <a:rPr lang="ja-JP" sz="1000" dirty="0">
                           <a:solidFill>
                             <a:schemeClr val="tx1"/>
                           </a:solidFill>
-                          <a:latin typeface="Adobe Clean Light" panose="020B0303020404020204" pitchFamily="34" charset="0"/>
-                          <a:ea typeface="+mn-ea"/>
+                          <a:latin typeface="Adobe Clean Han Light" panose="020B0300000000000000" pitchFamily="34" charset="-128"/>
+                          <a:ea typeface="Adobe Clean Han Light" panose="020B0300000000000000" pitchFamily="34" charset="-128"/>
                           <a:cs typeface="+mn-cs"/>
                         </a:rPr>
-                        <a:t>Terms and conditions detailing Support Services offerings.</a:t>
+                        <a:t>提供するサポートサービスについて詳しく説明されています。</a:t>
                       </a:r>
                     </a:p>
                   </a:txBody>
@@ -14467,7 +12540,10 @@
           <a:bodyPr wrap="square" lIns="0" tIns="0" rIns="0" bIns="0" rtlCol="0"/>
           <a:lstStyle/>
           <a:p>
-            <a:endParaRPr dirty="0"/>
+            <a:endParaRPr dirty="0">
+              <a:latin typeface="Adobe Clean Han Regular" panose="020B0500000000000000" pitchFamily="34" charset="-128"/>
+              <a:ea typeface="Adobe Clean Han Regular" panose="020B0500000000000000" pitchFamily="34" charset="-128"/>
+            </a:endParaRPr>
           </a:p>
         </p:txBody>
       </p:sp>
@@ -14528,71 +12604,13 @@
     <a:fontScheme name="Office">
       <a:majorFont>
         <a:latin typeface="Calibri"/>
-        <a:ea typeface=""/>
+        <a:ea typeface="MS Mincho"/>
         <a:cs typeface=""/>
-        <a:font script="Jpan" typeface="ＭＳ Ｐゴシック"/>
-        <a:font script="Hang" typeface="맑은 고딕"/>
-        <a:font script="Hans" typeface="宋体"/>
-        <a:font script="Hant" typeface="新細明體"/>
-        <a:font script="Arab" typeface="Times New Roman"/>
-        <a:font script="Hebr" typeface="Times New Roman"/>
-        <a:font script="Thai" typeface="Angsana New"/>
-        <a:font script="Ethi" typeface="Nyala"/>
-        <a:font script="Beng" typeface="Vrinda"/>
-        <a:font script="Gujr" typeface="Shruti"/>
-        <a:font script="Khmr" typeface="MoolBoran"/>
-        <a:font script="Knda" typeface="Tunga"/>
-        <a:font script="Guru" typeface="Raavi"/>
-        <a:font script="Cans" typeface="Euphemia"/>
-        <a:font script="Cher" typeface="Plantagenet Cherokee"/>
-        <a:font script="Yiii" typeface="Microsoft Yi Baiti"/>
-        <a:font script="Tibt" typeface="Microsoft Himalaya"/>
-        <a:font script="Thaa" typeface="MV Boli"/>
-        <a:font script="Deva" typeface="Mangal"/>
-        <a:font script="Telu" typeface="Gautami"/>
-        <a:font script="Taml" typeface="Latha"/>
-        <a:font script="Syrc" typeface="Estrangelo Edessa"/>
-        <a:font script="Orya" typeface="Kalinga"/>
-        <a:font script="Mlym" typeface="Kartika"/>
-        <a:font script="Laoo" typeface="DokChampa"/>
-        <a:font script="Sinh" typeface="Iskoola Pota"/>
-        <a:font script="Mong" typeface="Mongolian Baiti"/>
-        <a:font script="Viet" typeface="Times New Roman"/>
-        <a:font script="Uigh" typeface="Microsoft Uighur"/>
       </a:majorFont>
       <a:minorFont>
         <a:latin typeface="Calibri"/>
-        <a:ea typeface=""/>
+        <a:ea typeface="MS Mincho"/>
         <a:cs typeface=""/>
-        <a:font script="Jpan" typeface="ＭＳ Ｐゴシック"/>
-        <a:font script="Hang" typeface="맑은 고딕"/>
-        <a:font script="Hans" typeface="宋体"/>
-        <a:font script="Hant" typeface="新細明體"/>
-        <a:font script="Arab" typeface="Arial"/>
-        <a:font script="Hebr" typeface="Arial"/>
-        <a:font script="Thai" typeface="Cordia New"/>
-        <a:font script="Ethi" typeface="Nyala"/>
-        <a:font script="Beng" typeface="Vrinda"/>
-        <a:font script="Gujr" typeface="Shruti"/>
-        <a:font script="Khmr" typeface="DaunPenh"/>
-        <a:font script="Knda" typeface="Tunga"/>
-        <a:font script="Guru" typeface="Raavi"/>
-        <a:font script="Cans" typeface="Euphemia"/>
-        <a:font script="Cher" typeface="Plantagenet Cherokee"/>
-        <a:font script="Yiii" typeface="Microsoft Yi Baiti"/>
-        <a:font script="Tibt" typeface="Microsoft Himalaya"/>
-        <a:font script="Thaa" typeface="MV Boli"/>
-        <a:font script="Deva" typeface="Mangal"/>
-        <a:font script="Telu" typeface="Gautami"/>
-        <a:font script="Taml" typeface="Latha"/>
-        <a:font script="Syrc" typeface="Estrangelo Edessa"/>
-        <a:font script="Orya" typeface="Kalinga"/>
-        <a:font script="Mlym" typeface="Kartika"/>
-        <a:font script="Laoo" typeface="DokChampa"/>
-        <a:font script="Sinh" typeface="Iskoola Pota"/>
-        <a:font script="Mong" typeface="Mongolian Baiti"/>
-        <a:font script="Viet" typeface="Arial"/>
-        <a:font script="Uigh" typeface="Microsoft Uighur"/>
       </a:minorFont>
     </a:fontScheme>
     <a:fmtScheme name="Office">
@@ -14811,107 +12829,13 @@
     <a:fontScheme name="Office">
       <a:majorFont>
         <a:latin typeface="Calibri Light" panose="020F0302020204030204"/>
-        <a:ea typeface=""/>
+        <a:ea typeface="MS Mincho"/>
         <a:cs typeface=""/>
-        <a:font script="Jpan" typeface="游ゴシック Light"/>
-        <a:font script="Hang" typeface="맑은 고딕"/>
-        <a:font script="Hans" typeface="等线 Light"/>
-        <a:font script="Hant" typeface="新細明體"/>
-        <a:font script="Arab" typeface="Times New Roman"/>
-        <a:font script="Hebr" typeface="Times New Roman"/>
-        <a:font script="Thai" typeface="Angsana New"/>
-        <a:font script="Ethi" typeface="Nyala"/>
-        <a:font script="Beng" typeface="Vrinda"/>
-        <a:font script="Gujr" typeface="Shruti"/>
-        <a:font script="Khmr" typeface="MoolBoran"/>
-        <a:font script="Knda" typeface="Tunga"/>
-        <a:font script="Guru" typeface="Raavi"/>
-        <a:font script="Cans" typeface="Euphemia"/>
-        <a:font script="Cher" typeface="Plantagenet Cherokee"/>
-        <a:font script="Yiii" typeface="Microsoft Yi Baiti"/>
-        <a:font script="Tibt" typeface="Microsoft Himalaya"/>
-        <a:font script="Thaa" typeface="MV Boli"/>
-        <a:font script="Deva" typeface="Mangal"/>
-        <a:font script="Telu" typeface="Gautami"/>
-        <a:font script="Taml" typeface="Latha"/>
-        <a:font script="Syrc" typeface="Estrangelo Edessa"/>
-        <a:font script="Orya" typeface="Kalinga"/>
-        <a:font script="Mlym" typeface="Kartika"/>
-        <a:font script="Laoo" typeface="DokChampa"/>
-        <a:font script="Sinh" typeface="Iskoola Pota"/>
-        <a:font script="Mong" typeface="Mongolian Baiti"/>
-        <a:font script="Viet" typeface="Times New Roman"/>
-        <a:font script="Uigh" typeface="Microsoft Uighur"/>
-        <a:font script="Geor" typeface="Sylfaen"/>
-        <a:font script="Armn" typeface="Arial"/>
-        <a:font script="Bugi" typeface="Leelawadee UI"/>
-        <a:font script="Bopo" typeface="Microsoft JhengHei"/>
-        <a:font script="Java" typeface="Javanese Text"/>
-        <a:font script="Lisu" typeface="Segoe UI"/>
-        <a:font script="Mymr" typeface="Myanmar Text"/>
-        <a:font script="Nkoo" typeface="Ebrima"/>
-        <a:font script="Olck" typeface="Nirmala UI"/>
-        <a:font script="Osma" typeface="Ebrima"/>
-        <a:font script="Phag" typeface="Phagspa"/>
-        <a:font script="Syrn" typeface="Estrangelo Edessa"/>
-        <a:font script="Syrj" typeface="Estrangelo Edessa"/>
-        <a:font script="Syre" typeface="Estrangelo Edessa"/>
-        <a:font script="Sora" typeface="Nirmala UI"/>
-        <a:font script="Tale" typeface="Microsoft Tai Le"/>
-        <a:font script="Talu" typeface="Microsoft New Tai Lue"/>
-        <a:font script="Tfng" typeface="Ebrima"/>
       </a:majorFont>
       <a:minorFont>
         <a:latin typeface="Calibri" panose="020F0502020204030204"/>
-        <a:ea typeface=""/>
+        <a:ea typeface="MS Mincho"/>
         <a:cs typeface=""/>
-        <a:font script="Jpan" typeface="游ゴシック"/>
-        <a:font script="Hang" typeface="맑은 고딕"/>
-        <a:font script="Hans" typeface="等线"/>
-        <a:font script="Hant" typeface="新細明體"/>
-        <a:font script="Arab" typeface="Arial"/>
-        <a:font script="Hebr" typeface="Arial"/>
-        <a:font script="Thai" typeface="Cordia New"/>
-        <a:font script="Ethi" typeface="Nyala"/>
-        <a:font script="Beng" typeface="Vrinda"/>
-        <a:font script="Gujr" typeface="Shruti"/>
-        <a:font script="Khmr" typeface="DaunPenh"/>
-        <a:font script="Knda" typeface="Tunga"/>
-        <a:font script="Guru" typeface="Raavi"/>
-        <a:font script="Cans" typeface="Euphemia"/>
-        <a:font script="Cher" typeface="Plantagenet Cherokee"/>
-        <a:font script="Yiii" typeface="Microsoft Yi Baiti"/>
-        <a:font script="Tibt" typeface="Microsoft Himalaya"/>
-        <a:font script="Thaa" typeface="MV Boli"/>
-        <a:font script="Deva" typeface="Mangal"/>
-        <a:font script="Telu" typeface="Gautami"/>
-        <a:font script="Taml" typeface="Latha"/>
-        <a:font script="Syrc" typeface="Estrangelo Edessa"/>
-        <a:font script="Orya" typeface="Kalinga"/>
-        <a:font script="Mlym" typeface="Kartika"/>
-        <a:font script="Laoo" typeface="DokChampa"/>
-        <a:font script="Sinh" typeface="Iskoola Pota"/>
-        <a:font script="Mong" typeface="Mongolian Baiti"/>
-        <a:font script="Viet" typeface="Arial"/>
-        <a:font script="Uigh" typeface="Microsoft Uighur"/>
-        <a:font script="Geor" typeface="Sylfaen"/>
-        <a:font script="Armn" typeface="Arial"/>
-        <a:font script="Bugi" typeface="Leelawadee UI"/>
-        <a:font script="Bopo" typeface="Microsoft JhengHei"/>
-        <a:font script="Java" typeface="Javanese Text"/>
-        <a:font script="Lisu" typeface="Segoe UI"/>
-        <a:font script="Mymr" typeface="Myanmar Text"/>
-        <a:font script="Nkoo" typeface="Ebrima"/>
-        <a:font script="Olck" typeface="Nirmala UI"/>
-        <a:font script="Osma" typeface="Ebrima"/>
-        <a:font script="Phag" typeface="Phagspa"/>
-        <a:font script="Syrn" typeface="Estrangelo Edessa"/>
-        <a:font script="Syrj" typeface="Estrangelo Edessa"/>
-        <a:font script="Syre" typeface="Estrangelo Edessa"/>
-        <a:font script="Sora" typeface="Nirmala UI"/>
-        <a:font script="Tale" typeface="Microsoft Tai Le"/>
-        <a:font script="Talu" typeface="Microsoft New Tai Lue"/>
-        <a:font script="Tfng" typeface="Ebrima"/>
       </a:minorFont>
     </a:fontScheme>
     <a:fmtScheme name="Office">
@@ -15069,6 +12993,15 @@
 </file>
 
 <file path=customXml/item2.xml><?xml version="1.0" encoding="utf-8"?>
+<?mso-contentType ?>
+<FormTemplates xmlns="http://schemas.microsoft.com/sharepoint/v3/contenttype/forms">
+  <Display>DocumentLibraryForm</Display>
+  <Edit>DocumentLibraryForm</Edit>
+  <New>DocumentLibraryForm</New>
+</FormTemplates>
+</file>
+
+<file path=customXml/item3.xml><?xml version="1.0" encoding="utf-8"?>
 <ct:contentTypeSchema xmlns:ct="http://schemas.microsoft.com/office/2006/metadata/contentType" xmlns:ma="http://schemas.microsoft.com/office/2006/metadata/properties/metaAttributes" ct:_="" ma:_="" ma:contentTypeName="Document" ma:contentTypeID="0x0101009423269C2B3A1A408FE719AA0C68584E" ma:contentTypeVersion="12" ma:contentTypeDescription="Create a new document." ma:contentTypeScope="" ma:versionID="bb0e62b6784238cdabe687d3bb80e52e">
   <xsd:schema xmlns:xsd="http://www.w3.org/2001/XMLSchema" xmlns:xs="http://www.w3.org/2001/XMLSchema" xmlns:p="http://schemas.microsoft.com/office/2006/metadata/properties" xmlns:ns2="01e63850-2818-4a9f-a0cd-2d4201ad5cd5" xmlns:ns3="281057cd-4f7e-4aa3-94a7-05201549cd15" targetNamespace="http://schemas.microsoft.com/office/2006/metadata/properties" ma:root="true" ma:fieldsID="8056aed6c30138b1a2c5f47f967a193a" ns2:_="" ns3:_="">
     <xsd:import namespace="01e63850-2818-4a9f-a0cd-2d4201ad5cd5"/>
@@ -15285,15 +13218,6 @@
 </ct:contentTypeSchema>
 </file>
 
-<file path=customXml/item3.xml><?xml version="1.0" encoding="utf-8"?>
-<?mso-contentType ?>
-<FormTemplates xmlns="http://schemas.microsoft.com/sharepoint/v3/contenttype/forms">
-  <Display>DocumentLibraryForm</Display>
-  <Edit>DocumentLibraryForm</Edit>
-  <New>DocumentLibraryForm</New>
-</FormTemplates>
-</file>
-
 <file path=customXml/itemProps1.xml><?xml version="1.0" encoding="utf-8"?>
 <ds:datastoreItem xmlns:ds="http://schemas.openxmlformats.org/officeDocument/2006/customXml" ds:itemID="{8D12BD98-169B-4BEE-86DF-4C9641DF23C4}">
   <ds:schemaRefs>
@@ -15312,6 +13236,14 @@
 </file>
 
 <file path=customXml/itemProps2.xml><?xml version="1.0" encoding="utf-8"?>
+<ds:datastoreItem xmlns:ds="http://schemas.openxmlformats.org/officeDocument/2006/customXml" ds:itemID="{AC92E7FA-19A2-4675-9C77-2C92D8A268D1}">
+  <ds:schemaRefs>
+    <ds:schemaRef ds:uri="http://schemas.microsoft.com/sharepoint/v3/contenttype/forms"/>
+  </ds:schemaRefs>
+</ds:datastoreItem>
+</file>
+
+<file path=customXml/itemProps3.xml><?xml version="1.0" encoding="utf-8"?>
 <ds:datastoreItem xmlns:ds="http://schemas.openxmlformats.org/officeDocument/2006/customXml" ds:itemID="{33D697C7-8900-4A9E-A95D-28A96A3A30CA}">
   <ds:schemaRefs>
     <ds:schemaRef ds:uri="http://schemas.microsoft.com/office/2006/metadata/contentType"/>
@@ -15328,12 +13260,4 @@
     <ds:schemaRef ds:uri="http://schemas.microsoft.com/internal/obd"/>
   </ds:schemaRefs>
 </ds:datastoreItem>
-</file>
-
-<file path=customXml/itemProps3.xml><?xml version="1.0" encoding="utf-8"?>
-<ds:datastoreItem xmlns:ds="http://schemas.openxmlformats.org/officeDocument/2006/customXml" ds:itemID="{AC92E7FA-19A2-4675-9C77-2C92D8A268D1}">
-  <ds:schemaRefs>
-    <ds:schemaRef ds:uri="http://schemas.microsoft.com/sharepoint/v3/contenttype/forms"/>
-  </ds:schemaRefs>
-</ds:datastoreItem>
 </file>